--- a/java 8 stream training.pptx
+++ b/java 8 stream training.pptx
@@ -14,6 +14,12 @@
     <p:sldId id="262" r:id="rId8"/>
     <p:sldId id="263" r:id="rId9"/>
     <p:sldId id="264" r:id="rId10"/>
+    <p:sldId id="265" r:id="rId11"/>
+    <p:sldId id="266" r:id="rId12"/>
+    <p:sldId id="267" r:id="rId13"/>
+    <p:sldId id="268" r:id="rId14"/>
+    <p:sldId id="269" r:id="rId15"/>
+    <p:sldId id="270" r:id="rId16"/>
   </p:sldIdLst>
   <p:sldSz cx="9144000" cy="6858000" type="screen4x3"/>
   <p:notesSz cx="6858000" cy="9144000"/>
@@ -3735,6 +3741,3397 @@
 </p:sld>
 </file>
 
+<file path=ppt/slides/slide10.xml><?xml version="1.0" encoding="utf-8"?>
+<p:sld xmlns:a="http://schemas.openxmlformats.org/drawingml/2006/main" xmlns:r="http://schemas.openxmlformats.org/officeDocument/2006/relationships" xmlns:p="http://schemas.openxmlformats.org/presentationml/2006/main">
+  <p:cSld>
+    <p:spTree>
+      <p:nvGrpSpPr>
+        <p:cNvPr id="1" name=""/>
+        <p:cNvGrpSpPr/>
+        <p:nvPr/>
+      </p:nvGrpSpPr>
+      <p:grpSpPr>
+        <a:xfrm>
+          <a:off x="0" y="0"/>
+          <a:ext cx="0" cy="0"/>
+          <a:chOff x="0" y="0"/>
+          <a:chExt cx="0" cy="0"/>
+        </a:xfrm>
+      </p:grpSpPr>
+      <p:sp>
+        <p:nvSpPr>
+          <p:cNvPr id="2" name="Title 1"/>
+          <p:cNvSpPr>
+            <a:spLocks noGrp="1"/>
+          </p:cNvSpPr>
+          <p:nvPr>
+            <p:ph type="title"/>
+          </p:nvPr>
+        </p:nvSpPr>
+        <p:spPr/>
+        <p:txBody>
+          <a:bodyPr/>
+          <a:lstStyle/>
+          <a:p>
+            <a:r>
+              <a:rPr lang="en-US" dirty="0" smtClean="0"/>
+              <a:t>Example</a:t>
+            </a:r>
+            <a:endParaRPr lang="en-US" dirty="0"/>
+          </a:p>
+        </p:txBody>
+      </p:sp>
+      <p:sp>
+        <p:nvSpPr>
+          <p:cNvPr id="3" name="Content Placeholder 2"/>
+          <p:cNvSpPr>
+            <a:spLocks noGrp="1"/>
+          </p:cNvSpPr>
+          <p:nvPr>
+            <p:ph idx="1"/>
+          </p:nvPr>
+        </p:nvSpPr>
+        <p:spPr/>
+        <p:txBody>
+          <a:bodyPr>
+            <a:normAutofit/>
+          </a:bodyPr>
+          <a:lstStyle/>
+          <a:p>
+            <a:r>
+              <a:rPr lang="en-US" dirty="0" smtClean="0"/>
+              <a:t>Given a list of 100 strings, find the ones that contain “a” and return them upper case</a:t>
+            </a:r>
+          </a:p>
+          <a:p>
+            <a:pPr marL="36576" indent="0">
+              <a:buNone/>
+            </a:pPr>
+            <a:endParaRPr lang="en-US" dirty="0"/>
+          </a:p>
+          <a:p>
+            <a:pPr marL="36576" indent="0">
+              <a:buNone/>
+            </a:pPr>
+            <a:r>
+              <a:rPr lang="en-US" sz="2200" dirty="0" smtClean="0">
+                <a:latin typeface="Menlo Bold"/>
+                <a:cs typeface="Menlo Bold"/>
+              </a:rPr>
+              <a:t>List&lt;String&gt; </a:t>
+            </a:r>
+            <a:r>
+              <a:rPr lang="en-US" sz="2200" dirty="0" err="1" smtClean="0">
+                <a:latin typeface="Menlo Bold"/>
+                <a:cs typeface="Menlo Bold"/>
+              </a:rPr>
+              <a:t>containingA</a:t>
+            </a:r>
+            <a:r>
+              <a:rPr lang="en-US" sz="2200" dirty="0" smtClean="0">
+                <a:latin typeface="Menlo Bold"/>
+                <a:cs typeface="Menlo Bold"/>
+              </a:rPr>
+              <a:t> = </a:t>
+            </a:r>
+            <a:r>
+              <a:rPr lang="en-US" sz="2200" dirty="0" err="1" smtClean="0">
+                <a:latin typeface="Menlo Bold"/>
+                <a:cs typeface="Menlo Bold"/>
+              </a:rPr>
+              <a:t>strings.stream</a:t>
+            </a:r>
+            <a:r>
+              <a:rPr lang="en-US" sz="2200" dirty="0" smtClean="0">
+                <a:latin typeface="Menlo Bold"/>
+                <a:cs typeface="Menlo Bold"/>
+              </a:rPr>
+              <a:t>()</a:t>
+            </a:r>
+          </a:p>
+          <a:p>
+            <a:pPr marL="36576" indent="0">
+              <a:buNone/>
+            </a:pPr>
+            <a:r>
+              <a:rPr lang="en-US" sz="2200" dirty="0">
+                <a:latin typeface="Menlo Bold"/>
+                <a:cs typeface="Menlo Bold"/>
+              </a:rPr>
+              <a:t>	</a:t>
+            </a:r>
+            <a:r>
+              <a:rPr lang="en-US" sz="2200" dirty="0" smtClean="0">
+                <a:latin typeface="Menlo Bold"/>
+                <a:cs typeface="Menlo Bold"/>
+              </a:rPr>
+              <a:t>.filter(Objects::</a:t>
+            </a:r>
+            <a:r>
+              <a:rPr lang="en-US" sz="2200" dirty="0" err="1" smtClean="0">
+                <a:latin typeface="Menlo Bold"/>
+                <a:cs typeface="Menlo Bold"/>
+              </a:rPr>
+              <a:t>nonNull</a:t>
+            </a:r>
+            <a:r>
+              <a:rPr lang="en-US" sz="2200" dirty="0" smtClean="0">
+                <a:latin typeface="Menlo Bold"/>
+                <a:cs typeface="Menlo Bold"/>
+              </a:rPr>
+              <a:t>)</a:t>
+            </a:r>
+          </a:p>
+          <a:p>
+            <a:pPr marL="36576" indent="0">
+              <a:buNone/>
+            </a:pPr>
+            <a:r>
+              <a:rPr lang="en-US" sz="2200" dirty="0">
+                <a:latin typeface="Menlo Bold"/>
+                <a:cs typeface="Menlo Bold"/>
+              </a:rPr>
+              <a:t>	</a:t>
+            </a:r>
+            <a:r>
+              <a:rPr lang="en-US" sz="2200" dirty="0" smtClean="0">
+                <a:latin typeface="Menlo Bold"/>
+                <a:cs typeface="Menlo Bold"/>
+              </a:rPr>
+              <a:t>.filter(</a:t>
+            </a:r>
+            <a:r>
+              <a:rPr lang="en-US" sz="2200" dirty="0" err="1" smtClean="0">
+                <a:latin typeface="Menlo Bold"/>
+                <a:cs typeface="Menlo Bold"/>
+              </a:rPr>
+              <a:t>str</a:t>
+            </a:r>
+            <a:r>
+              <a:rPr lang="en-US" sz="2200" dirty="0" smtClean="0">
+                <a:latin typeface="Menlo Bold"/>
+                <a:cs typeface="Menlo Bold"/>
+              </a:rPr>
+              <a:t> -&gt; </a:t>
+            </a:r>
+            <a:r>
+              <a:rPr lang="en-US" sz="2200" dirty="0" err="1" smtClean="0">
+                <a:latin typeface="Menlo Bold"/>
+                <a:cs typeface="Menlo Bold"/>
+              </a:rPr>
+              <a:t>str.contains</a:t>
+            </a:r>
+            <a:r>
+              <a:rPr lang="en-US" sz="2200" dirty="0" smtClean="0">
+                <a:latin typeface="Menlo Bold"/>
+                <a:cs typeface="Menlo Bold"/>
+              </a:rPr>
+              <a:t>(“a”))</a:t>
+            </a:r>
+          </a:p>
+          <a:p>
+            <a:pPr marL="36576" indent="0">
+              <a:buNone/>
+            </a:pPr>
+            <a:r>
+              <a:rPr lang="en-US" sz="2200" dirty="0" smtClean="0">
+                <a:latin typeface="Menlo Bold"/>
+                <a:cs typeface="Menlo Bold"/>
+              </a:rPr>
+              <a:t>	.map(String::</a:t>
+            </a:r>
+            <a:r>
+              <a:rPr lang="en-US" sz="2200" dirty="0" err="1" smtClean="0">
+                <a:latin typeface="Menlo Bold"/>
+                <a:cs typeface="Menlo Bold"/>
+              </a:rPr>
+              <a:t>toUpperCase</a:t>
+            </a:r>
+            <a:r>
+              <a:rPr lang="en-US" sz="2200" dirty="0" smtClean="0">
+                <a:latin typeface="Menlo Bold"/>
+                <a:cs typeface="Menlo Bold"/>
+              </a:rPr>
+              <a:t>)</a:t>
+            </a:r>
+          </a:p>
+          <a:p>
+            <a:pPr marL="36576" indent="0">
+              <a:buNone/>
+            </a:pPr>
+            <a:r>
+              <a:rPr lang="en-US" sz="2200" dirty="0">
+                <a:latin typeface="Menlo Bold"/>
+                <a:cs typeface="Menlo Bold"/>
+              </a:rPr>
+              <a:t>	</a:t>
+            </a:r>
+            <a:r>
+              <a:rPr lang="en-US" sz="2200" dirty="0" smtClean="0">
+                <a:latin typeface="Menlo Bold"/>
+                <a:cs typeface="Menlo Bold"/>
+              </a:rPr>
+              <a:t>.collect(</a:t>
+            </a:r>
+            <a:r>
+              <a:rPr lang="en-US" sz="2200" dirty="0" err="1" smtClean="0">
+                <a:latin typeface="Menlo Bold"/>
+                <a:cs typeface="Menlo Bold"/>
+              </a:rPr>
+              <a:t>Collectors.toList</a:t>
+            </a:r>
+            <a:r>
+              <a:rPr lang="en-US" sz="2200" dirty="0" smtClean="0">
+                <a:latin typeface="Menlo Bold"/>
+                <a:cs typeface="Menlo Bold"/>
+              </a:rPr>
+              <a:t>());</a:t>
+            </a:r>
+            <a:endParaRPr lang="en-US" sz="2200" dirty="0">
+              <a:latin typeface="Menlo Bold"/>
+              <a:cs typeface="Menlo Bold"/>
+            </a:endParaRPr>
+          </a:p>
+        </p:txBody>
+      </p:sp>
+    </p:spTree>
+    <p:extLst>
+      <p:ext uri="{BB962C8B-B14F-4D97-AF65-F5344CB8AC3E}">
+        <p14:creationId xmlns:p14="http://schemas.microsoft.com/office/powerpoint/2010/main" val="1946335549"/>
+      </p:ext>
+    </p:extLst>
+  </p:cSld>
+  <p:clrMapOvr>
+    <a:masterClrMapping/>
+  </p:clrMapOvr>
+</p:sld>
+</file>
+
+<file path=ppt/slides/slide11.xml><?xml version="1.0" encoding="utf-8"?>
+<p:sld xmlns:a="http://schemas.openxmlformats.org/drawingml/2006/main" xmlns:r="http://schemas.openxmlformats.org/officeDocument/2006/relationships" xmlns:p="http://schemas.openxmlformats.org/presentationml/2006/main">
+  <p:cSld>
+    <p:spTree>
+      <p:nvGrpSpPr>
+        <p:cNvPr id="1" name=""/>
+        <p:cNvGrpSpPr/>
+        <p:nvPr/>
+      </p:nvGrpSpPr>
+      <p:grpSpPr>
+        <a:xfrm>
+          <a:off x="0" y="0"/>
+          <a:ext cx="0" cy="0"/>
+          <a:chOff x="0" y="0"/>
+          <a:chExt cx="0" cy="0"/>
+        </a:xfrm>
+      </p:grpSpPr>
+      <p:sp>
+        <p:nvSpPr>
+          <p:cNvPr id="2" name="Title 1"/>
+          <p:cNvSpPr>
+            <a:spLocks noGrp="1"/>
+          </p:cNvSpPr>
+          <p:nvPr>
+            <p:ph type="title"/>
+          </p:nvPr>
+        </p:nvSpPr>
+        <p:spPr/>
+        <p:txBody>
+          <a:bodyPr/>
+          <a:lstStyle/>
+          <a:p>
+            <a:r>
+              <a:rPr lang="en-US" dirty="0" smtClean="0"/>
+              <a:t>Functional Programming</a:t>
+            </a:r>
+            <a:endParaRPr lang="en-US" dirty="0"/>
+          </a:p>
+        </p:txBody>
+      </p:sp>
+      <p:sp>
+        <p:nvSpPr>
+          <p:cNvPr id="3" name="Content Placeholder 2"/>
+          <p:cNvSpPr>
+            <a:spLocks noGrp="1"/>
+          </p:cNvSpPr>
+          <p:nvPr>
+            <p:ph idx="1"/>
+          </p:nvPr>
+        </p:nvSpPr>
+        <p:spPr/>
+        <p:txBody>
+          <a:bodyPr/>
+          <a:lstStyle/>
+          <a:p>
+            <a:r>
+              <a:rPr lang="en-US" dirty="0" smtClean="0"/>
+              <a:t>Streams bridge the imperative model with the functional model (an entire training by itself)</a:t>
+            </a:r>
+          </a:p>
+          <a:p>
+            <a:r>
+              <a:rPr lang="en-US" dirty="0" smtClean="0"/>
+              <a:t>Basically, use functions (lambdas) and tell the compiler “what you want” not “how to do it”</a:t>
+            </a:r>
+          </a:p>
+          <a:p>
+            <a:r>
+              <a:rPr lang="en-US" dirty="0" smtClean="0"/>
+              <a:t>Frees up the JVM to make smart decisions at runtime for the best way to execute your code</a:t>
+            </a:r>
+            <a:endParaRPr lang="en-US" dirty="0"/>
+          </a:p>
+        </p:txBody>
+      </p:sp>
+    </p:spTree>
+    <p:extLst>
+      <p:ext uri="{BB962C8B-B14F-4D97-AF65-F5344CB8AC3E}">
+        <p14:creationId xmlns:p14="http://schemas.microsoft.com/office/powerpoint/2010/main" val="4253577694"/>
+      </p:ext>
+    </p:extLst>
+  </p:cSld>
+  <p:clrMapOvr>
+    <a:masterClrMapping/>
+  </p:clrMapOvr>
+</p:sld>
+</file>
+
+<file path=ppt/slides/slide12.xml><?xml version="1.0" encoding="utf-8"?>
+<p:sld xmlns:a="http://schemas.openxmlformats.org/drawingml/2006/main" xmlns:r="http://schemas.openxmlformats.org/officeDocument/2006/relationships" xmlns:p="http://schemas.openxmlformats.org/presentationml/2006/main">
+  <p:cSld>
+    <p:spTree>
+      <p:nvGrpSpPr>
+        <p:cNvPr id="1" name=""/>
+        <p:cNvGrpSpPr/>
+        <p:nvPr/>
+      </p:nvGrpSpPr>
+      <p:grpSpPr>
+        <a:xfrm>
+          <a:off x="0" y="0"/>
+          <a:ext cx="0" cy="0"/>
+          <a:chOff x="0" y="0"/>
+          <a:chExt cx="0" cy="0"/>
+        </a:xfrm>
+      </p:grpSpPr>
+      <p:sp>
+        <p:nvSpPr>
+          <p:cNvPr id="2" name="Title 1"/>
+          <p:cNvSpPr>
+            <a:spLocks noGrp="1"/>
+          </p:cNvSpPr>
+          <p:nvPr>
+            <p:ph type="title"/>
+          </p:nvPr>
+        </p:nvSpPr>
+        <p:spPr/>
+        <p:txBody>
+          <a:bodyPr/>
+          <a:lstStyle/>
+          <a:p>
+            <a:r>
+              <a:rPr lang="en-US" dirty="0" smtClean="0"/>
+              <a:t>Workshop Time!</a:t>
+            </a:r>
+            <a:endParaRPr lang="en-US" dirty="0"/>
+          </a:p>
+        </p:txBody>
+      </p:sp>
+      <p:sp>
+        <p:nvSpPr>
+          <p:cNvPr id="3" name="Content Placeholder 2"/>
+          <p:cNvSpPr>
+            <a:spLocks noGrp="1"/>
+          </p:cNvSpPr>
+          <p:nvPr>
+            <p:ph idx="1"/>
+          </p:nvPr>
+        </p:nvSpPr>
+        <p:spPr/>
+        <p:txBody>
+          <a:bodyPr>
+            <a:normAutofit/>
+          </a:bodyPr>
+          <a:lstStyle/>
+          <a:p>
+            <a:pPr marL="36576" indent="0">
+              <a:buNone/>
+            </a:pPr>
+            <a:r>
+              <a:rPr lang="en-US" sz="2200" dirty="0" err="1" smtClean="0">
+                <a:latin typeface="Menlo Bold"/>
+                <a:cs typeface="Menlo Bold"/>
+              </a:rPr>
+              <a:t>git</a:t>
+            </a:r>
+            <a:r>
+              <a:rPr lang="en-US" sz="2200" dirty="0">
+                <a:latin typeface="Menlo Bold"/>
+                <a:cs typeface="Menlo Bold"/>
+              </a:rPr>
+              <a:t> clone </a:t>
+            </a:r>
+            <a:r>
+              <a:rPr lang="en-US" sz="2200" dirty="0" err="1">
+                <a:latin typeface="Menlo Bold"/>
+                <a:cs typeface="Menlo Bold"/>
+              </a:rPr>
+              <a:t>ssh</a:t>
+            </a:r>
+            <a:r>
+              <a:rPr lang="en-US" sz="2200" dirty="0">
+                <a:latin typeface="Menlo Bold"/>
+                <a:cs typeface="Menlo Bold"/>
+              </a:rPr>
+              <a:t>://git@jiraprod2.ussl.uhs:7998/</a:t>
+            </a:r>
+            <a:r>
+              <a:rPr lang="en-US" sz="2200" dirty="0" err="1">
+                <a:latin typeface="Menlo Bold"/>
+                <a:cs typeface="Menlo Bold"/>
+              </a:rPr>
+              <a:t>tw</a:t>
+            </a:r>
+            <a:r>
+              <a:rPr lang="en-US" sz="2200" dirty="0">
+                <a:latin typeface="Menlo Bold"/>
+                <a:cs typeface="Menlo Bold"/>
+              </a:rPr>
+              <a:t>/</a:t>
+            </a:r>
+            <a:r>
+              <a:rPr lang="en-US" sz="2200" dirty="0" err="1">
+                <a:latin typeface="Menlo Bold"/>
+                <a:cs typeface="Menlo Bold"/>
+              </a:rPr>
+              <a:t>mefford</a:t>
+            </a:r>
+            <a:r>
+              <a:rPr lang="en-US" sz="2200" dirty="0">
+                <a:latin typeface="Menlo Bold"/>
+                <a:cs typeface="Menlo Bold"/>
+              </a:rPr>
+              <a:t>---java-8-</a:t>
+            </a:r>
+            <a:r>
+              <a:rPr lang="en-US" sz="2200" dirty="0" smtClean="0">
+                <a:latin typeface="Menlo Bold"/>
+                <a:cs typeface="Menlo Bold"/>
+              </a:rPr>
+              <a:t>streams.git</a:t>
+            </a:r>
+          </a:p>
+          <a:p>
+            <a:pPr marL="36576" indent="0">
+              <a:buNone/>
+            </a:pPr>
+            <a:endParaRPr lang="en-US" sz="2200" dirty="0">
+              <a:latin typeface="Menlo Bold"/>
+              <a:cs typeface="Menlo Bold"/>
+            </a:endParaRPr>
+          </a:p>
+          <a:p>
+            <a:pPr marL="36576" indent="0">
+              <a:buNone/>
+            </a:pPr>
+            <a:r>
+              <a:rPr lang="en-US" sz="2200" dirty="0" smtClean="0">
+                <a:latin typeface="Menlo Bold"/>
+                <a:cs typeface="Menlo Bold"/>
+              </a:rPr>
+              <a:t>Solutions will be posted after in a solutions branch</a:t>
+            </a:r>
+            <a:endParaRPr lang="en-US" sz="2200" dirty="0">
+              <a:latin typeface="Menlo Bold"/>
+              <a:cs typeface="Menlo Bold"/>
+            </a:endParaRPr>
+          </a:p>
+        </p:txBody>
+      </p:sp>
+    </p:spTree>
+    <p:extLst>
+      <p:ext uri="{BB962C8B-B14F-4D97-AF65-F5344CB8AC3E}">
+        <p14:creationId xmlns:p14="http://schemas.microsoft.com/office/powerpoint/2010/main" val="3263417674"/>
+      </p:ext>
+    </p:extLst>
+  </p:cSld>
+  <p:clrMapOvr>
+    <a:masterClrMapping/>
+  </p:clrMapOvr>
+</p:sld>
+</file>
+
+<file path=ppt/slides/slide13.xml><?xml version="1.0" encoding="utf-8"?>
+<p:sld xmlns:a="http://schemas.openxmlformats.org/drawingml/2006/main" xmlns:r="http://schemas.openxmlformats.org/officeDocument/2006/relationships" xmlns:p="http://schemas.openxmlformats.org/presentationml/2006/main">
+  <p:cSld>
+    <p:spTree>
+      <p:nvGrpSpPr>
+        <p:cNvPr id="1" name=""/>
+        <p:cNvGrpSpPr/>
+        <p:nvPr/>
+      </p:nvGrpSpPr>
+      <p:grpSpPr>
+        <a:xfrm>
+          <a:off x="0" y="0"/>
+          <a:ext cx="0" cy="0"/>
+          <a:chOff x="0" y="0"/>
+          <a:chExt cx="0" cy="0"/>
+        </a:xfrm>
+      </p:grpSpPr>
+      <p:sp>
+        <p:nvSpPr>
+          <p:cNvPr id="2" name="Title 1"/>
+          <p:cNvSpPr>
+            <a:spLocks noGrp="1"/>
+          </p:cNvSpPr>
+          <p:nvPr>
+            <p:ph type="title"/>
+          </p:nvPr>
+        </p:nvSpPr>
+        <p:spPr/>
+        <p:txBody>
+          <a:bodyPr/>
+          <a:lstStyle/>
+          <a:p>
+            <a:r>
+              <a:rPr lang="en-US" dirty="0" smtClean="0"/>
+              <a:t>Lambdas in practice</a:t>
+            </a:r>
+            <a:endParaRPr lang="en-US" dirty="0"/>
+          </a:p>
+        </p:txBody>
+      </p:sp>
+      <p:sp>
+        <p:nvSpPr>
+          <p:cNvPr id="3" name="Content Placeholder 2"/>
+          <p:cNvSpPr>
+            <a:spLocks noGrp="1"/>
+          </p:cNvSpPr>
+          <p:nvPr>
+            <p:ph idx="1"/>
+          </p:nvPr>
+        </p:nvSpPr>
+        <p:spPr/>
+        <p:txBody>
+          <a:bodyPr>
+            <a:normAutofit/>
+          </a:bodyPr>
+          <a:lstStyle/>
+          <a:p>
+            <a:pPr marL="36576" indent="0">
+              <a:buNone/>
+            </a:pPr>
+            <a:r>
+              <a:rPr lang="en-US" sz="1600" dirty="0" smtClean="0">
+                <a:latin typeface="Menlo Bold"/>
+                <a:cs typeface="Menlo Bold"/>
+              </a:rPr>
+              <a:t>Useful helper methods</a:t>
+            </a:r>
+          </a:p>
+          <a:p>
+            <a:pPr marL="36576" indent="0">
+              <a:buNone/>
+            </a:pPr>
+            <a:endParaRPr lang="en-US" sz="1600" dirty="0">
+              <a:latin typeface="Menlo Bold"/>
+              <a:cs typeface="Menlo Bold"/>
+            </a:endParaRPr>
+          </a:p>
+          <a:p>
+            <a:pPr marL="36576" indent="0">
+              <a:buNone/>
+            </a:pPr>
+            <a:r>
+              <a:rPr lang="en-US" sz="1200" dirty="0" smtClean="0">
+                <a:latin typeface="Menlo Bold"/>
+                <a:cs typeface="Menlo Bold"/>
+              </a:rPr>
+              <a:t>public class </a:t>
+            </a:r>
+            <a:r>
+              <a:rPr lang="en-US" sz="1200" dirty="0" err="1" smtClean="0">
+                <a:latin typeface="Menlo Bold"/>
+                <a:cs typeface="Menlo Bold"/>
+              </a:rPr>
+              <a:t>CollectionsUtils</a:t>
+            </a:r>
+            <a:r>
+              <a:rPr lang="en-US" sz="1200" dirty="0" smtClean="0">
+                <a:latin typeface="Menlo Bold"/>
+                <a:cs typeface="Menlo Bold"/>
+              </a:rPr>
+              <a:t> {</a:t>
+            </a:r>
+          </a:p>
+          <a:p>
+            <a:pPr marL="36576" indent="0">
+              <a:buNone/>
+            </a:pPr>
+            <a:r>
+              <a:rPr lang="en-US" sz="1200" dirty="0">
+                <a:latin typeface="Menlo Bold"/>
+                <a:cs typeface="Menlo Bold"/>
+              </a:rPr>
+              <a:t> </a:t>
+            </a:r>
+            <a:r>
+              <a:rPr lang="en-US" sz="1200" dirty="0" smtClean="0">
+                <a:latin typeface="Menlo Bold"/>
+                <a:cs typeface="Menlo Bold"/>
+              </a:rPr>
+              <a:t> public </a:t>
+            </a:r>
+            <a:r>
+              <a:rPr lang="en-US" sz="1200" dirty="0">
+                <a:latin typeface="Menlo Bold"/>
+                <a:cs typeface="Menlo Bold"/>
+              </a:rPr>
+              <a:t>static &lt;</a:t>
+            </a:r>
+            <a:r>
+              <a:rPr lang="en-US" sz="1200" dirty="0">
+                <a:latin typeface="Menlo Bold"/>
+                <a:cs typeface="Menlo Bold"/>
+              </a:rPr>
+              <a:t>T</a:t>
+            </a:r>
+            <a:r>
+              <a:rPr lang="en-US" sz="1200" dirty="0">
+                <a:latin typeface="Menlo Bold"/>
+                <a:cs typeface="Menlo Bold"/>
+              </a:rPr>
+              <a:t>&gt; </a:t>
+            </a:r>
+            <a:r>
+              <a:rPr lang="en-US" sz="1200" dirty="0">
+                <a:latin typeface="Menlo Bold"/>
+                <a:cs typeface="Menlo Bold"/>
+              </a:rPr>
+              <a:t>Stream</a:t>
+            </a:r>
+            <a:r>
+              <a:rPr lang="en-US" sz="1200" dirty="0">
+                <a:latin typeface="Menlo Bold"/>
+                <a:cs typeface="Menlo Bold"/>
+              </a:rPr>
+              <a:t>&lt;</a:t>
+            </a:r>
+            <a:r>
+              <a:rPr lang="en-US" sz="1200" dirty="0">
+                <a:latin typeface="Menlo Bold"/>
+                <a:cs typeface="Menlo Bold"/>
+              </a:rPr>
+              <a:t>T</a:t>
+            </a:r>
+            <a:r>
+              <a:rPr lang="en-US" sz="1200" dirty="0">
+                <a:latin typeface="Menlo Bold"/>
+                <a:cs typeface="Menlo Bold"/>
+              </a:rPr>
+              <a:t>&gt; </a:t>
+            </a:r>
+            <a:r>
+              <a:rPr lang="en-US" sz="1200" dirty="0" err="1">
+                <a:latin typeface="Menlo Bold"/>
+                <a:cs typeface="Menlo Bold"/>
+              </a:rPr>
+              <a:t>nonNullStream</a:t>
+            </a:r>
+            <a:r>
+              <a:rPr lang="en-US" sz="1200" dirty="0">
+                <a:latin typeface="Menlo Bold"/>
+                <a:cs typeface="Menlo Bold"/>
+              </a:rPr>
+              <a:t>(</a:t>
+            </a:r>
+            <a:r>
+              <a:rPr lang="en-US" sz="1200" dirty="0">
+                <a:latin typeface="Menlo Bold"/>
+                <a:cs typeface="Menlo Bold"/>
+              </a:rPr>
+              <a:t>Collection</a:t>
+            </a:r>
+            <a:r>
+              <a:rPr lang="en-US" sz="1200" dirty="0">
+                <a:latin typeface="Menlo Bold"/>
+                <a:cs typeface="Menlo Bold"/>
+              </a:rPr>
+              <a:t>&lt;</a:t>
+            </a:r>
+            <a:r>
+              <a:rPr lang="en-US" sz="1200" dirty="0">
+                <a:latin typeface="Menlo Bold"/>
+                <a:cs typeface="Menlo Bold"/>
+              </a:rPr>
+              <a:t>T</a:t>
+            </a:r>
+            <a:r>
+              <a:rPr lang="en-US" sz="1200" dirty="0">
+                <a:latin typeface="Menlo Bold"/>
+                <a:cs typeface="Menlo Bold"/>
+              </a:rPr>
+              <a:t>&gt; </a:t>
+            </a:r>
+            <a:r>
+              <a:rPr lang="en-US" sz="1200" dirty="0">
+                <a:latin typeface="Menlo Bold"/>
+                <a:cs typeface="Menlo Bold"/>
+              </a:rPr>
+              <a:t>collection</a:t>
+            </a:r>
+            <a:r>
+              <a:rPr lang="en-US" sz="1200" dirty="0">
+                <a:latin typeface="Menlo Bold"/>
+                <a:cs typeface="Menlo Bold"/>
+              </a:rPr>
+              <a:t>) {</a:t>
+            </a:r>
+            <a:br>
+              <a:rPr lang="en-US" sz="1200" dirty="0">
+                <a:latin typeface="Menlo Bold"/>
+                <a:cs typeface="Menlo Bold"/>
+              </a:rPr>
+            </a:br>
+            <a:r>
+              <a:rPr lang="en-US" sz="1200" dirty="0">
+                <a:latin typeface="Menlo Bold"/>
+                <a:cs typeface="Menlo Bold"/>
+              </a:rPr>
+              <a:t>    return </a:t>
+            </a:r>
+            <a:r>
+              <a:rPr lang="en-US" sz="1200" dirty="0">
+                <a:latin typeface="Menlo Bold"/>
+                <a:cs typeface="Menlo Bold"/>
+              </a:rPr>
+              <a:t>collection </a:t>
+            </a:r>
+            <a:r>
+              <a:rPr lang="en-US" sz="1200" dirty="0">
+                <a:latin typeface="Menlo Bold"/>
+                <a:cs typeface="Menlo Bold"/>
+              </a:rPr>
+              <a:t>== </a:t>
+            </a:r>
+            <a:r>
+              <a:rPr lang="en-US" sz="1200" dirty="0" smtClean="0">
+                <a:latin typeface="Menlo Bold"/>
+                <a:cs typeface="Menlo Bold"/>
+              </a:rPr>
+              <a:t>null ? </a:t>
+            </a:r>
+            <a:r>
+              <a:rPr lang="en-US" sz="1200" dirty="0" err="1" smtClean="0">
+                <a:latin typeface="Menlo Bold"/>
+                <a:cs typeface="Menlo Bold"/>
+              </a:rPr>
+              <a:t>Stream.empty</a:t>
+            </a:r>
+            <a:r>
+              <a:rPr lang="en-US" sz="1200" dirty="0">
+                <a:latin typeface="Menlo Bold"/>
+                <a:cs typeface="Menlo Bold"/>
+              </a:rPr>
+              <a:t>(</a:t>
+            </a:r>
+            <a:r>
+              <a:rPr lang="en-US" sz="1200" dirty="0" smtClean="0">
+                <a:latin typeface="Menlo Bold"/>
+                <a:cs typeface="Menlo Bold"/>
+              </a:rPr>
+              <a:t>) : </a:t>
+            </a:r>
+            <a:r>
+              <a:rPr lang="en-US" sz="1200" dirty="0" err="1" smtClean="0">
+                <a:latin typeface="Menlo Bold"/>
+                <a:cs typeface="Menlo Bold"/>
+              </a:rPr>
+              <a:t>collection.stream</a:t>
+            </a:r>
+            <a:r>
+              <a:rPr lang="en-US" sz="1200" dirty="0">
+                <a:latin typeface="Menlo Bold"/>
+                <a:cs typeface="Menlo Bold"/>
+              </a:rPr>
+              <a:t>();</a:t>
+            </a:r>
+            <a:br>
+              <a:rPr lang="en-US" sz="1200" dirty="0">
+                <a:latin typeface="Menlo Bold"/>
+                <a:cs typeface="Menlo Bold"/>
+              </a:rPr>
+            </a:br>
+            <a:r>
+              <a:rPr lang="en-US" sz="1200" dirty="0" smtClean="0">
+                <a:latin typeface="Menlo Bold"/>
+                <a:cs typeface="Menlo Bold"/>
+              </a:rPr>
+              <a:t>  }</a:t>
+            </a:r>
+          </a:p>
+          <a:p>
+            <a:pPr marL="36576" indent="0">
+              <a:buNone/>
+            </a:pPr>
+            <a:r>
+              <a:rPr lang="en-US" sz="1200" dirty="0" smtClean="0">
+                <a:latin typeface="Menlo Bold"/>
+                <a:cs typeface="Menlo Bold"/>
+              </a:rPr>
+              <a:t>}</a:t>
+            </a:r>
+          </a:p>
+          <a:p>
+            <a:pPr marL="36576" indent="0">
+              <a:buNone/>
+            </a:pPr>
+            <a:endParaRPr lang="en-US" sz="1200" dirty="0">
+              <a:latin typeface="Menlo Bold"/>
+              <a:cs typeface="Menlo Bold"/>
+            </a:endParaRPr>
+          </a:p>
+          <a:p>
+            <a:pPr marL="36576" indent="0">
+              <a:buNone/>
+            </a:pPr>
+            <a:r>
+              <a:rPr lang="en-US" sz="1200" dirty="0">
+                <a:latin typeface="Menlo Bold"/>
+                <a:cs typeface="Menlo Bold"/>
+              </a:rPr>
+              <a:t>private </a:t>
+            </a:r>
+            <a:r>
+              <a:rPr lang="en-US" sz="1200" dirty="0" err="1">
+                <a:latin typeface="Menlo Bold"/>
+                <a:cs typeface="Menlo Bold"/>
+              </a:rPr>
+              <a:t>boolean</a:t>
+            </a:r>
+            <a:r>
+              <a:rPr lang="en-US" sz="1200" dirty="0">
+                <a:latin typeface="Menlo Bold"/>
+                <a:cs typeface="Menlo Bold"/>
+              </a:rPr>
+              <a:t> </a:t>
+            </a:r>
+            <a:r>
+              <a:rPr lang="en-US" sz="1200" dirty="0" err="1">
+                <a:latin typeface="Menlo Bold"/>
+                <a:cs typeface="Menlo Bold"/>
+              </a:rPr>
+              <a:t>categoryContainsContext</a:t>
+            </a:r>
+            <a:r>
+              <a:rPr lang="en-US" sz="1200" dirty="0">
+                <a:latin typeface="Menlo Bold"/>
+                <a:cs typeface="Menlo Bold"/>
+              </a:rPr>
+              <a:t>(String </a:t>
+            </a:r>
+            <a:r>
+              <a:rPr lang="en-US" sz="1200" dirty="0">
+                <a:latin typeface="Menlo Bold"/>
+                <a:cs typeface="Menlo Bold"/>
+              </a:rPr>
+              <a:t>context</a:t>
+            </a:r>
+            <a:r>
+              <a:rPr lang="en-US" sz="1200" dirty="0">
+                <a:latin typeface="Menlo Bold"/>
+                <a:cs typeface="Menlo Bold"/>
+              </a:rPr>
+              <a:t>, Category </a:t>
+            </a:r>
+            <a:r>
+              <a:rPr lang="en-US" sz="1200" dirty="0">
+                <a:latin typeface="Menlo Bold"/>
+                <a:cs typeface="Menlo Bold"/>
+              </a:rPr>
+              <a:t>category</a:t>
+            </a:r>
+            <a:r>
+              <a:rPr lang="en-US" sz="1200" dirty="0">
+                <a:latin typeface="Menlo Bold"/>
+                <a:cs typeface="Menlo Bold"/>
+              </a:rPr>
+              <a:t>) {</a:t>
+            </a:r>
+            <a:br>
+              <a:rPr lang="en-US" sz="1200" dirty="0">
+                <a:latin typeface="Menlo Bold"/>
+                <a:cs typeface="Menlo Bold"/>
+              </a:rPr>
+            </a:br>
+            <a:r>
+              <a:rPr lang="en-US" sz="1200" dirty="0">
+                <a:latin typeface="Menlo Bold"/>
+                <a:cs typeface="Menlo Bold"/>
+              </a:rPr>
+              <a:t>  </a:t>
+            </a:r>
+            <a:r>
+              <a:rPr lang="en-US" sz="1200" dirty="0" smtClean="0">
+                <a:latin typeface="Menlo Bold"/>
+                <a:cs typeface="Menlo Bold"/>
+              </a:rPr>
+              <a:t>return </a:t>
+            </a:r>
+            <a:r>
+              <a:rPr lang="en-US" sz="1200" dirty="0" err="1">
+                <a:latin typeface="Menlo Bold"/>
+                <a:cs typeface="Menlo Bold"/>
+              </a:rPr>
+              <a:t>CollectionsUtil.nonNullStream</a:t>
+            </a:r>
+            <a:r>
+              <a:rPr lang="en-US" sz="1200" dirty="0">
+                <a:latin typeface="Menlo Bold"/>
+                <a:cs typeface="Menlo Bold"/>
+              </a:rPr>
+              <a:t>(</a:t>
+            </a:r>
+            <a:r>
+              <a:rPr lang="en-US" sz="1200" dirty="0" err="1">
+                <a:latin typeface="Menlo Bold"/>
+                <a:cs typeface="Menlo Bold"/>
+              </a:rPr>
+              <a:t>category</a:t>
+            </a:r>
+            <a:r>
+              <a:rPr lang="en-US" sz="1200" dirty="0" err="1">
+                <a:latin typeface="Menlo Bold"/>
+                <a:cs typeface="Menlo Bold"/>
+              </a:rPr>
+              <a:t>.</a:t>
+            </a:r>
+            <a:r>
+              <a:rPr lang="en-US" sz="1200" dirty="0" err="1">
+                <a:latin typeface="Menlo Bold"/>
+                <a:cs typeface="Menlo Bold"/>
+              </a:rPr>
+              <a:t>getCategoryContexts</a:t>
+            </a:r>
+            <a:r>
+              <a:rPr lang="en-US" sz="1200" dirty="0">
+                <a:latin typeface="Menlo Bold"/>
+                <a:cs typeface="Menlo Bold"/>
+              </a:rPr>
+              <a:t>())</a:t>
+            </a:r>
+            <a:br>
+              <a:rPr lang="en-US" sz="1200" dirty="0">
+                <a:latin typeface="Menlo Bold"/>
+                <a:cs typeface="Menlo Bold"/>
+              </a:rPr>
+            </a:br>
+            <a:r>
+              <a:rPr lang="en-US" sz="1200" dirty="0">
+                <a:latin typeface="Menlo Bold"/>
+                <a:cs typeface="Menlo Bold"/>
+              </a:rPr>
+              <a:t>  </a:t>
+            </a:r>
+            <a:r>
+              <a:rPr lang="en-US" sz="1200" dirty="0" smtClean="0">
+                <a:latin typeface="Menlo Bold"/>
+                <a:cs typeface="Menlo Bold"/>
+              </a:rPr>
+              <a:t>  </a:t>
+            </a:r>
+            <a:r>
+              <a:rPr lang="en-US" sz="1200" dirty="0">
+                <a:latin typeface="Menlo Bold"/>
+                <a:cs typeface="Menlo Bold"/>
+              </a:rPr>
+              <a:t>.</a:t>
+            </a:r>
+            <a:r>
+              <a:rPr lang="en-US" sz="1200" dirty="0">
+                <a:latin typeface="Menlo Bold"/>
+                <a:cs typeface="Menlo Bold"/>
+              </a:rPr>
+              <a:t>map</a:t>
+            </a:r>
+            <a:r>
+              <a:rPr lang="en-US" sz="1200" dirty="0">
+                <a:latin typeface="Menlo Bold"/>
+                <a:cs typeface="Menlo Bold"/>
+              </a:rPr>
+              <a:t>(</a:t>
+            </a:r>
+            <a:r>
+              <a:rPr lang="en-US" sz="1200" dirty="0" err="1">
+                <a:latin typeface="Menlo Bold"/>
+                <a:cs typeface="Menlo Bold"/>
+              </a:rPr>
+              <a:t>CategoryContext</a:t>
+            </a:r>
+            <a:r>
+              <a:rPr lang="en-US" sz="1200" dirty="0">
+                <a:latin typeface="Menlo Bold"/>
+                <a:cs typeface="Menlo Bold"/>
+              </a:rPr>
+              <a:t>::</a:t>
+            </a:r>
+            <a:r>
+              <a:rPr lang="en-US" sz="1200" dirty="0" err="1">
+                <a:latin typeface="Menlo Bold"/>
+                <a:cs typeface="Menlo Bold"/>
+              </a:rPr>
+              <a:t>getCategoryContextType</a:t>
+            </a:r>
+            <a:r>
+              <a:rPr lang="en-US" sz="1200" dirty="0">
+                <a:latin typeface="Menlo Bold"/>
+                <a:cs typeface="Menlo Bold"/>
+              </a:rPr>
+              <a:t>)</a:t>
+            </a:r>
+            <a:br>
+              <a:rPr lang="en-US" sz="1200" dirty="0">
+                <a:latin typeface="Menlo Bold"/>
+                <a:cs typeface="Menlo Bold"/>
+              </a:rPr>
+            </a:br>
+            <a:r>
+              <a:rPr lang="en-US" sz="1200" dirty="0">
+                <a:latin typeface="Menlo Bold"/>
+                <a:cs typeface="Menlo Bold"/>
+              </a:rPr>
+              <a:t>  </a:t>
+            </a:r>
+            <a:r>
+              <a:rPr lang="en-US" sz="1200" dirty="0" smtClean="0">
+                <a:latin typeface="Menlo Bold"/>
+                <a:cs typeface="Menlo Bold"/>
+              </a:rPr>
+              <a:t>  </a:t>
+            </a:r>
+            <a:r>
+              <a:rPr lang="en-US" sz="1200" dirty="0">
+                <a:latin typeface="Menlo Bold"/>
+                <a:cs typeface="Menlo Bold"/>
+              </a:rPr>
+              <a:t>.</a:t>
+            </a:r>
+            <a:r>
+              <a:rPr lang="en-US" sz="1200" dirty="0">
+                <a:latin typeface="Menlo Bold"/>
+                <a:cs typeface="Menlo Bold"/>
+              </a:rPr>
+              <a:t>map</a:t>
+            </a:r>
+            <a:r>
+              <a:rPr lang="en-US" sz="1200" dirty="0">
+                <a:latin typeface="Menlo Bold"/>
+                <a:cs typeface="Menlo Bold"/>
+              </a:rPr>
+              <a:t>(</a:t>
+            </a:r>
+            <a:r>
+              <a:rPr lang="en-US" sz="1200" dirty="0" err="1">
+                <a:latin typeface="Menlo Bold"/>
+                <a:cs typeface="Menlo Bold"/>
+              </a:rPr>
+              <a:t>CategoryContextType</a:t>
+            </a:r>
+            <a:r>
+              <a:rPr lang="en-US" sz="1200" dirty="0">
+                <a:latin typeface="Menlo Bold"/>
+                <a:cs typeface="Menlo Bold"/>
+              </a:rPr>
+              <a:t>::name</a:t>
+            </a:r>
+            <a:r>
+              <a:rPr lang="en-US" sz="1200" dirty="0">
+                <a:latin typeface="Menlo Bold"/>
+                <a:cs typeface="Menlo Bold"/>
+              </a:rPr>
+              <a:t>)</a:t>
+            </a:r>
+            <a:br>
+              <a:rPr lang="en-US" sz="1200" dirty="0">
+                <a:latin typeface="Menlo Bold"/>
+                <a:cs typeface="Menlo Bold"/>
+              </a:rPr>
+            </a:br>
+            <a:r>
+              <a:rPr lang="en-US" sz="1200" dirty="0">
+                <a:latin typeface="Menlo Bold"/>
+                <a:cs typeface="Menlo Bold"/>
+              </a:rPr>
+              <a:t>  </a:t>
+            </a:r>
+            <a:r>
+              <a:rPr lang="en-US" sz="1200" dirty="0" smtClean="0">
+                <a:latin typeface="Menlo Bold"/>
+                <a:cs typeface="Menlo Bold"/>
+              </a:rPr>
+              <a:t>  </a:t>
+            </a:r>
+            <a:r>
+              <a:rPr lang="en-US" sz="1200" dirty="0">
+                <a:latin typeface="Menlo Bold"/>
+                <a:cs typeface="Menlo Bold"/>
+              </a:rPr>
+              <a:t>.</a:t>
+            </a:r>
+            <a:r>
+              <a:rPr lang="en-US" sz="1200" dirty="0" err="1">
+                <a:latin typeface="Menlo Bold"/>
+                <a:cs typeface="Menlo Bold"/>
+              </a:rPr>
+              <a:t>anyMatch</a:t>
+            </a:r>
+            <a:r>
+              <a:rPr lang="en-US" sz="1200" dirty="0">
+                <a:latin typeface="Menlo Bold"/>
+                <a:cs typeface="Menlo Bold"/>
+              </a:rPr>
+              <a:t>(</a:t>
+            </a:r>
+            <a:r>
+              <a:rPr lang="en-US" sz="1200" dirty="0" err="1">
+                <a:latin typeface="Menlo Bold"/>
+                <a:cs typeface="Menlo Bold"/>
+              </a:rPr>
+              <a:t>categoryContext</a:t>
+            </a:r>
+            <a:r>
+              <a:rPr lang="en-US" sz="1200" dirty="0">
+                <a:latin typeface="Menlo Bold"/>
+                <a:cs typeface="Menlo Bold"/>
+              </a:rPr>
+              <a:t> -&gt; </a:t>
+            </a:r>
+            <a:r>
+              <a:rPr lang="en-US" sz="1200" dirty="0" err="1">
+                <a:latin typeface="Menlo Bold"/>
+                <a:cs typeface="Menlo Bold"/>
+              </a:rPr>
+              <a:t>StringUtils.equals</a:t>
+            </a:r>
+            <a:r>
+              <a:rPr lang="en-US" sz="1200" dirty="0">
+                <a:latin typeface="Menlo Bold"/>
+                <a:cs typeface="Menlo Bold"/>
+              </a:rPr>
+              <a:t>(</a:t>
+            </a:r>
+            <a:r>
+              <a:rPr lang="en-US" sz="1200" dirty="0">
+                <a:latin typeface="Menlo Bold"/>
+                <a:cs typeface="Menlo Bold"/>
+              </a:rPr>
+              <a:t>context</a:t>
+            </a:r>
+            <a:r>
+              <a:rPr lang="en-US" sz="1200" dirty="0">
+                <a:latin typeface="Menlo Bold"/>
+                <a:cs typeface="Menlo Bold"/>
+              </a:rPr>
+              <a:t>, </a:t>
+            </a:r>
+            <a:r>
+              <a:rPr lang="en-US" sz="1200" dirty="0" err="1">
+                <a:latin typeface="Menlo Bold"/>
+                <a:cs typeface="Menlo Bold"/>
+              </a:rPr>
+              <a:t>categoryContext</a:t>
+            </a:r>
+            <a:r>
+              <a:rPr lang="en-US" sz="1200" dirty="0">
+                <a:latin typeface="Menlo Bold"/>
+                <a:cs typeface="Menlo Bold"/>
+              </a:rPr>
+              <a:t>));</a:t>
+            </a:r>
+            <a:br>
+              <a:rPr lang="en-US" sz="1200" dirty="0">
+                <a:latin typeface="Menlo Bold"/>
+                <a:cs typeface="Menlo Bold"/>
+              </a:rPr>
+            </a:br>
+            <a:r>
+              <a:rPr lang="en-US" sz="1200" dirty="0" smtClean="0">
+                <a:latin typeface="Menlo Bold"/>
+                <a:cs typeface="Menlo Bold"/>
+              </a:rPr>
+              <a:t>}</a:t>
+            </a:r>
+          </a:p>
+          <a:p>
+            <a:pPr marL="36576" indent="0">
+              <a:buNone/>
+            </a:pPr>
+            <a:endParaRPr lang="en-US" sz="1200" dirty="0">
+              <a:latin typeface="Menlo Bold"/>
+              <a:cs typeface="Menlo Bold"/>
+            </a:endParaRPr>
+          </a:p>
+        </p:txBody>
+      </p:sp>
+    </p:spTree>
+    <p:extLst>
+      <p:ext uri="{BB962C8B-B14F-4D97-AF65-F5344CB8AC3E}">
+        <p14:creationId xmlns:p14="http://schemas.microsoft.com/office/powerpoint/2010/main" val="154897794"/>
+      </p:ext>
+    </p:extLst>
+  </p:cSld>
+  <p:clrMapOvr>
+    <a:masterClrMapping/>
+  </p:clrMapOvr>
+</p:sld>
+</file>
+
+<file path=ppt/slides/slide14.xml><?xml version="1.0" encoding="utf-8"?>
+<p:sld xmlns:a="http://schemas.openxmlformats.org/drawingml/2006/main" xmlns:r="http://schemas.openxmlformats.org/officeDocument/2006/relationships" xmlns:p="http://schemas.openxmlformats.org/presentationml/2006/main">
+  <p:cSld>
+    <p:spTree>
+      <p:nvGrpSpPr>
+        <p:cNvPr id="1" name=""/>
+        <p:cNvGrpSpPr/>
+        <p:nvPr/>
+      </p:nvGrpSpPr>
+      <p:grpSpPr>
+        <a:xfrm>
+          <a:off x="0" y="0"/>
+          <a:ext cx="0" cy="0"/>
+          <a:chOff x="0" y="0"/>
+          <a:chExt cx="0" cy="0"/>
+        </a:xfrm>
+      </p:grpSpPr>
+      <p:sp>
+        <p:nvSpPr>
+          <p:cNvPr id="2" name="Title 1"/>
+          <p:cNvSpPr>
+            <a:spLocks noGrp="1"/>
+          </p:cNvSpPr>
+          <p:nvPr>
+            <p:ph type="title"/>
+          </p:nvPr>
+        </p:nvSpPr>
+        <p:spPr/>
+        <p:txBody>
+          <a:bodyPr/>
+          <a:lstStyle/>
+          <a:p>
+            <a:r>
+              <a:rPr lang="en-US" dirty="0" smtClean="0"/>
+              <a:t>Lambdas in practice</a:t>
+            </a:r>
+            <a:endParaRPr lang="en-US" dirty="0"/>
+          </a:p>
+        </p:txBody>
+      </p:sp>
+      <p:sp>
+        <p:nvSpPr>
+          <p:cNvPr id="3" name="Content Placeholder 2"/>
+          <p:cNvSpPr>
+            <a:spLocks noGrp="1"/>
+          </p:cNvSpPr>
+          <p:nvPr>
+            <p:ph idx="1"/>
+          </p:nvPr>
+        </p:nvSpPr>
+        <p:spPr>
+          <a:xfrm>
+            <a:off x="56444" y="1600200"/>
+            <a:ext cx="9144000" cy="4525963"/>
+          </a:xfrm>
+        </p:spPr>
+        <p:txBody>
+          <a:bodyPr>
+            <a:normAutofit/>
+          </a:bodyPr>
+          <a:lstStyle/>
+          <a:p>
+            <a:pPr marL="36576" indent="0">
+              <a:buNone/>
+            </a:pPr>
+            <a:r>
+              <a:rPr lang="en-US" sz="1000" dirty="0" err="1">
+                <a:latin typeface="Menlo Regular"/>
+                <a:cs typeface="Menlo Regular"/>
+              </a:rPr>
+              <a:t>VolumeInfo</a:t>
+            </a:r>
+            <a:r>
+              <a:rPr lang="en-US" sz="1000" dirty="0">
+                <a:latin typeface="Menlo Regular"/>
+                <a:cs typeface="Menlo Regular"/>
+              </a:rPr>
+              <a:t> </a:t>
+            </a:r>
+            <a:r>
+              <a:rPr lang="en-US" sz="1000" dirty="0">
+                <a:latin typeface="Menlo Regular"/>
+                <a:cs typeface="Menlo Regular"/>
+              </a:rPr>
+              <a:t>aggregate </a:t>
+            </a:r>
+            <a:r>
+              <a:rPr lang="en-US" sz="1000" dirty="0">
+                <a:latin typeface="Menlo Regular"/>
+                <a:cs typeface="Menlo Regular"/>
+              </a:rPr>
+              <a:t>= new </a:t>
+            </a:r>
+            <a:r>
+              <a:rPr lang="en-US" sz="1000" dirty="0" err="1">
+                <a:latin typeface="Menlo Regular"/>
+                <a:cs typeface="Menlo Regular"/>
+              </a:rPr>
+              <a:t>VolumeInfo</a:t>
+            </a:r>
+            <a:r>
+              <a:rPr lang="en-US" sz="1000" dirty="0">
+                <a:latin typeface="Menlo Regular"/>
+                <a:cs typeface="Menlo Regular"/>
+              </a:rPr>
+              <a:t>(</a:t>
+            </a:r>
+            <a:br>
+              <a:rPr lang="en-US" sz="1000" dirty="0">
+                <a:latin typeface="Menlo Regular"/>
+                <a:cs typeface="Menlo Regular"/>
+              </a:rPr>
+            </a:br>
+            <a:r>
+              <a:rPr lang="en-US" sz="1000" dirty="0">
+                <a:latin typeface="Menlo Regular"/>
+                <a:cs typeface="Menlo Regular"/>
+              </a:rPr>
+              <a:t>        </a:t>
+            </a:r>
+            <a:r>
+              <a:rPr lang="en-US" sz="1000" dirty="0" err="1">
+                <a:latin typeface="Menlo Regular"/>
+                <a:cs typeface="Menlo Regular"/>
+              </a:rPr>
+              <a:t>first</a:t>
+            </a:r>
+            <a:r>
+              <a:rPr lang="en-US" sz="1000" dirty="0" err="1">
+                <a:latin typeface="Menlo Regular"/>
+                <a:cs typeface="Menlo Regular"/>
+              </a:rPr>
+              <a:t>.</a:t>
+            </a:r>
+            <a:r>
+              <a:rPr lang="en-US" sz="1000" dirty="0" err="1">
+                <a:latin typeface="Menlo Regular"/>
+                <a:cs typeface="Menlo Regular"/>
+              </a:rPr>
+              <a:t>getBusinessCenterId</a:t>
+            </a:r>
+            <a:r>
+              <a:rPr lang="en-US" sz="1000" dirty="0">
+                <a:latin typeface="Menlo Regular"/>
+                <a:cs typeface="Menlo Regular"/>
+              </a:rPr>
+              <a:t>(),</a:t>
+            </a:r>
+            <a:br>
+              <a:rPr lang="en-US" sz="1000" dirty="0">
+                <a:latin typeface="Menlo Regular"/>
+                <a:cs typeface="Menlo Regular"/>
+              </a:rPr>
+            </a:br>
+            <a:r>
+              <a:rPr lang="en-US" sz="1000" dirty="0">
+                <a:latin typeface="Menlo Regular"/>
+                <a:cs typeface="Menlo Regular"/>
+              </a:rPr>
+              <a:t>        </a:t>
+            </a:r>
+            <a:r>
+              <a:rPr lang="en-US" sz="1000" dirty="0" err="1">
+                <a:latin typeface="Menlo Regular"/>
+                <a:cs typeface="Menlo Regular"/>
+              </a:rPr>
+              <a:t>first</a:t>
+            </a:r>
+            <a:r>
+              <a:rPr lang="en-US" sz="1000" dirty="0" err="1">
+                <a:latin typeface="Menlo Regular"/>
+                <a:cs typeface="Menlo Regular"/>
+              </a:rPr>
+              <a:t>.</a:t>
+            </a:r>
+            <a:r>
+              <a:rPr lang="en-US" sz="1000" dirty="0" err="1">
+                <a:latin typeface="Menlo Regular"/>
+                <a:cs typeface="Menlo Regular"/>
+              </a:rPr>
+              <a:t>getCustomerId</a:t>
+            </a:r>
+            <a:r>
+              <a:rPr lang="en-US" sz="1000" dirty="0">
+                <a:latin typeface="Menlo Regular"/>
+                <a:cs typeface="Menlo Regular"/>
+              </a:rPr>
+              <a:t>(),</a:t>
+            </a:r>
+            <a:br>
+              <a:rPr lang="en-US" sz="1000" dirty="0">
+                <a:latin typeface="Menlo Regular"/>
+                <a:cs typeface="Menlo Regular"/>
+              </a:rPr>
+            </a:br>
+            <a:r>
+              <a:rPr lang="en-US" sz="1000" dirty="0">
+                <a:latin typeface="Menlo Regular"/>
+                <a:cs typeface="Menlo Regular"/>
+              </a:rPr>
+              <a:t>        </a:t>
+            </a:r>
+            <a:r>
+              <a:rPr lang="en-US" sz="1000" dirty="0" err="1">
+                <a:latin typeface="Menlo Regular"/>
+                <a:cs typeface="Menlo Regular"/>
+              </a:rPr>
+              <a:t>volumes</a:t>
+            </a:r>
+            <a:r>
+              <a:rPr lang="en-US" sz="1000" dirty="0" err="1">
+                <a:latin typeface="Menlo Regular"/>
+                <a:cs typeface="Menlo Regular"/>
+              </a:rPr>
+              <a:t>.</a:t>
+            </a:r>
+            <a:r>
+              <a:rPr lang="en-US" sz="1000" dirty="0" err="1">
+                <a:latin typeface="Menlo Regular"/>
+                <a:cs typeface="Menlo Regular"/>
+              </a:rPr>
+              <a:t>stream</a:t>
+            </a:r>
+            <a:r>
+              <a:rPr lang="en-US" sz="1000" dirty="0">
+                <a:latin typeface="Menlo Regular"/>
+                <a:cs typeface="Menlo Regular"/>
+              </a:rPr>
+              <a:t>().</a:t>
+            </a:r>
+            <a:r>
+              <a:rPr lang="en-US" sz="1000" dirty="0" err="1">
+                <a:latin typeface="Menlo Regular"/>
+                <a:cs typeface="Menlo Regular"/>
+              </a:rPr>
+              <a:t>mapToDouble</a:t>
+            </a:r>
+            <a:r>
+              <a:rPr lang="en-US" sz="1000" dirty="0" smtClean="0">
+                <a:latin typeface="Menlo Regular"/>
+                <a:cs typeface="Menlo Regular"/>
+              </a:rPr>
+              <a:t>(vi </a:t>
+            </a:r>
+            <a:r>
+              <a:rPr lang="en-US" sz="1000" dirty="0">
+                <a:latin typeface="Menlo Regular"/>
+                <a:cs typeface="Menlo Regular"/>
+              </a:rPr>
+              <a:t>-&gt; </a:t>
+            </a:r>
+            <a:r>
+              <a:rPr lang="en-US" sz="1000" dirty="0" err="1">
+                <a:latin typeface="Menlo Regular"/>
+                <a:cs typeface="Menlo Regular"/>
+              </a:rPr>
+              <a:t>Math.min</a:t>
+            </a:r>
+            <a:r>
+              <a:rPr lang="en-US" sz="1000" dirty="0">
+                <a:latin typeface="Menlo Regular"/>
+                <a:cs typeface="Menlo Regular"/>
+              </a:rPr>
+              <a:t>(</a:t>
+            </a:r>
+            <a:r>
+              <a:rPr lang="en-US" sz="1000" dirty="0" err="1">
+                <a:latin typeface="Menlo Regular"/>
+                <a:cs typeface="Menlo Regular"/>
+              </a:rPr>
+              <a:t>vi</a:t>
+            </a:r>
+            <a:r>
+              <a:rPr lang="en-US" sz="1000" dirty="0" err="1">
+                <a:latin typeface="Menlo Regular"/>
+                <a:cs typeface="Menlo Regular"/>
+              </a:rPr>
+              <a:t>.</a:t>
+            </a:r>
+            <a:r>
+              <a:rPr lang="en-US" sz="1000" dirty="0" err="1">
+                <a:latin typeface="Menlo Regular"/>
+                <a:cs typeface="Menlo Regular"/>
+              </a:rPr>
+              <a:t>getPvAmt</a:t>
+            </a:r>
+            <a:r>
+              <a:rPr lang="en-US" sz="1000" dirty="0">
+                <a:latin typeface="Menlo Regular"/>
+                <a:cs typeface="Menlo Regular"/>
+              </a:rPr>
+              <a:t>(), </a:t>
+            </a:r>
+            <a:r>
+              <a:rPr lang="en-US" sz="1000" dirty="0" err="1">
+                <a:latin typeface="Menlo Regular"/>
+                <a:cs typeface="Menlo Regular"/>
+              </a:rPr>
+              <a:t>Constants.FIVE_THOUSAND</a:t>
+            </a:r>
+            <a:r>
+              <a:rPr lang="en-US" sz="1000" dirty="0">
+                <a:latin typeface="Menlo Regular"/>
+                <a:cs typeface="Menlo Regular"/>
+              </a:rPr>
+              <a:t>)).</a:t>
+            </a:r>
+            <a:r>
+              <a:rPr lang="en-US" sz="1000" dirty="0">
+                <a:latin typeface="Menlo Regular"/>
+                <a:cs typeface="Menlo Regular"/>
+              </a:rPr>
+              <a:t>sum</a:t>
+            </a:r>
+            <a:r>
+              <a:rPr lang="en-US" sz="1000" dirty="0">
+                <a:latin typeface="Menlo Regular"/>
+                <a:cs typeface="Menlo Regular"/>
+              </a:rPr>
+              <a:t>(),</a:t>
+            </a:r>
+            <a:br>
+              <a:rPr lang="en-US" sz="1000" dirty="0">
+                <a:latin typeface="Menlo Regular"/>
+                <a:cs typeface="Menlo Regular"/>
+              </a:rPr>
+            </a:br>
+            <a:r>
+              <a:rPr lang="en-US" sz="1000" dirty="0">
+                <a:latin typeface="Menlo Regular"/>
+                <a:cs typeface="Menlo Regular"/>
+              </a:rPr>
+              <a:t>        </a:t>
+            </a:r>
+            <a:r>
+              <a:rPr lang="en-US" sz="1000" dirty="0" err="1">
+                <a:latin typeface="Menlo Regular"/>
+                <a:cs typeface="Menlo Regular"/>
+              </a:rPr>
+              <a:t>volumes</a:t>
+            </a:r>
+            <a:r>
+              <a:rPr lang="en-US" sz="1000" dirty="0" err="1">
+                <a:latin typeface="Menlo Regular"/>
+                <a:cs typeface="Menlo Regular"/>
+              </a:rPr>
+              <a:t>.</a:t>
+            </a:r>
+            <a:r>
+              <a:rPr lang="en-US" sz="1000" dirty="0" err="1">
+                <a:latin typeface="Menlo Regular"/>
+                <a:cs typeface="Menlo Regular"/>
+              </a:rPr>
+              <a:t>stream</a:t>
+            </a:r>
+            <a:r>
+              <a:rPr lang="en-US" sz="1000" dirty="0">
+                <a:latin typeface="Menlo Regular"/>
+                <a:cs typeface="Menlo Regular"/>
+              </a:rPr>
+              <a:t>().</a:t>
+            </a:r>
+            <a:r>
+              <a:rPr lang="en-US" sz="1000" dirty="0" err="1">
+                <a:latin typeface="Menlo Regular"/>
+                <a:cs typeface="Menlo Regular"/>
+              </a:rPr>
+              <a:t>mapToDouble</a:t>
+            </a:r>
+            <a:r>
+              <a:rPr lang="en-US" sz="1000" dirty="0" smtClean="0">
+                <a:latin typeface="Menlo Regular"/>
+                <a:cs typeface="Menlo Regular"/>
+              </a:rPr>
+              <a:t>(vi </a:t>
+            </a:r>
+            <a:r>
+              <a:rPr lang="en-US" sz="1000" dirty="0">
+                <a:latin typeface="Menlo Regular"/>
+                <a:cs typeface="Menlo Regular"/>
+              </a:rPr>
+              <a:t>-&gt; </a:t>
+            </a:r>
+            <a:r>
+              <a:rPr lang="en-US" sz="1000" dirty="0" err="1">
+                <a:latin typeface="Menlo Regular"/>
+                <a:cs typeface="Menlo Regular"/>
+              </a:rPr>
+              <a:t>Math.min</a:t>
+            </a:r>
+            <a:r>
+              <a:rPr lang="en-US" sz="1000" dirty="0">
+                <a:latin typeface="Menlo Regular"/>
+                <a:cs typeface="Menlo Regular"/>
+              </a:rPr>
+              <a:t>(</a:t>
+            </a:r>
+            <a:r>
+              <a:rPr lang="en-US" sz="1000" dirty="0" err="1">
+                <a:latin typeface="Menlo Regular"/>
+                <a:cs typeface="Menlo Regular"/>
+              </a:rPr>
+              <a:t>vi</a:t>
+            </a:r>
+            <a:r>
+              <a:rPr lang="en-US" sz="1000" dirty="0" err="1">
+                <a:latin typeface="Menlo Regular"/>
+                <a:cs typeface="Menlo Regular"/>
+              </a:rPr>
+              <a:t>.</a:t>
+            </a:r>
+            <a:r>
+              <a:rPr lang="en-US" sz="1000" dirty="0" err="1">
+                <a:latin typeface="Menlo Regular"/>
+                <a:cs typeface="Menlo Regular"/>
+              </a:rPr>
+              <a:t>getLeftVolume</a:t>
+            </a:r>
+            <a:r>
+              <a:rPr lang="en-US" sz="1000" dirty="0">
+                <a:latin typeface="Menlo Regular"/>
+                <a:cs typeface="Menlo Regular"/>
+              </a:rPr>
+              <a:t>(), </a:t>
+            </a:r>
+            <a:r>
+              <a:rPr lang="en-US" sz="1000" dirty="0" err="1">
+                <a:latin typeface="Menlo Regular"/>
+                <a:cs typeface="Menlo Regular"/>
+              </a:rPr>
+              <a:t>Constants.FIVE_THOUSAND</a:t>
+            </a:r>
+            <a:r>
+              <a:rPr lang="en-US" sz="1000" dirty="0">
+                <a:latin typeface="Menlo Regular"/>
+                <a:cs typeface="Menlo Regular"/>
+              </a:rPr>
+              <a:t>)).</a:t>
+            </a:r>
+            <a:r>
+              <a:rPr lang="en-US" sz="1000" dirty="0">
+                <a:latin typeface="Menlo Regular"/>
+                <a:cs typeface="Menlo Regular"/>
+              </a:rPr>
+              <a:t>sum</a:t>
+            </a:r>
+            <a:r>
+              <a:rPr lang="en-US" sz="1000" dirty="0">
+                <a:latin typeface="Menlo Regular"/>
+                <a:cs typeface="Menlo Regular"/>
+              </a:rPr>
+              <a:t>(),</a:t>
+            </a:r>
+            <a:br>
+              <a:rPr lang="en-US" sz="1000" dirty="0">
+                <a:latin typeface="Menlo Regular"/>
+                <a:cs typeface="Menlo Regular"/>
+              </a:rPr>
+            </a:br>
+            <a:r>
+              <a:rPr lang="en-US" sz="1000" dirty="0">
+                <a:latin typeface="Menlo Regular"/>
+                <a:cs typeface="Menlo Regular"/>
+              </a:rPr>
+              <a:t>        </a:t>
+            </a:r>
+            <a:r>
+              <a:rPr lang="en-US" sz="1000" dirty="0" err="1">
+                <a:latin typeface="Menlo Regular"/>
+                <a:cs typeface="Menlo Regular"/>
+              </a:rPr>
+              <a:t>volumes</a:t>
+            </a:r>
+            <a:r>
+              <a:rPr lang="en-US" sz="1000" dirty="0" err="1">
+                <a:latin typeface="Menlo Regular"/>
+                <a:cs typeface="Menlo Regular"/>
+              </a:rPr>
+              <a:t>.</a:t>
+            </a:r>
+            <a:r>
+              <a:rPr lang="en-US" sz="1000" dirty="0" err="1">
+                <a:latin typeface="Menlo Regular"/>
+                <a:cs typeface="Menlo Regular"/>
+              </a:rPr>
+              <a:t>stream</a:t>
+            </a:r>
+            <a:r>
+              <a:rPr lang="en-US" sz="1000" dirty="0">
+                <a:latin typeface="Menlo Regular"/>
+                <a:cs typeface="Menlo Regular"/>
+              </a:rPr>
+              <a:t>().</a:t>
+            </a:r>
+            <a:r>
+              <a:rPr lang="en-US" sz="1000" dirty="0" err="1">
+                <a:latin typeface="Menlo Regular"/>
+                <a:cs typeface="Menlo Regular"/>
+              </a:rPr>
+              <a:t>mapToDouble</a:t>
+            </a:r>
+            <a:r>
+              <a:rPr lang="en-US" sz="1000" dirty="0">
+                <a:latin typeface="Menlo Regular"/>
+                <a:cs typeface="Menlo Regular"/>
+              </a:rPr>
+              <a:t>(</a:t>
+            </a:r>
+            <a:r>
+              <a:rPr lang="en-US" sz="1000" dirty="0">
+                <a:latin typeface="Menlo Regular"/>
+                <a:cs typeface="Menlo Regular"/>
+              </a:rPr>
+              <a:t>vi -&gt; </a:t>
+            </a:r>
+            <a:r>
+              <a:rPr lang="en-US" sz="1000" dirty="0" err="1">
+                <a:latin typeface="Menlo Regular"/>
+                <a:cs typeface="Menlo Regular"/>
+              </a:rPr>
+              <a:t>Math.min</a:t>
+            </a:r>
+            <a:r>
+              <a:rPr lang="en-US" sz="1000" dirty="0">
+                <a:latin typeface="Menlo Regular"/>
+                <a:cs typeface="Menlo Regular"/>
+              </a:rPr>
+              <a:t>(</a:t>
+            </a:r>
+            <a:r>
+              <a:rPr lang="en-US" sz="1000" dirty="0" err="1">
+                <a:latin typeface="Menlo Regular"/>
+                <a:cs typeface="Menlo Regular"/>
+              </a:rPr>
+              <a:t>vi</a:t>
+            </a:r>
+            <a:r>
+              <a:rPr lang="en-US" sz="1000" dirty="0" err="1">
+                <a:latin typeface="Menlo Regular"/>
+                <a:cs typeface="Menlo Regular"/>
+              </a:rPr>
+              <a:t>.</a:t>
+            </a:r>
+            <a:r>
+              <a:rPr lang="en-US" sz="1000" dirty="0" err="1">
+                <a:latin typeface="Menlo Regular"/>
+                <a:cs typeface="Menlo Regular"/>
+              </a:rPr>
+              <a:t>getRightVolume</a:t>
+            </a:r>
+            <a:r>
+              <a:rPr lang="en-US" sz="1000" dirty="0">
+                <a:latin typeface="Menlo Regular"/>
+                <a:cs typeface="Menlo Regular"/>
+              </a:rPr>
+              <a:t>(), </a:t>
+            </a:r>
+            <a:r>
+              <a:rPr lang="en-US" sz="1000" dirty="0" err="1">
+                <a:latin typeface="Menlo Regular"/>
+                <a:cs typeface="Menlo Regular"/>
+              </a:rPr>
+              <a:t>Constants.FIVE_THOUSAND</a:t>
+            </a:r>
+            <a:r>
+              <a:rPr lang="en-US" sz="1000" dirty="0">
+                <a:latin typeface="Menlo Regular"/>
+                <a:cs typeface="Menlo Regular"/>
+              </a:rPr>
+              <a:t>)).</a:t>
+            </a:r>
+            <a:r>
+              <a:rPr lang="en-US" sz="1000" dirty="0">
+                <a:latin typeface="Menlo Regular"/>
+                <a:cs typeface="Menlo Regular"/>
+              </a:rPr>
+              <a:t>sum</a:t>
+            </a:r>
+            <a:r>
+              <a:rPr lang="en-US" sz="1000" dirty="0">
+                <a:latin typeface="Menlo Regular"/>
+                <a:cs typeface="Menlo Regular"/>
+              </a:rPr>
+              <a:t>(),</a:t>
+            </a:r>
+            <a:br>
+              <a:rPr lang="en-US" sz="1000" dirty="0">
+                <a:latin typeface="Menlo Regular"/>
+                <a:cs typeface="Menlo Regular"/>
+              </a:rPr>
+            </a:br>
+            <a:r>
+              <a:rPr lang="en-US" sz="1000" dirty="0">
+                <a:latin typeface="Menlo Regular"/>
+                <a:cs typeface="Menlo Regular"/>
+              </a:rPr>
+              <a:t>        </a:t>
+            </a:r>
+            <a:r>
+              <a:rPr lang="en-US" sz="1000" dirty="0" err="1">
+                <a:latin typeface="Menlo Regular"/>
+                <a:cs typeface="Menlo Regular"/>
+              </a:rPr>
+              <a:t>volumes</a:t>
+            </a:r>
+            <a:r>
+              <a:rPr lang="en-US" sz="1000" dirty="0" err="1">
+                <a:latin typeface="Menlo Regular"/>
+                <a:cs typeface="Menlo Regular"/>
+              </a:rPr>
+              <a:t>.</a:t>
+            </a:r>
+            <a:r>
+              <a:rPr lang="en-US" sz="1000" dirty="0" err="1">
+                <a:latin typeface="Menlo Regular"/>
+                <a:cs typeface="Menlo Regular"/>
+              </a:rPr>
+              <a:t>stream</a:t>
+            </a:r>
+            <a:r>
+              <a:rPr lang="en-US" sz="1000" dirty="0">
+                <a:latin typeface="Menlo Regular"/>
+                <a:cs typeface="Menlo Regular"/>
+              </a:rPr>
+              <a:t>().</a:t>
+            </a:r>
+            <a:r>
+              <a:rPr lang="en-US" sz="1000" dirty="0" err="1">
+                <a:latin typeface="Menlo Regular"/>
+                <a:cs typeface="Menlo Regular"/>
+              </a:rPr>
+              <a:t>mapToDouble</a:t>
+            </a:r>
+            <a:r>
+              <a:rPr lang="en-US" sz="1000" dirty="0">
+                <a:latin typeface="Menlo Regular"/>
+                <a:cs typeface="Menlo Regular"/>
+              </a:rPr>
+              <a:t>(</a:t>
+            </a:r>
+            <a:r>
+              <a:rPr lang="en-US" sz="1000" dirty="0">
+                <a:latin typeface="Menlo Regular"/>
+                <a:cs typeface="Menlo Regular"/>
+              </a:rPr>
+              <a:t>vi -&gt; </a:t>
+            </a:r>
+            <a:r>
+              <a:rPr lang="en-US" sz="1000" dirty="0" err="1">
+                <a:latin typeface="Menlo Regular"/>
+                <a:cs typeface="Menlo Regular"/>
+              </a:rPr>
+              <a:t>Math.min</a:t>
+            </a:r>
+            <a:r>
+              <a:rPr lang="en-US" sz="1000" dirty="0">
+                <a:latin typeface="Menlo Regular"/>
+                <a:cs typeface="Menlo Regular"/>
+              </a:rPr>
+              <a:t>(</a:t>
+            </a:r>
+            <a:r>
+              <a:rPr lang="en-US" sz="1000" dirty="0" err="1">
+                <a:latin typeface="Menlo Regular"/>
+                <a:cs typeface="Menlo Regular"/>
+              </a:rPr>
+              <a:t>vi</a:t>
+            </a:r>
+            <a:r>
+              <a:rPr lang="en-US" sz="1000" dirty="0" err="1">
+                <a:latin typeface="Menlo Regular"/>
+                <a:cs typeface="Menlo Regular"/>
+              </a:rPr>
+              <a:t>.</a:t>
+            </a:r>
+            <a:r>
+              <a:rPr lang="en-US" sz="1000" dirty="0" err="1">
+                <a:latin typeface="Menlo Regular"/>
+                <a:cs typeface="Menlo Regular"/>
+              </a:rPr>
+              <a:t>getLeftCarryOver</a:t>
+            </a:r>
+            <a:r>
+              <a:rPr lang="en-US" sz="1000" dirty="0">
+                <a:latin typeface="Menlo Regular"/>
+                <a:cs typeface="Menlo Regular"/>
+              </a:rPr>
+              <a:t>(), </a:t>
+            </a:r>
+            <a:r>
+              <a:rPr lang="en-US" sz="1000" dirty="0" err="1">
+                <a:latin typeface="Menlo Regular"/>
+                <a:cs typeface="Menlo Regular"/>
+              </a:rPr>
+              <a:t>Constants.FIVE_THOUSAND</a:t>
+            </a:r>
+            <a:r>
+              <a:rPr lang="en-US" sz="1000" dirty="0">
+                <a:latin typeface="Menlo Regular"/>
+                <a:cs typeface="Menlo Regular"/>
+              </a:rPr>
+              <a:t>)).</a:t>
+            </a:r>
+            <a:r>
+              <a:rPr lang="en-US" sz="1000" dirty="0">
+                <a:latin typeface="Menlo Regular"/>
+                <a:cs typeface="Menlo Regular"/>
+              </a:rPr>
+              <a:t>sum</a:t>
+            </a:r>
+            <a:r>
+              <a:rPr lang="en-US" sz="1000" dirty="0">
+                <a:latin typeface="Menlo Regular"/>
+                <a:cs typeface="Menlo Regular"/>
+              </a:rPr>
+              <a:t>(),</a:t>
+            </a:r>
+            <a:br>
+              <a:rPr lang="en-US" sz="1000" dirty="0">
+                <a:latin typeface="Menlo Regular"/>
+                <a:cs typeface="Menlo Regular"/>
+              </a:rPr>
+            </a:br>
+            <a:r>
+              <a:rPr lang="en-US" sz="1000" dirty="0">
+                <a:latin typeface="Menlo Regular"/>
+                <a:cs typeface="Menlo Regular"/>
+              </a:rPr>
+              <a:t>        </a:t>
+            </a:r>
+            <a:r>
+              <a:rPr lang="en-US" sz="1000" dirty="0" err="1">
+                <a:latin typeface="Menlo Regular"/>
+                <a:cs typeface="Menlo Regular"/>
+              </a:rPr>
+              <a:t>volumes</a:t>
+            </a:r>
+            <a:r>
+              <a:rPr lang="en-US" sz="1000" dirty="0" err="1">
+                <a:latin typeface="Menlo Regular"/>
+                <a:cs typeface="Menlo Regular"/>
+              </a:rPr>
+              <a:t>.</a:t>
+            </a:r>
+            <a:r>
+              <a:rPr lang="en-US" sz="1000" dirty="0" err="1">
+                <a:latin typeface="Menlo Regular"/>
+                <a:cs typeface="Menlo Regular"/>
+              </a:rPr>
+              <a:t>stream</a:t>
+            </a:r>
+            <a:r>
+              <a:rPr lang="en-US" sz="1000" dirty="0">
+                <a:latin typeface="Menlo Regular"/>
+                <a:cs typeface="Menlo Regular"/>
+              </a:rPr>
+              <a:t>().</a:t>
+            </a:r>
+            <a:r>
+              <a:rPr lang="en-US" sz="1000" dirty="0" err="1">
+                <a:latin typeface="Menlo Regular"/>
+                <a:cs typeface="Menlo Regular"/>
+              </a:rPr>
+              <a:t>mapToDouble</a:t>
+            </a:r>
+            <a:r>
+              <a:rPr lang="en-US" sz="1000" dirty="0">
+                <a:latin typeface="Menlo Regular"/>
+                <a:cs typeface="Menlo Regular"/>
+              </a:rPr>
+              <a:t>(</a:t>
+            </a:r>
+            <a:r>
+              <a:rPr lang="en-US" sz="1000" dirty="0">
+                <a:latin typeface="Menlo Regular"/>
+                <a:cs typeface="Menlo Regular"/>
+              </a:rPr>
+              <a:t>vi -&gt; </a:t>
+            </a:r>
+            <a:r>
+              <a:rPr lang="en-US" sz="1000" dirty="0" err="1">
+                <a:latin typeface="Menlo Regular"/>
+                <a:cs typeface="Menlo Regular"/>
+              </a:rPr>
+              <a:t>Math.min</a:t>
+            </a:r>
+            <a:r>
+              <a:rPr lang="en-US" sz="1000" dirty="0">
+                <a:latin typeface="Menlo Regular"/>
+                <a:cs typeface="Menlo Regular"/>
+              </a:rPr>
+              <a:t>(</a:t>
+            </a:r>
+            <a:r>
+              <a:rPr lang="en-US" sz="1000" dirty="0" err="1">
+                <a:latin typeface="Menlo Regular"/>
+                <a:cs typeface="Menlo Regular"/>
+              </a:rPr>
+              <a:t>vi</a:t>
+            </a:r>
+            <a:r>
+              <a:rPr lang="en-US" sz="1000" dirty="0" err="1">
+                <a:latin typeface="Menlo Regular"/>
+                <a:cs typeface="Menlo Regular"/>
+              </a:rPr>
+              <a:t>.</a:t>
+            </a:r>
+            <a:r>
+              <a:rPr lang="en-US" sz="1000" dirty="0" err="1">
+                <a:latin typeface="Menlo Regular"/>
+                <a:cs typeface="Menlo Regular"/>
+              </a:rPr>
+              <a:t>getRightCarryOver</a:t>
+            </a:r>
+            <a:r>
+              <a:rPr lang="en-US" sz="1000" dirty="0">
+                <a:latin typeface="Menlo Regular"/>
+                <a:cs typeface="Menlo Regular"/>
+              </a:rPr>
+              <a:t>(), </a:t>
+            </a:r>
+            <a:r>
+              <a:rPr lang="en-US" sz="1000" dirty="0" err="1">
+                <a:latin typeface="Menlo Regular"/>
+                <a:cs typeface="Menlo Regular"/>
+              </a:rPr>
+              <a:t>Constants.FIVE_THOUSAND</a:t>
+            </a:r>
+            <a:r>
+              <a:rPr lang="en-US" sz="1000" dirty="0">
+                <a:latin typeface="Menlo Regular"/>
+                <a:cs typeface="Menlo Regular"/>
+              </a:rPr>
+              <a:t>)).</a:t>
+            </a:r>
+            <a:r>
+              <a:rPr lang="en-US" sz="1000" dirty="0">
+                <a:latin typeface="Menlo Regular"/>
+                <a:cs typeface="Menlo Regular"/>
+              </a:rPr>
+              <a:t>sum</a:t>
+            </a:r>
+            <a:r>
+              <a:rPr lang="en-US" sz="1000" dirty="0">
+                <a:latin typeface="Menlo Regular"/>
+                <a:cs typeface="Menlo Regular"/>
+              </a:rPr>
+              <a:t>(),</a:t>
+            </a:r>
+            <a:br>
+              <a:rPr lang="en-US" sz="1000" dirty="0">
+                <a:latin typeface="Menlo Regular"/>
+                <a:cs typeface="Menlo Regular"/>
+              </a:rPr>
+            </a:br>
+            <a:r>
+              <a:rPr lang="en-US" sz="1000" dirty="0">
+                <a:latin typeface="Menlo Regular"/>
+                <a:cs typeface="Menlo Regular"/>
+              </a:rPr>
+              <a:t>        </a:t>
+            </a:r>
+            <a:r>
+              <a:rPr lang="en-US" sz="1000" dirty="0" err="1">
+                <a:latin typeface="Menlo Regular"/>
+                <a:cs typeface="Menlo Regular"/>
+              </a:rPr>
+              <a:t>volumes</a:t>
+            </a:r>
+            <a:r>
+              <a:rPr lang="en-US" sz="1000" dirty="0" err="1">
+                <a:latin typeface="Menlo Regular"/>
+                <a:cs typeface="Menlo Regular"/>
+              </a:rPr>
+              <a:t>.</a:t>
+            </a:r>
+            <a:r>
+              <a:rPr lang="en-US" sz="1000" dirty="0" err="1">
+                <a:latin typeface="Menlo Regular"/>
+                <a:cs typeface="Menlo Regular"/>
+              </a:rPr>
+              <a:t>stream</a:t>
+            </a:r>
+            <a:r>
+              <a:rPr lang="en-US" sz="1000" dirty="0">
+                <a:latin typeface="Menlo Regular"/>
+                <a:cs typeface="Menlo Regular"/>
+              </a:rPr>
+              <a:t>().</a:t>
+            </a:r>
+            <a:r>
+              <a:rPr lang="en-US" sz="1000" dirty="0" err="1">
+                <a:latin typeface="Menlo Regular"/>
+                <a:cs typeface="Menlo Regular"/>
+              </a:rPr>
+              <a:t>mapToDouble</a:t>
+            </a:r>
+            <a:r>
+              <a:rPr lang="en-US" sz="1000" dirty="0">
+                <a:latin typeface="Menlo Regular"/>
+                <a:cs typeface="Menlo Regular"/>
+              </a:rPr>
+              <a:t>(</a:t>
+            </a:r>
+            <a:r>
+              <a:rPr lang="en-US" sz="1000" dirty="0">
+                <a:latin typeface="Menlo Regular"/>
+                <a:cs typeface="Menlo Regular"/>
+              </a:rPr>
+              <a:t>vi -&gt; </a:t>
+            </a:r>
+            <a:r>
+              <a:rPr lang="en-US" sz="1000" dirty="0" err="1">
+                <a:latin typeface="Menlo Regular"/>
+                <a:cs typeface="Menlo Regular"/>
+              </a:rPr>
+              <a:t>Math.min</a:t>
+            </a:r>
+            <a:r>
+              <a:rPr lang="en-US" sz="1000" dirty="0">
+                <a:latin typeface="Menlo Regular"/>
+                <a:cs typeface="Menlo Regular"/>
+              </a:rPr>
+              <a:t>(</a:t>
+            </a:r>
+            <a:r>
+              <a:rPr lang="en-US" sz="1000" dirty="0" err="1">
+                <a:latin typeface="Menlo Regular"/>
+                <a:cs typeface="Menlo Regular"/>
+              </a:rPr>
+              <a:t>vi</a:t>
+            </a:r>
+            <a:r>
+              <a:rPr lang="en-US" sz="1000" dirty="0" err="1">
+                <a:latin typeface="Menlo Regular"/>
+                <a:cs typeface="Menlo Regular"/>
+              </a:rPr>
+              <a:t>.</a:t>
+            </a:r>
+            <a:r>
+              <a:rPr lang="en-US" sz="1000" dirty="0" err="1">
+                <a:latin typeface="Menlo Regular"/>
+                <a:cs typeface="Menlo Regular"/>
+              </a:rPr>
+              <a:t>getLeftTotal</a:t>
+            </a:r>
+            <a:r>
+              <a:rPr lang="en-US" sz="1000" dirty="0">
+                <a:latin typeface="Menlo Regular"/>
+                <a:cs typeface="Menlo Regular"/>
+              </a:rPr>
+              <a:t>(), </a:t>
+            </a:r>
+            <a:r>
+              <a:rPr lang="en-US" sz="1000" dirty="0" err="1">
+                <a:latin typeface="Menlo Regular"/>
+                <a:cs typeface="Menlo Regular"/>
+              </a:rPr>
+              <a:t>Constants.FIVE_THOUSAND</a:t>
+            </a:r>
+            <a:r>
+              <a:rPr lang="en-US" sz="1000" dirty="0">
+                <a:latin typeface="Menlo Regular"/>
+                <a:cs typeface="Menlo Regular"/>
+              </a:rPr>
+              <a:t>)).</a:t>
+            </a:r>
+            <a:r>
+              <a:rPr lang="en-US" sz="1000" dirty="0">
+                <a:latin typeface="Menlo Regular"/>
+                <a:cs typeface="Menlo Regular"/>
+              </a:rPr>
+              <a:t>sum</a:t>
+            </a:r>
+            <a:r>
+              <a:rPr lang="en-US" sz="1000" dirty="0">
+                <a:latin typeface="Menlo Regular"/>
+                <a:cs typeface="Menlo Regular"/>
+              </a:rPr>
+              <a:t>(),</a:t>
+            </a:r>
+            <a:br>
+              <a:rPr lang="en-US" sz="1000" dirty="0">
+                <a:latin typeface="Menlo Regular"/>
+                <a:cs typeface="Menlo Regular"/>
+              </a:rPr>
+            </a:br>
+            <a:r>
+              <a:rPr lang="en-US" sz="1000" dirty="0">
+                <a:latin typeface="Menlo Regular"/>
+                <a:cs typeface="Menlo Regular"/>
+              </a:rPr>
+              <a:t>        </a:t>
+            </a:r>
+            <a:r>
+              <a:rPr lang="en-US" sz="1000" dirty="0" err="1">
+                <a:latin typeface="Menlo Regular"/>
+                <a:cs typeface="Menlo Regular"/>
+              </a:rPr>
+              <a:t>volumes</a:t>
+            </a:r>
+            <a:r>
+              <a:rPr lang="en-US" sz="1000" dirty="0" err="1">
+                <a:latin typeface="Menlo Regular"/>
+                <a:cs typeface="Menlo Regular"/>
+              </a:rPr>
+              <a:t>.</a:t>
+            </a:r>
+            <a:r>
+              <a:rPr lang="en-US" sz="1000" dirty="0" err="1">
+                <a:latin typeface="Menlo Regular"/>
+                <a:cs typeface="Menlo Regular"/>
+              </a:rPr>
+              <a:t>stream</a:t>
+            </a:r>
+            <a:r>
+              <a:rPr lang="en-US" sz="1000" dirty="0">
+                <a:latin typeface="Menlo Regular"/>
+                <a:cs typeface="Menlo Regular"/>
+              </a:rPr>
+              <a:t>().</a:t>
+            </a:r>
+            <a:r>
+              <a:rPr lang="en-US" sz="1000" dirty="0" err="1">
+                <a:latin typeface="Menlo Regular"/>
+                <a:cs typeface="Menlo Regular"/>
+              </a:rPr>
+              <a:t>mapToDouble</a:t>
+            </a:r>
+            <a:r>
+              <a:rPr lang="en-US" sz="1000" dirty="0">
+                <a:latin typeface="Menlo Regular"/>
+                <a:cs typeface="Menlo Regular"/>
+              </a:rPr>
+              <a:t>(</a:t>
+            </a:r>
+            <a:r>
+              <a:rPr lang="en-US" sz="1000" dirty="0">
+                <a:latin typeface="Menlo Regular"/>
+                <a:cs typeface="Menlo Regular"/>
+              </a:rPr>
+              <a:t>vi -&gt; </a:t>
+            </a:r>
+            <a:r>
+              <a:rPr lang="en-US" sz="1000" dirty="0" err="1">
+                <a:latin typeface="Menlo Regular"/>
+                <a:cs typeface="Menlo Regular"/>
+              </a:rPr>
+              <a:t>Math.min</a:t>
+            </a:r>
+            <a:r>
+              <a:rPr lang="en-US" sz="1000" dirty="0">
+                <a:latin typeface="Menlo Regular"/>
+                <a:cs typeface="Menlo Regular"/>
+              </a:rPr>
+              <a:t>(</a:t>
+            </a:r>
+            <a:r>
+              <a:rPr lang="en-US" sz="1000" dirty="0" err="1">
+                <a:latin typeface="Menlo Regular"/>
+                <a:cs typeface="Menlo Regular"/>
+              </a:rPr>
+              <a:t>vi</a:t>
+            </a:r>
+            <a:r>
+              <a:rPr lang="en-US" sz="1000" dirty="0" err="1">
+                <a:latin typeface="Menlo Regular"/>
+                <a:cs typeface="Menlo Regular"/>
+              </a:rPr>
+              <a:t>.</a:t>
+            </a:r>
+            <a:r>
+              <a:rPr lang="en-US" sz="1000" dirty="0" err="1">
+                <a:latin typeface="Menlo Regular"/>
+                <a:cs typeface="Menlo Regular"/>
+              </a:rPr>
+              <a:t>getRightAutoOrder</a:t>
+            </a:r>
+            <a:r>
+              <a:rPr lang="en-US" sz="1000" dirty="0">
+                <a:latin typeface="Menlo Regular"/>
+                <a:cs typeface="Menlo Regular"/>
+              </a:rPr>
+              <a:t>(), </a:t>
+            </a:r>
+            <a:r>
+              <a:rPr lang="en-US" sz="1000" dirty="0" err="1">
+                <a:latin typeface="Menlo Regular"/>
+                <a:cs typeface="Menlo Regular"/>
+              </a:rPr>
+              <a:t>Constants.FIVE_THOUSAND</a:t>
+            </a:r>
+            <a:r>
+              <a:rPr lang="en-US" sz="1000" dirty="0">
+                <a:latin typeface="Menlo Regular"/>
+                <a:cs typeface="Menlo Regular"/>
+              </a:rPr>
+              <a:t>)).</a:t>
+            </a:r>
+            <a:r>
+              <a:rPr lang="en-US" sz="1000" dirty="0">
+                <a:latin typeface="Menlo Regular"/>
+                <a:cs typeface="Menlo Regular"/>
+              </a:rPr>
+              <a:t>sum</a:t>
+            </a:r>
+            <a:r>
+              <a:rPr lang="en-US" sz="1000" dirty="0">
+                <a:latin typeface="Menlo Regular"/>
+                <a:cs typeface="Menlo Regular"/>
+              </a:rPr>
+              <a:t>(),</a:t>
+            </a:r>
+            <a:br>
+              <a:rPr lang="en-US" sz="1000" dirty="0">
+                <a:latin typeface="Menlo Regular"/>
+                <a:cs typeface="Menlo Regular"/>
+              </a:rPr>
+            </a:br>
+            <a:r>
+              <a:rPr lang="en-US" sz="1000" dirty="0">
+                <a:latin typeface="Menlo Regular"/>
+                <a:cs typeface="Menlo Regular"/>
+              </a:rPr>
+              <a:t>        </a:t>
+            </a:r>
+            <a:r>
+              <a:rPr lang="en-US" sz="1000" dirty="0" err="1">
+                <a:latin typeface="Menlo Regular"/>
+                <a:cs typeface="Menlo Regular"/>
+              </a:rPr>
+              <a:t>first</a:t>
+            </a:r>
+            <a:r>
+              <a:rPr lang="en-US" sz="1000" dirty="0" err="1">
+                <a:latin typeface="Menlo Regular"/>
+                <a:cs typeface="Menlo Regular"/>
+              </a:rPr>
+              <a:t>.</a:t>
+            </a:r>
+            <a:r>
+              <a:rPr lang="en-US" sz="1000" dirty="0" err="1">
+                <a:latin typeface="Menlo Regular"/>
+                <a:cs typeface="Menlo Regular"/>
+              </a:rPr>
+              <a:t>getVolumesPeriodEnd</a:t>
+            </a:r>
+            <a:r>
+              <a:rPr lang="en-US" sz="1000" dirty="0">
+                <a:latin typeface="Menlo Regular"/>
+                <a:cs typeface="Menlo Regular"/>
+              </a:rPr>
+              <a:t>(),</a:t>
+            </a:r>
+            <a:br>
+              <a:rPr lang="en-US" sz="1000" dirty="0">
+                <a:latin typeface="Menlo Regular"/>
+                <a:cs typeface="Menlo Regular"/>
+              </a:rPr>
+            </a:br>
+            <a:r>
+              <a:rPr lang="en-US" sz="1000" dirty="0">
+                <a:latin typeface="Menlo Regular"/>
+                <a:cs typeface="Menlo Regular"/>
+              </a:rPr>
+              <a:t>        </a:t>
+            </a:r>
+            <a:r>
+              <a:rPr lang="en-US" sz="1000" dirty="0" err="1">
+                <a:latin typeface="Menlo Regular"/>
+                <a:cs typeface="Menlo Regular"/>
+              </a:rPr>
+              <a:t>volumes</a:t>
+            </a:r>
+            <a:r>
+              <a:rPr lang="en-US" sz="1000" dirty="0" err="1">
+                <a:latin typeface="Menlo Regular"/>
+                <a:cs typeface="Menlo Regular"/>
+              </a:rPr>
+              <a:t>.</a:t>
+            </a:r>
+            <a:r>
+              <a:rPr lang="en-US" sz="1000" dirty="0" err="1">
+                <a:latin typeface="Menlo Regular"/>
+                <a:cs typeface="Menlo Regular"/>
+              </a:rPr>
+              <a:t>stream</a:t>
+            </a:r>
+            <a:r>
+              <a:rPr lang="en-US" sz="1000" dirty="0">
+                <a:latin typeface="Menlo Regular"/>
+                <a:cs typeface="Menlo Regular"/>
+              </a:rPr>
+              <a:t>().</a:t>
+            </a:r>
+            <a:r>
+              <a:rPr lang="en-US" sz="1000" dirty="0" err="1">
+                <a:latin typeface="Menlo Regular"/>
+                <a:cs typeface="Menlo Regular"/>
+              </a:rPr>
+              <a:t>mapToDouble</a:t>
+            </a:r>
+            <a:r>
+              <a:rPr lang="en-US" sz="1000" dirty="0">
+                <a:latin typeface="Menlo Regular"/>
+                <a:cs typeface="Menlo Regular"/>
+              </a:rPr>
+              <a:t>(</a:t>
+            </a:r>
+            <a:r>
+              <a:rPr lang="en-US" sz="1000" dirty="0">
+                <a:latin typeface="Menlo Regular"/>
+                <a:cs typeface="Menlo Regular"/>
+              </a:rPr>
+              <a:t>vi -&gt; </a:t>
+            </a:r>
+            <a:r>
+              <a:rPr lang="en-US" sz="1000" dirty="0" err="1">
+                <a:latin typeface="Menlo Regular"/>
+                <a:cs typeface="Menlo Regular"/>
+              </a:rPr>
+              <a:t>Math.min</a:t>
+            </a:r>
+            <a:r>
+              <a:rPr lang="en-US" sz="1000" dirty="0">
+                <a:latin typeface="Menlo Regular"/>
+                <a:cs typeface="Menlo Regular"/>
+              </a:rPr>
+              <a:t>(</a:t>
+            </a:r>
+            <a:r>
+              <a:rPr lang="en-US" sz="1000" dirty="0" err="1">
+                <a:latin typeface="Menlo Regular"/>
+                <a:cs typeface="Menlo Regular"/>
+              </a:rPr>
+              <a:t>vi</a:t>
+            </a:r>
+            <a:r>
+              <a:rPr lang="en-US" sz="1000" dirty="0" err="1">
+                <a:latin typeface="Menlo Regular"/>
+                <a:cs typeface="Menlo Regular"/>
+              </a:rPr>
+              <a:t>.</a:t>
+            </a:r>
+            <a:r>
+              <a:rPr lang="en-US" sz="1000" dirty="0" err="1">
+                <a:latin typeface="Menlo Regular"/>
+                <a:cs typeface="Menlo Regular"/>
+              </a:rPr>
+              <a:t>getLeftAutoOrder</a:t>
+            </a:r>
+            <a:r>
+              <a:rPr lang="en-US" sz="1000" dirty="0">
+                <a:latin typeface="Menlo Regular"/>
+                <a:cs typeface="Menlo Regular"/>
+              </a:rPr>
+              <a:t>(), </a:t>
+            </a:r>
+            <a:r>
+              <a:rPr lang="en-US" sz="1000" dirty="0" err="1">
+                <a:latin typeface="Menlo Regular"/>
+                <a:cs typeface="Menlo Regular"/>
+              </a:rPr>
+              <a:t>Constants.FIVE_THOUSAND</a:t>
+            </a:r>
+            <a:r>
+              <a:rPr lang="en-US" sz="1000" dirty="0">
+                <a:latin typeface="Menlo Regular"/>
+                <a:cs typeface="Menlo Regular"/>
+              </a:rPr>
+              <a:t>)).</a:t>
+            </a:r>
+            <a:r>
+              <a:rPr lang="en-US" sz="1000" dirty="0">
+                <a:latin typeface="Menlo Regular"/>
+                <a:cs typeface="Menlo Regular"/>
+              </a:rPr>
+              <a:t>sum</a:t>
+            </a:r>
+            <a:r>
+              <a:rPr lang="en-US" sz="1000" dirty="0">
+                <a:latin typeface="Menlo Regular"/>
+                <a:cs typeface="Menlo Regular"/>
+              </a:rPr>
+              <a:t>(),</a:t>
+            </a:r>
+            <a:br>
+              <a:rPr lang="en-US" sz="1000" dirty="0">
+                <a:latin typeface="Menlo Regular"/>
+                <a:cs typeface="Menlo Regular"/>
+              </a:rPr>
+            </a:br>
+            <a:r>
+              <a:rPr lang="en-US" sz="1000" dirty="0">
+                <a:latin typeface="Menlo Regular"/>
+                <a:cs typeface="Menlo Regular"/>
+              </a:rPr>
+              <a:t>        </a:t>
+            </a:r>
+            <a:r>
+              <a:rPr lang="en-US" sz="1000" dirty="0" err="1">
+                <a:latin typeface="Menlo Regular"/>
+                <a:cs typeface="Menlo Regular"/>
+              </a:rPr>
+              <a:t>volumes</a:t>
+            </a:r>
+            <a:r>
+              <a:rPr lang="en-US" sz="1000" dirty="0" err="1">
+                <a:latin typeface="Menlo Regular"/>
+                <a:cs typeface="Menlo Regular"/>
+              </a:rPr>
+              <a:t>.</a:t>
+            </a:r>
+            <a:r>
+              <a:rPr lang="en-US" sz="1000" dirty="0" err="1">
+                <a:latin typeface="Menlo Regular"/>
+                <a:cs typeface="Menlo Regular"/>
+              </a:rPr>
+              <a:t>stream</a:t>
+            </a:r>
+            <a:r>
+              <a:rPr lang="en-US" sz="1000" dirty="0">
+                <a:latin typeface="Menlo Regular"/>
+                <a:cs typeface="Menlo Regular"/>
+              </a:rPr>
+              <a:t>().</a:t>
+            </a:r>
+            <a:r>
+              <a:rPr lang="en-US" sz="1000" dirty="0" err="1">
+                <a:latin typeface="Menlo Regular"/>
+                <a:cs typeface="Menlo Regular"/>
+              </a:rPr>
+              <a:t>mapToDouble</a:t>
+            </a:r>
+            <a:r>
+              <a:rPr lang="en-US" sz="1000" dirty="0">
+                <a:latin typeface="Menlo Regular"/>
+                <a:cs typeface="Menlo Regular"/>
+              </a:rPr>
+              <a:t>(</a:t>
+            </a:r>
+            <a:r>
+              <a:rPr lang="en-US" sz="1000" dirty="0">
+                <a:latin typeface="Menlo Regular"/>
+                <a:cs typeface="Menlo Regular"/>
+              </a:rPr>
+              <a:t>vi -&gt; </a:t>
+            </a:r>
+            <a:r>
+              <a:rPr lang="en-US" sz="1000" dirty="0" err="1">
+                <a:latin typeface="Menlo Regular"/>
+                <a:cs typeface="Menlo Regular"/>
+              </a:rPr>
+              <a:t>Math.min</a:t>
+            </a:r>
+            <a:r>
+              <a:rPr lang="en-US" sz="1000" dirty="0">
+                <a:latin typeface="Menlo Regular"/>
+                <a:cs typeface="Menlo Regular"/>
+              </a:rPr>
+              <a:t>(</a:t>
+            </a:r>
+            <a:r>
+              <a:rPr lang="en-US" sz="1000" dirty="0" err="1">
+                <a:latin typeface="Menlo Regular"/>
+                <a:cs typeface="Menlo Regular"/>
+              </a:rPr>
+              <a:t>vi</a:t>
+            </a:r>
+            <a:r>
+              <a:rPr lang="en-US" sz="1000" dirty="0" err="1">
+                <a:latin typeface="Menlo Regular"/>
+                <a:cs typeface="Menlo Regular"/>
+              </a:rPr>
+              <a:t>.</a:t>
+            </a:r>
+            <a:r>
+              <a:rPr lang="en-US" sz="1000" dirty="0" err="1">
+                <a:latin typeface="Menlo Regular"/>
+                <a:cs typeface="Menlo Regular"/>
+              </a:rPr>
+              <a:t>getRightAutoOrder</a:t>
+            </a:r>
+            <a:r>
+              <a:rPr lang="en-US" sz="1000" dirty="0">
+                <a:latin typeface="Menlo Regular"/>
+                <a:cs typeface="Menlo Regular"/>
+              </a:rPr>
+              <a:t>(), </a:t>
+            </a:r>
+            <a:r>
+              <a:rPr lang="en-US" sz="1000" dirty="0" err="1">
+                <a:latin typeface="Menlo Regular"/>
+                <a:cs typeface="Menlo Regular"/>
+              </a:rPr>
+              <a:t>Constants.FIVE_THOUSAND</a:t>
+            </a:r>
+            <a:r>
+              <a:rPr lang="en-US" sz="1000" dirty="0">
+                <a:latin typeface="Menlo Regular"/>
+                <a:cs typeface="Menlo Regular"/>
+              </a:rPr>
+              <a:t>)).</a:t>
+            </a:r>
+            <a:r>
+              <a:rPr lang="en-US" sz="1000" dirty="0">
+                <a:latin typeface="Menlo Regular"/>
+                <a:cs typeface="Menlo Regular"/>
+              </a:rPr>
+              <a:t>sum</a:t>
+            </a:r>
+            <a:r>
+              <a:rPr lang="en-US" sz="1000" dirty="0">
+                <a:latin typeface="Menlo Regular"/>
+                <a:cs typeface="Menlo Regular"/>
+              </a:rPr>
+              <a:t>());</a:t>
+            </a:r>
+            <a:endParaRPr lang="en-US" sz="1000" dirty="0">
+              <a:latin typeface="Menlo Regular"/>
+              <a:cs typeface="Menlo Regular"/>
+            </a:endParaRPr>
+          </a:p>
+        </p:txBody>
+      </p:sp>
+    </p:spTree>
+    <p:extLst>
+      <p:ext uri="{BB962C8B-B14F-4D97-AF65-F5344CB8AC3E}">
+        <p14:creationId xmlns:p14="http://schemas.microsoft.com/office/powerpoint/2010/main" val="298295824"/>
+      </p:ext>
+    </p:extLst>
+  </p:cSld>
+  <p:clrMapOvr>
+    <a:masterClrMapping/>
+  </p:clrMapOvr>
+</p:sld>
+</file>
+
+<file path=ppt/slides/slide15.xml><?xml version="1.0" encoding="utf-8"?>
+<p:sld xmlns:a="http://schemas.openxmlformats.org/drawingml/2006/main" xmlns:r="http://schemas.openxmlformats.org/officeDocument/2006/relationships" xmlns:p="http://schemas.openxmlformats.org/presentationml/2006/main">
+  <p:cSld>
+    <p:spTree>
+      <p:nvGrpSpPr>
+        <p:cNvPr id="1" name=""/>
+        <p:cNvGrpSpPr/>
+        <p:nvPr/>
+      </p:nvGrpSpPr>
+      <p:grpSpPr>
+        <a:xfrm>
+          <a:off x="0" y="0"/>
+          <a:ext cx="0" cy="0"/>
+          <a:chOff x="0" y="0"/>
+          <a:chExt cx="0" cy="0"/>
+        </a:xfrm>
+      </p:grpSpPr>
+      <p:sp>
+        <p:nvSpPr>
+          <p:cNvPr id="2" name="Title 1"/>
+          <p:cNvSpPr>
+            <a:spLocks noGrp="1"/>
+          </p:cNvSpPr>
+          <p:nvPr>
+            <p:ph type="title"/>
+          </p:nvPr>
+        </p:nvSpPr>
+        <p:spPr/>
+        <p:txBody>
+          <a:bodyPr>
+            <a:normAutofit fontScale="90000"/>
+          </a:bodyPr>
+          <a:lstStyle/>
+          <a:p>
+            <a:r>
+              <a:rPr lang="en-US" dirty="0" smtClean="0"/>
+              <a:t>Lambdas in practice (advanced)</a:t>
+            </a:r>
+            <a:endParaRPr lang="en-US" dirty="0"/>
+          </a:p>
+        </p:txBody>
+      </p:sp>
+      <p:sp>
+        <p:nvSpPr>
+          <p:cNvPr id="3" name="Content Placeholder 2"/>
+          <p:cNvSpPr>
+            <a:spLocks noGrp="1"/>
+          </p:cNvSpPr>
+          <p:nvPr>
+            <p:ph idx="1"/>
+          </p:nvPr>
+        </p:nvSpPr>
+        <p:spPr>
+          <a:xfrm>
+            <a:off x="0" y="1600200"/>
+            <a:ext cx="9144000" cy="4525963"/>
+          </a:xfrm>
+        </p:spPr>
+        <p:txBody>
+          <a:bodyPr>
+            <a:normAutofit/>
+          </a:bodyPr>
+          <a:lstStyle/>
+          <a:p>
+            <a:pPr marL="36576" indent="0">
+              <a:buNone/>
+            </a:pPr>
+            <a:r>
+              <a:rPr lang="en-US" sz="1100" dirty="0">
+                <a:latin typeface="Menlo Regular"/>
+                <a:cs typeface="Menlo Regular"/>
+              </a:rPr>
+              <a:t>/**</a:t>
+            </a:r>
+            <a:br>
+              <a:rPr lang="en-US" sz="1100" dirty="0">
+                <a:latin typeface="Menlo Regular"/>
+                <a:cs typeface="Menlo Regular"/>
+              </a:rPr>
+            </a:br>
+            <a:r>
+              <a:rPr lang="en-US" sz="1100" dirty="0">
+                <a:latin typeface="Menlo Regular"/>
+                <a:cs typeface="Menlo Regular"/>
+              </a:rPr>
+              <a:t> * Create a depth-first iteration order over the nested categories</a:t>
+            </a:r>
+            <a:br>
+              <a:rPr lang="en-US" sz="1100" dirty="0">
+                <a:latin typeface="Menlo Regular"/>
+                <a:cs typeface="Menlo Regular"/>
+              </a:rPr>
+            </a:br>
+            <a:r>
+              <a:rPr lang="en-US" sz="1100" dirty="0">
+                <a:latin typeface="Menlo Regular"/>
+                <a:cs typeface="Menlo Regular"/>
+              </a:rPr>
+              <a:t> *</a:t>
+            </a:r>
+            <a:br>
+              <a:rPr lang="en-US" sz="1100" dirty="0">
+                <a:latin typeface="Menlo Regular"/>
+                <a:cs typeface="Menlo Regular"/>
+              </a:rPr>
+            </a:br>
+            <a:r>
+              <a:rPr lang="en-US" sz="1100" dirty="0">
+                <a:latin typeface="Menlo Regular"/>
+                <a:cs typeface="Menlo Regular"/>
+              </a:rPr>
+              <a:t> * @</a:t>
+            </a:r>
+            <a:r>
+              <a:rPr lang="en-US" sz="1100" dirty="0" err="1">
+                <a:latin typeface="Menlo Regular"/>
+                <a:cs typeface="Menlo Regular"/>
+              </a:rPr>
+              <a:t>param</a:t>
+            </a:r>
+            <a:r>
+              <a:rPr lang="en-US" sz="1100" dirty="0">
+                <a:latin typeface="Menlo Regular"/>
+                <a:cs typeface="Menlo Regular"/>
+              </a:rPr>
+              <a:t> parent the parent to start drilling down from</a:t>
+            </a:r>
+            <a:br>
+              <a:rPr lang="en-US" sz="1100" dirty="0">
+                <a:latin typeface="Menlo Regular"/>
+                <a:cs typeface="Menlo Regular"/>
+              </a:rPr>
+            </a:br>
+            <a:r>
+              <a:rPr lang="en-US" sz="1100" dirty="0">
+                <a:latin typeface="Menlo Regular"/>
+                <a:cs typeface="Menlo Regular"/>
+              </a:rPr>
+              <a:t> */</a:t>
+            </a:r>
+            <a:br>
+              <a:rPr lang="en-US" sz="1100" dirty="0">
+                <a:latin typeface="Menlo Regular"/>
+                <a:cs typeface="Menlo Regular"/>
+              </a:rPr>
+            </a:br>
+            <a:r>
+              <a:rPr lang="en-US" sz="1100" dirty="0">
+                <a:latin typeface="Menlo Regular"/>
+                <a:cs typeface="Menlo Regular"/>
+              </a:rPr>
+              <a:t>private Stream&lt;Pair&lt;Category, Stream&lt;Product&gt;&gt;&gt; </a:t>
+            </a:r>
+            <a:r>
+              <a:rPr lang="en-US" sz="1100" dirty="0" err="1">
+                <a:latin typeface="Menlo Regular"/>
+                <a:cs typeface="Menlo Regular"/>
+              </a:rPr>
+              <a:t>depthFirstProducts</a:t>
+            </a:r>
+            <a:r>
+              <a:rPr lang="en-US" sz="1100" dirty="0" smtClean="0">
+                <a:latin typeface="Menlo Regular"/>
+                <a:cs typeface="Menlo Regular"/>
+              </a:rPr>
+              <a:t>(</a:t>
+            </a:r>
+          </a:p>
+          <a:p>
+            <a:pPr marL="36576" indent="0">
+              <a:buNone/>
+            </a:pPr>
+            <a:r>
+              <a:rPr lang="en-US" sz="1100" dirty="0">
+                <a:latin typeface="Menlo Regular"/>
+                <a:cs typeface="Menlo Regular"/>
+              </a:rPr>
+              <a:t> </a:t>
+            </a:r>
+            <a:r>
+              <a:rPr lang="en-US" sz="1100" dirty="0" smtClean="0">
+                <a:latin typeface="Menlo Regular"/>
+                <a:cs typeface="Menlo Regular"/>
+              </a:rPr>
+              <a:t>   final </a:t>
+            </a:r>
+            <a:r>
+              <a:rPr lang="en-US" sz="1100" dirty="0">
+                <a:latin typeface="Menlo Regular"/>
+                <a:cs typeface="Menlo Regular"/>
+              </a:rPr>
+              <a:t>Category </a:t>
+            </a:r>
+            <a:r>
+              <a:rPr lang="en-US" sz="1100" dirty="0">
+                <a:latin typeface="Menlo Regular"/>
+                <a:cs typeface="Menlo Regular"/>
+              </a:rPr>
+              <a:t>parent</a:t>
+            </a:r>
+            <a:r>
+              <a:rPr lang="en-US" sz="1100" dirty="0" smtClean="0">
+                <a:latin typeface="Menlo Regular"/>
+                <a:cs typeface="Menlo Regular"/>
+              </a:rPr>
+              <a:t>,</a:t>
+            </a:r>
+          </a:p>
+          <a:p>
+            <a:pPr marL="36576" indent="0">
+              <a:buNone/>
+            </a:pPr>
+            <a:r>
+              <a:rPr lang="en-US" sz="1100" dirty="0">
+                <a:latin typeface="Menlo Regular"/>
+                <a:cs typeface="Menlo Regular"/>
+              </a:rPr>
+              <a:t> </a:t>
+            </a:r>
+            <a:r>
+              <a:rPr lang="en-US" sz="1100" dirty="0" smtClean="0">
+                <a:latin typeface="Menlo Regular"/>
+                <a:cs typeface="Menlo Regular"/>
+              </a:rPr>
+              <a:t>   </a:t>
+            </a:r>
+            <a:r>
+              <a:rPr lang="en-US" sz="1100" dirty="0">
+                <a:latin typeface="Menlo Regular"/>
+                <a:cs typeface="Menlo Regular"/>
+              </a:rPr>
+              <a:t>final Predicate&lt;Category&gt; </a:t>
+            </a:r>
+            <a:r>
+              <a:rPr lang="en-US" sz="1100" dirty="0" err="1">
+                <a:latin typeface="Menlo Regular"/>
+                <a:cs typeface="Menlo Regular"/>
+              </a:rPr>
+              <a:t>categoryPredicate</a:t>
+            </a:r>
+            <a:r>
+              <a:rPr lang="en-US" sz="1100" dirty="0" smtClean="0">
+                <a:latin typeface="Menlo Regular"/>
+                <a:cs typeface="Menlo Regular"/>
+              </a:rPr>
+              <a:t>)</a:t>
+            </a:r>
+          </a:p>
+          <a:p>
+            <a:pPr marL="36576" indent="0">
+              <a:buNone/>
+            </a:pPr>
+            <a:r>
+              <a:rPr lang="en-US" sz="1100" dirty="0" smtClean="0">
+                <a:latin typeface="Menlo Regular"/>
+                <a:cs typeface="Menlo Regular"/>
+              </a:rPr>
+              <a:t>{</a:t>
+            </a:r>
+            <a:r>
+              <a:rPr lang="en-US" sz="1100">
+                <a:latin typeface="Menlo Regular"/>
+                <a:cs typeface="Menlo Regular"/>
+              </a:rPr>
+              <a:t/>
+            </a:r>
+            <a:br>
+              <a:rPr lang="en-US" sz="1100">
+                <a:latin typeface="Menlo Regular"/>
+                <a:cs typeface="Menlo Regular"/>
+              </a:rPr>
+            </a:br>
+            <a:r>
+              <a:rPr lang="en-US" sz="1100" smtClean="0">
+                <a:latin typeface="Menlo Regular"/>
+                <a:cs typeface="Menlo Regular"/>
+              </a:rPr>
+              <a:t>    </a:t>
+            </a:r>
+            <a:r>
+              <a:rPr lang="en-US" sz="1100" dirty="0">
+                <a:latin typeface="Menlo Regular"/>
+                <a:cs typeface="Menlo Regular"/>
+              </a:rPr>
+              <a:t>return </a:t>
+            </a:r>
+            <a:r>
+              <a:rPr lang="en-US" sz="1100" dirty="0" err="1">
+                <a:latin typeface="Menlo Regular"/>
+                <a:cs typeface="Menlo Regular"/>
+              </a:rPr>
+              <a:t>Stream.concat</a:t>
+            </a:r>
+            <a:r>
+              <a:rPr lang="en-US" sz="1100" dirty="0">
+                <a:latin typeface="Menlo Regular"/>
+                <a:cs typeface="Menlo Regular"/>
+              </a:rPr>
+              <a:t>(</a:t>
+            </a:r>
+            <a:br>
+              <a:rPr lang="en-US" sz="1100" dirty="0">
+                <a:latin typeface="Menlo Regular"/>
+                <a:cs typeface="Menlo Regular"/>
+              </a:rPr>
+            </a:br>
+            <a:r>
+              <a:rPr lang="en-US" sz="1100" dirty="0">
+                <a:latin typeface="Menlo Regular"/>
+                <a:cs typeface="Menlo Regular"/>
+              </a:rPr>
+              <a:t>            // Add the current products to the stream, only if it passes the given predicate</a:t>
+            </a:r>
+            <a:br>
+              <a:rPr lang="en-US" sz="1100" dirty="0">
+                <a:latin typeface="Menlo Regular"/>
+                <a:cs typeface="Menlo Regular"/>
+              </a:rPr>
+            </a:br>
+            <a:r>
+              <a:rPr lang="en-US" sz="1100" dirty="0">
+                <a:latin typeface="Menlo Regular"/>
+                <a:cs typeface="Menlo Regular"/>
+              </a:rPr>
+              <a:t>            </a:t>
+            </a:r>
+            <a:r>
+              <a:rPr lang="en-US" sz="1100" dirty="0" err="1">
+                <a:latin typeface="Menlo Regular"/>
+                <a:cs typeface="Menlo Regular"/>
+              </a:rPr>
+              <a:t>Stream.of</a:t>
+            </a:r>
+            <a:r>
+              <a:rPr lang="en-US" sz="1100" dirty="0">
+                <a:latin typeface="Menlo Regular"/>
+                <a:cs typeface="Menlo Regular"/>
+              </a:rPr>
+              <a:t>(</a:t>
+            </a:r>
+            <a:r>
+              <a:rPr lang="en-US" sz="1100" dirty="0" err="1">
+                <a:latin typeface="Menlo Regular"/>
+                <a:cs typeface="Menlo Regular"/>
+              </a:rPr>
+              <a:t>Pair.of</a:t>
+            </a:r>
+            <a:r>
+              <a:rPr lang="en-US" sz="1100" dirty="0">
+                <a:latin typeface="Menlo Regular"/>
+                <a:cs typeface="Menlo Regular"/>
+              </a:rPr>
+              <a:t>(</a:t>
+            </a:r>
+            <a:r>
+              <a:rPr lang="en-US" sz="1100" dirty="0">
+                <a:latin typeface="Menlo Regular"/>
+                <a:cs typeface="Menlo Regular"/>
+              </a:rPr>
+              <a:t>parent</a:t>
+            </a:r>
+            <a:r>
+              <a:rPr lang="en-US" sz="1100" dirty="0">
+                <a:latin typeface="Menlo Regular"/>
+                <a:cs typeface="Menlo Regular"/>
+              </a:rPr>
+              <a:t>, </a:t>
+            </a:r>
+            <a:r>
+              <a:rPr lang="en-US" sz="1100" dirty="0" err="1">
+                <a:latin typeface="Menlo Regular"/>
+                <a:cs typeface="Menlo Regular"/>
+              </a:rPr>
+              <a:t>categoryPredicate</a:t>
+            </a:r>
+            <a:r>
+              <a:rPr lang="en-US" sz="1100" dirty="0" err="1">
+                <a:latin typeface="Menlo Regular"/>
+                <a:cs typeface="Menlo Regular"/>
+              </a:rPr>
+              <a:t>.</a:t>
+            </a:r>
+            <a:r>
+              <a:rPr lang="en-US" sz="1100" dirty="0" err="1">
+                <a:latin typeface="Menlo Regular"/>
+                <a:cs typeface="Menlo Regular"/>
+              </a:rPr>
+              <a:t>test</a:t>
+            </a:r>
+            <a:r>
+              <a:rPr lang="en-US" sz="1100" dirty="0">
+                <a:latin typeface="Menlo Regular"/>
+                <a:cs typeface="Menlo Regular"/>
+              </a:rPr>
+              <a:t>(</a:t>
+            </a:r>
+            <a:r>
+              <a:rPr lang="en-US" sz="1100" dirty="0">
+                <a:latin typeface="Menlo Regular"/>
+                <a:cs typeface="Menlo Regular"/>
+              </a:rPr>
+              <a:t>parent</a:t>
+            </a:r>
+            <a:r>
+              <a:rPr lang="en-US" sz="1100" dirty="0">
+                <a:latin typeface="Menlo Regular"/>
+                <a:cs typeface="Menlo Regular"/>
+              </a:rPr>
+              <a:t>) ?</a:t>
+            </a:r>
+            <a:br>
+              <a:rPr lang="en-US" sz="1100" dirty="0">
+                <a:latin typeface="Menlo Regular"/>
+                <a:cs typeface="Menlo Regular"/>
+              </a:rPr>
+            </a:br>
+            <a:r>
+              <a:rPr lang="en-US" sz="1100" dirty="0">
+                <a:latin typeface="Menlo Regular"/>
+                <a:cs typeface="Menlo Regular"/>
+              </a:rPr>
+              <a:t>                    </a:t>
+            </a:r>
+            <a:r>
+              <a:rPr lang="en-US" sz="1100" dirty="0" err="1">
+                <a:latin typeface="Menlo Regular"/>
+                <a:cs typeface="Menlo Regular"/>
+              </a:rPr>
+              <a:t>CollectionsUtil.nonNullStream</a:t>
+            </a:r>
+            <a:r>
+              <a:rPr lang="en-US" sz="1100" dirty="0">
+                <a:latin typeface="Menlo Regular"/>
+                <a:cs typeface="Menlo Regular"/>
+              </a:rPr>
+              <a:t>(</a:t>
+            </a:r>
+            <a:r>
+              <a:rPr lang="en-US" sz="1100" dirty="0" err="1">
+                <a:latin typeface="Menlo Regular"/>
+                <a:cs typeface="Menlo Regular"/>
+              </a:rPr>
+              <a:t>parent</a:t>
+            </a:r>
+            <a:r>
+              <a:rPr lang="en-US" sz="1100" dirty="0" err="1">
+                <a:latin typeface="Menlo Regular"/>
+                <a:cs typeface="Menlo Regular"/>
+              </a:rPr>
+              <a:t>.</a:t>
+            </a:r>
+            <a:r>
+              <a:rPr lang="en-US" sz="1100" dirty="0" err="1">
+                <a:latin typeface="Menlo Regular"/>
+                <a:cs typeface="Menlo Regular"/>
+              </a:rPr>
+              <a:t>getCategoryProducts</a:t>
+            </a:r>
+            <a:r>
+              <a:rPr lang="en-US" sz="1100" dirty="0">
+                <a:latin typeface="Menlo Regular"/>
+                <a:cs typeface="Menlo Regular"/>
+              </a:rPr>
+              <a:t>()) :</a:t>
+            </a:r>
+            <a:br>
+              <a:rPr lang="en-US" sz="1100" dirty="0">
+                <a:latin typeface="Menlo Regular"/>
+                <a:cs typeface="Menlo Regular"/>
+              </a:rPr>
+            </a:br>
+            <a:r>
+              <a:rPr lang="en-US" sz="1100" dirty="0">
+                <a:latin typeface="Menlo Regular"/>
+                <a:cs typeface="Menlo Regular"/>
+              </a:rPr>
+              <a:t>                    </a:t>
+            </a:r>
+            <a:r>
+              <a:rPr lang="en-US" sz="1100" dirty="0" err="1">
+                <a:latin typeface="Menlo Regular"/>
+                <a:cs typeface="Menlo Regular"/>
+              </a:rPr>
+              <a:t>Stream.empty</a:t>
+            </a:r>
+            <a:r>
+              <a:rPr lang="en-US" sz="1100" dirty="0">
+                <a:latin typeface="Menlo Regular"/>
+                <a:cs typeface="Menlo Regular"/>
+              </a:rPr>
+              <a:t>())),</a:t>
+            </a:r>
+            <a:br>
+              <a:rPr lang="en-US" sz="1100" dirty="0">
+                <a:latin typeface="Menlo Regular"/>
+                <a:cs typeface="Menlo Regular"/>
+              </a:rPr>
+            </a:br>
+            <a:r>
+              <a:rPr lang="en-US" sz="1100" dirty="0">
+                <a:latin typeface="Menlo Regular"/>
+                <a:cs typeface="Menlo Regular"/>
+              </a:rPr>
+              <a:t>            // Now stream down through all the children</a:t>
+            </a:r>
+            <a:br>
+              <a:rPr lang="en-US" sz="1100" dirty="0">
+                <a:latin typeface="Menlo Regular"/>
+                <a:cs typeface="Menlo Regular"/>
+              </a:rPr>
+            </a:br>
+            <a:r>
+              <a:rPr lang="en-US" sz="1100" dirty="0">
+                <a:latin typeface="Menlo Regular"/>
+                <a:cs typeface="Menlo Regular"/>
+              </a:rPr>
+              <a:t>            </a:t>
+            </a:r>
+            <a:r>
+              <a:rPr lang="en-US" sz="1100" dirty="0" err="1">
+                <a:latin typeface="Menlo Regular"/>
+                <a:cs typeface="Menlo Regular"/>
+              </a:rPr>
+              <a:t>CollectionsUtil.nonNullStream</a:t>
+            </a:r>
+            <a:r>
+              <a:rPr lang="en-US" sz="1100" dirty="0">
+                <a:latin typeface="Menlo Regular"/>
+                <a:cs typeface="Menlo Regular"/>
+              </a:rPr>
+              <a:t>(</a:t>
+            </a:r>
+            <a:r>
+              <a:rPr lang="en-US" sz="1100" dirty="0" err="1">
+                <a:latin typeface="Menlo Regular"/>
+                <a:cs typeface="Menlo Regular"/>
+              </a:rPr>
+              <a:t>parent</a:t>
+            </a:r>
+            <a:r>
+              <a:rPr lang="en-US" sz="1100" dirty="0" err="1">
+                <a:latin typeface="Menlo Regular"/>
+                <a:cs typeface="Menlo Regular"/>
+              </a:rPr>
+              <a:t>.</a:t>
+            </a:r>
+            <a:r>
+              <a:rPr lang="en-US" sz="1100" dirty="0" err="1">
+                <a:latin typeface="Menlo Regular"/>
+                <a:cs typeface="Menlo Regular"/>
+              </a:rPr>
+              <a:t>getChildren</a:t>
+            </a:r>
+            <a:r>
+              <a:rPr lang="en-US" sz="1100" dirty="0">
+                <a:latin typeface="Menlo Regular"/>
+                <a:cs typeface="Menlo Regular"/>
+              </a:rPr>
+              <a:t>())</a:t>
+            </a:r>
+            <a:br>
+              <a:rPr lang="en-US" sz="1100" dirty="0">
+                <a:latin typeface="Menlo Regular"/>
+                <a:cs typeface="Menlo Regular"/>
+              </a:rPr>
+            </a:br>
+            <a:r>
+              <a:rPr lang="en-US" sz="1100" dirty="0">
+                <a:latin typeface="Menlo Regular"/>
+                <a:cs typeface="Menlo Regular"/>
+              </a:rPr>
+              <a:t>                    .</a:t>
+            </a:r>
+            <a:r>
+              <a:rPr lang="en-US" sz="1100" dirty="0">
+                <a:latin typeface="Menlo Regular"/>
+                <a:cs typeface="Menlo Regular"/>
+              </a:rPr>
+              <a:t>map</a:t>
+            </a:r>
+            <a:r>
+              <a:rPr lang="en-US" sz="1100" dirty="0">
+                <a:latin typeface="Menlo Regular"/>
+                <a:cs typeface="Menlo Regular"/>
+              </a:rPr>
+              <a:t>(</a:t>
+            </a:r>
+            <a:r>
+              <a:rPr lang="en-US" sz="1100" dirty="0">
+                <a:latin typeface="Menlo Regular"/>
+                <a:cs typeface="Menlo Regular"/>
+              </a:rPr>
+              <a:t>category -&gt; </a:t>
+            </a:r>
+            <a:r>
+              <a:rPr lang="en-US" sz="1100" dirty="0" err="1">
+                <a:latin typeface="Menlo Regular"/>
+                <a:cs typeface="Menlo Regular"/>
+              </a:rPr>
+              <a:t>depthFirstProducts</a:t>
+            </a:r>
+            <a:r>
+              <a:rPr lang="en-US" sz="1100" dirty="0">
+                <a:latin typeface="Menlo Regular"/>
+                <a:cs typeface="Menlo Regular"/>
+              </a:rPr>
+              <a:t>(</a:t>
+            </a:r>
+            <a:r>
+              <a:rPr lang="en-US" sz="1100" dirty="0">
+                <a:latin typeface="Menlo Regular"/>
+                <a:cs typeface="Menlo Regular"/>
+              </a:rPr>
+              <a:t>category</a:t>
+            </a:r>
+            <a:r>
+              <a:rPr lang="en-US" sz="1100" dirty="0">
+                <a:latin typeface="Menlo Regular"/>
+                <a:cs typeface="Menlo Regular"/>
+              </a:rPr>
+              <a:t>, </a:t>
+            </a:r>
+            <a:r>
+              <a:rPr lang="en-US" sz="1100" dirty="0" err="1">
+                <a:latin typeface="Menlo Regular"/>
+                <a:cs typeface="Menlo Regular"/>
+              </a:rPr>
+              <a:t>categoryPredicate</a:t>
+            </a:r>
+            <a:r>
+              <a:rPr lang="en-US" sz="1100" dirty="0">
+                <a:latin typeface="Menlo Regular"/>
+                <a:cs typeface="Menlo Regular"/>
+              </a:rPr>
+              <a:t>))</a:t>
+            </a:r>
+            <a:br>
+              <a:rPr lang="en-US" sz="1100" dirty="0">
+                <a:latin typeface="Menlo Regular"/>
+                <a:cs typeface="Menlo Regular"/>
+              </a:rPr>
+            </a:br>
+            <a:r>
+              <a:rPr lang="en-US" sz="1100" dirty="0">
+                <a:latin typeface="Menlo Regular"/>
+                <a:cs typeface="Menlo Regular"/>
+              </a:rPr>
+              <a:t>                    .</a:t>
+            </a:r>
+            <a:r>
+              <a:rPr lang="en-US" sz="1100" dirty="0" err="1">
+                <a:latin typeface="Menlo Regular"/>
+                <a:cs typeface="Menlo Regular"/>
+              </a:rPr>
+              <a:t>flatMap</a:t>
+            </a:r>
+            <a:r>
+              <a:rPr lang="en-US" sz="1100" dirty="0">
+                <a:latin typeface="Menlo Regular"/>
+                <a:cs typeface="Menlo Regular"/>
+              </a:rPr>
+              <a:t>(</a:t>
+            </a:r>
+            <a:r>
+              <a:rPr lang="en-US" sz="1100" dirty="0" err="1">
+                <a:latin typeface="Menlo Regular"/>
+                <a:cs typeface="Menlo Regular"/>
+              </a:rPr>
+              <a:t>Function.identity</a:t>
+            </a:r>
+            <a:r>
+              <a:rPr lang="en-US" sz="1100" dirty="0">
+                <a:latin typeface="Menlo Regular"/>
+                <a:cs typeface="Menlo Regular"/>
+              </a:rPr>
+              <a:t>()));</a:t>
+            </a:r>
+            <a:br>
+              <a:rPr lang="en-US" sz="1100" dirty="0">
+                <a:latin typeface="Menlo Regular"/>
+                <a:cs typeface="Menlo Regular"/>
+              </a:rPr>
+            </a:br>
+            <a:r>
+              <a:rPr lang="en-US" sz="1100" dirty="0">
+                <a:latin typeface="Menlo Regular"/>
+                <a:cs typeface="Menlo Regular"/>
+              </a:rPr>
+              <a:t>}</a:t>
+            </a:r>
+            <a:endParaRPr lang="en-US" sz="1100" dirty="0">
+              <a:latin typeface="Menlo Regular"/>
+              <a:cs typeface="Menlo Regular"/>
+            </a:endParaRPr>
+          </a:p>
+        </p:txBody>
+      </p:sp>
+    </p:spTree>
+    <p:extLst>
+      <p:ext uri="{BB962C8B-B14F-4D97-AF65-F5344CB8AC3E}">
+        <p14:creationId xmlns:p14="http://schemas.microsoft.com/office/powerpoint/2010/main" val="2537356000"/>
+      </p:ext>
+    </p:extLst>
+  </p:cSld>
+  <p:clrMapOvr>
+    <a:masterClrMapping/>
+  </p:clrMapOvr>
+</p:sld>
+</file>
+
 <file path=ppt/slides/slide2.xml><?xml version="1.0" encoding="utf-8"?>
 <p:sld xmlns:a="http://schemas.openxmlformats.org/drawingml/2006/main" xmlns:r="http://schemas.openxmlformats.org/officeDocument/2006/relationships" xmlns:p="http://schemas.openxmlformats.org/presentationml/2006/main">
   <p:cSld>
@@ -4578,11 +7975,7 @@
             </a:r>
             <a:r>
               <a:rPr lang="en-US" dirty="0" smtClean="0"/>
-              <a:t> – this one is </a:t>
-            </a:r>
-            <a:r>
-              <a:rPr lang="en-US" smtClean="0"/>
-              <a:t>more complex</a:t>
+              <a:t> – this one is more complex</a:t>
             </a:r>
             <a:endParaRPr lang="en-US" dirty="0"/>
           </a:p>

--- a/java 8 stream training.pptx
+++ b/java 8 stream training.pptx
@@ -16,10 +16,11 @@
     <p:sldId id="264" r:id="rId10"/>
     <p:sldId id="265" r:id="rId11"/>
     <p:sldId id="266" r:id="rId12"/>
-    <p:sldId id="267" r:id="rId13"/>
-    <p:sldId id="268" r:id="rId14"/>
-    <p:sldId id="269" r:id="rId15"/>
-    <p:sldId id="270" r:id="rId16"/>
+    <p:sldId id="271" r:id="rId13"/>
+    <p:sldId id="267" r:id="rId14"/>
+    <p:sldId id="268" r:id="rId15"/>
+    <p:sldId id="269" r:id="rId16"/>
+    <p:sldId id="270" r:id="rId17"/>
   </p:sldIdLst>
   <p:sldSz cx="9144000" cy="6858000" type="screen4x3"/>
   <p:notesSz cx="6858000" cy="9144000"/>
@@ -4129,7 +4130,7 @@
           <a:p>
             <a:r>
               <a:rPr lang="en-US" dirty="0" smtClean="0"/>
-              <a:t>Workshop Time!</a:t>
+              <a:t>Why we want a mix</a:t>
             </a:r>
             <a:endParaRPr lang="en-US" dirty="0"/>
           </a:p>
@@ -4148,7 +4149,7 @@
         <p:spPr/>
         <p:txBody>
           <a:bodyPr>
-            <a:normAutofit/>
+            <a:normAutofit fontScale="40000" lnSpcReduction="20000"/>
           </a:bodyPr>
           <a:lstStyle/>
           <a:p>
@@ -4156,74 +4157,58 @@
               <a:buNone/>
             </a:pPr>
             <a:r>
-              <a:rPr lang="en-US" sz="2200" dirty="0" err="1" smtClean="0">
-                <a:latin typeface="Menlo Bold"/>
-                <a:cs typeface="Menlo Bold"/>
-              </a:rPr>
-              <a:t>git</a:t>
-            </a:r>
-            <a:r>
-              <a:rPr lang="en-US" sz="2200" dirty="0">
-                <a:latin typeface="Menlo Bold"/>
-                <a:cs typeface="Menlo Bold"/>
-              </a:rPr>
-              <a:t> clone </a:t>
-            </a:r>
-            <a:r>
-              <a:rPr lang="en-US" sz="2200" dirty="0" err="1">
-                <a:latin typeface="Menlo Bold"/>
-                <a:cs typeface="Menlo Bold"/>
-              </a:rPr>
-              <a:t>ssh</a:t>
-            </a:r>
-            <a:r>
-              <a:rPr lang="en-US" sz="2200" dirty="0">
-                <a:latin typeface="Menlo Bold"/>
-                <a:cs typeface="Menlo Bold"/>
-              </a:rPr>
-              <a:t>://git@jiraprod2.ussl.uhs:7998/</a:t>
-            </a:r>
-            <a:r>
-              <a:rPr lang="en-US" sz="2200" dirty="0" err="1">
-                <a:latin typeface="Menlo Bold"/>
-                <a:cs typeface="Menlo Bold"/>
-              </a:rPr>
-              <a:t>tw</a:t>
-            </a:r>
-            <a:r>
-              <a:rPr lang="en-US" sz="2200" dirty="0">
-                <a:latin typeface="Menlo Bold"/>
-                <a:cs typeface="Menlo Bold"/>
-              </a:rPr>
-              <a:t>/</a:t>
-            </a:r>
-            <a:r>
-              <a:rPr lang="en-US" sz="2200" dirty="0" err="1">
-                <a:latin typeface="Menlo Bold"/>
-                <a:cs typeface="Menlo Bold"/>
-              </a:rPr>
-              <a:t>mefford</a:t>
-            </a:r>
-            <a:r>
-              <a:rPr lang="en-US" sz="2200" dirty="0">
-                <a:latin typeface="Menlo Bold"/>
-                <a:cs typeface="Menlo Bold"/>
-              </a:rPr>
-              <a:t>---java-8-</a:t>
-            </a:r>
-            <a:r>
-              <a:rPr lang="en-US" sz="2200" dirty="0" smtClean="0">
-                <a:latin typeface="Menlo Bold"/>
-                <a:cs typeface="Menlo Bold"/>
-              </a:rPr>
-              <a:t>streams.git</a:t>
+              <a:rPr lang="en-US" dirty="0">
+                <a:latin typeface="Menlo Bold"/>
+                <a:cs typeface="Menlo Bold"/>
+              </a:rPr>
+              <a:t> (begin</a:t>
             </a:r>
           </a:p>
           <a:p>
             <a:pPr marL="36576" indent="0">
               <a:buNone/>
             </a:pPr>
-            <a:endParaRPr lang="en-US" sz="2200" dirty="0">
+            <a:r>
+              <a:rPr lang="en-US" dirty="0">
+                <a:latin typeface="Menlo Bold"/>
+                <a:cs typeface="Menlo Bold"/>
+              </a:rPr>
+              <a:t>   (set! </a:t>
+            </a:r>
+            <a:r>
+              <a:rPr lang="en-US" dirty="0" err="1">
+                <a:latin typeface="Menlo Bold"/>
+                <a:cs typeface="Menlo Bold"/>
+              </a:rPr>
+              <a:t>g$y</a:t>
+            </a:r>
+            <a:r>
+              <a:rPr lang="en-US" dirty="0">
+                <a:latin typeface="Menlo Bold"/>
+                <a:cs typeface="Menlo Bold"/>
+              </a:rPr>
+              <a:t> 0)</a:t>
+            </a:r>
+          </a:p>
+          <a:p>
+            <a:pPr marL="36576" indent="0">
+              <a:buNone/>
+            </a:pPr>
+            <a:r>
+              <a:rPr lang="en-US" dirty="0">
+                <a:latin typeface="Menlo Bold"/>
+                <a:cs typeface="Menlo Bold"/>
+              </a:rPr>
+              <a:t>   (call/</a:t>
+            </a:r>
+            <a:r>
+              <a:rPr lang="en-US" dirty="0" err="1">
+                <a:latin typeface="Menlo Bold"/>
+                <a:cs typeface="Menlo Bold"/>
+              </a:rPr>
+              <a:t>ec</a:t>
+            </a:r>
+            <a:endParaRPr lang="en-US" dirty="0">
               <a:latin typeface="Menlo Bold"/>
               <a:cs typeface="Menlo Bold"/>
             </a:endParaRPr>
@@ -4233,23 +4218,452 @@
               <a:buNone/>
             </a:pPr>
             <a:r>
-              <a:rPr lang="en-US" sz="2200" dirty="0" smtClean="0">
-                <a:latin typeface="Menlo Bold"/>
-                <a:cs typeface="Menlo Bold"/>
-              </a:rPr>
-              <a:t>Solutions will be posted after in a solutions branch</a:t>
-            </a:r>
-            <a:endParaRPr lang="en-US" sz="2200" dirty="0">
+              <a:rPr lang="en-US" dirty="0">
+                <a:latin typeface="Menlo Bold"/>
+                <a:cs typeface="Menlo Bold"/>
+              </a:rPr>
+              <a:t>    (lambda (break)</a:t>
+            </a:r>
+          </a:p>
+          <a:p>
+            <a:pPr marL="36576" indent="0">
+              <a:buNone/>
+            </a:pPr>
+            <a:r>
+              <a:rPr lang="en-US" dirty="0">
+                <a:latin typeface="Menlo Bold"/>
+                <a:cs typeface="Menlo Bold"/>
+              </a:rPr>
+              <a:t>      ((lambda ($seq16 $loop17)</a:t>
+            </a:r>
+          </a:p>
+          <a:p>
+            <a:pPr marL="36576" indent="0">
+              <a:buNone/>
+            </a:pPr>
+            <a:r>
+              <a:rPr lang="en-US" dirty="0">
+                <a:latin typeface="Menlo Bold"/>
+                <a:cs typeface="Menlo Bold"/>
+              </a:rPr>
+              <a:t>         (begin</a:t>
+            </a:r>
+          </a:p>
+          <a:p>
+            <a:pPr marL="36576" indent="0">
+              <a:buNone/>
+            </a:pPr>
+            <a:r>
+              <a:rPr lang="en-US" dirty="0">
+                <a:latin typeface="Menlo Bold"/>
+                <a:cs typeface="Menlo Bold"/>
+              </a:rPr>
+              <a:t>           (begin</a:t>
+            </a:r>
+          </a:p>
+          <a:p>
+            <a:pPr marL="36576" indent="0">
+              <a:buNone/>
+            </a:pPr>
+            <a:r>
+              <a:rPr lang="en-US" dirty="0">
+                <a:latin typeface="Menlo Bold"/>
+                <a:cs typeface="Menlo Bold"/>
+              </a:rPr>
+              <a:t>             (if (set? $seq16)</a:t>
+            </a:r>
+          </a:p>
+          <a:p>
+            <a:pPr marL="36576" indent="0">
+              <a:buNone/>
+            </a:pPr>
+            <a:r>
+              <a:rPr lang="en-US" dirty="0">
+                <a:latin typeface="Menlo Bold"/>
+                <a:cs typeface="Menlo Bold"/>
+              </a:rPr>
+              <a:t>               (for-set $seq16 $loop17)</a:t>
+            </a:r>
+          </a:p>
+          <a:p>
+            <a:pPr marL="36576" indent="0">
+              <a:buNone/>
+            </a:pPr>
+            <a:r>
+              <a:rPr lang="en-US" dirty="0">
+                <a:latin typeface="Menlo Bold"/>
+                <a:cs typeface="Menlo Bold"/>
+              </a:rPr>
+              <a:t>               (if (tuple? $seq16)</a:t>
+            </a:r>
+          </a:p>
+          <a:p>
+            <a:pPr marL="36576" indent="0">
+              <a:buNone/>
+            </a:pPr>
+            <a:r>
+              <a:rPr lang="en-US" dirty="0">
+                <a:latin typeface="Menlo Bold"/>
+                <a:cs typeface="Menlo Bold"/>
+              </a:rPr>
+              <a:t>                 (for-tuple $seq16 $loop17)</a:t>
+            </a:r>
+          </a:p>
+          <a:p>
+            <a:pPr marL="36576" indent="0">
+              <a:buNone/>
+            </a:pPr>
+            <a:r>
+              <a:rPr lang="en-US" dirty="0">
+                <a:latin typeface="Menlo Bold"/>
+                <a:cs typeface="Menlo Bold"/>
+              </a:rPr>
+              <a:t>                 (if (</a:t>
+            </a:r>
+            <a:r>
+              <a:rPr lang="en-US" dirty="0" err="1">
+                <a:latin typeface="Menlo Bold"/>
+                <a:cs typeface="Menlo Bold"/>
+              </a:rPr>
+              <a:t>py</a:t>
+            </a:r>
+            <a:r>
+              <a:rPr lang="en-US" dirty="0">
+                <a:latin typeface="Menlo Bold"/>
+                <a:cs typeface="Menlo Bold"/>
+              </a:rPr>
+              <a:t>-list? $seq16)</a:t>
+            </a:r>
+          </a:p>
+          <a:p>
+            <a:pPr marL="36576" indent="0">
+              <a:buNone/>
+            </a:pPr>
+            <a:r>
+              <a:rPr lang="en-US" dirty="0">
+                <a:latin typeface="Menlo Bold"/>
+                <a:cs typeface="Menlo Bold"/>
+              </a:rPr>
+              <a:t>                   (for-</a:t>
+            </a:r>
+            <a:r>
+              <a:rPr lang="en-US" dirty="0" err="1">
+                <a:latin typeface="Menlo Bold"/>
+                <a:cs typeface="Menlo Bold"/>
+              </a:rPr>
+              <a:t>py</a:t>
+            </a:r>
+            <a:r>
+              <a:rPr lang="en-US" dirty="0">
+                <a:latin typeface="Menlo Bold"/>
+                <a:cs typeface="Menlo Bold"/>
+              </a:rPr>
+              <a:t>-list $seq16 $loop17)</a:t>
+            </a:r>
+          </a:p>
+          <a:p>
+            <a:pPr marL="36576" indent="0">
+              <a:buNone/>
+            </a:pPr>
+            <a:r>
+              <a:rPr lang="en-US" dirty="0">
+                <a:latin typeface="Menlo Bold"/>
+                <a:cs typeface="Menlo Bold"/>
+              </a:rPr>
+              <a:t>                   (if (</a:t>
+            </a:r>
+            <a:r>
+              <a:rPr lang="en-US" dirty="0" err="1">
+                <a:latin typeface="Menlo Bold"/>
+                <a:cs typeface="Menlo Bold"/>
+              </a:rPr>
+              <a:t>dict</a:t>
+            </a:r>
+            <a:r>
+              <a:rPr lang="en-US" dirty="0">
+                <a:latin typeface="Menlo Bold"/>
+                <a:cs typeface="Menlo Bold"/>
+              </a:rPr>
+              <a:t>? $seq16) (for-</a:t>
+            </a:r>
+            <a:r>
+              <a:rPr lang="en-US" dirty="0" err="1">
+                <a:latin typeface="Menlo Bold"/>
+                <a:cs typeface="Menlo Bold"/>
+              </a:rPr>
+              <a:t>dict</a:t>
+            </a:r>
+            <a:r>
+              <a:rPr lang="en-US" dirty="0">
+                <a:latin typeface="Menlo Bold"/>
+                <a:cs typeface="Menlo Bold"/>
+              </a:rPr>
+              <a:t> $seq16 $loop17) (void)))))</a:t>
+            </a:r>
+          </a:p>
+          <a:p>
+            <a:pPr marL="36576" indent="0">
+              <a:buNone/>
+            </a:pPr>
+            <a:r>
+              <a:rPr lang="en-US" dirty="0">
+                <a:latin typeface="Menlo Bold"/>
+                <a:cs typeface="Menlo Bold"/>
+              </a:rPr>
+              <a:t>             ((lambda () (begin (</a:t>
+            </a:r>
+            <a:r>
+              <a:rPr lang="en-US" dirty="0" err="1">
+                <a:latin typeface="Menlo Bold"/>
+                <a:cs typeface="Menlo Bold"/>
+              </a:rPr>
+              <a:t>py</a:t>
+            </a:r>
+            <a:r>
+              <a:rPr lang="en-US" dirty="0">
+                <a:latin typeface="Menlo Bold"/>
+                <a:cs typeface="Menlo Bold"/>
+              </a:rPr>
+              <a:t>-print </a:t>
+            </a:r>
+            <a:r>
+              <a:rPr lang="en-US" dirty="0" err="1">
+                <a:latin typeface="Menlo Bold"/>
+                <a:cs typeface="Menlo Bold"/>
+              </a:rPr>
+              <a:t>g$y</a:t>
+            </a:r>
+            <a:r>
+              <a:rPr lang="en-US" dirty="0">
+                <a:latin typeface="Menlo Bold"/>
+                <a:cs typeface="Menlo Bold"/>
+              </a:rPr>
+              <a:t>)))))))</a:t>
+            </a:r>
+          </a:p>
+          <a:p>
+            <a:pPr marL="36576" indent="0">
+              <a:buNone/>
+            </a:pPr>
+            <a:r>
+              <a:rPr lang="en-US" dirty="0">
+                <a:latin typeface="Menlo Bold"/>
+                <a:cs typeface="Menlo Bold"/>
+              </a:rPr>
+              <a:t>       (</a:t>
+            </a:r>
+            <a:r>
+              <a:rPr lang="en-US" dirty="0" err="1">
+                <a:latin typeface="Menlo Bold"/>
+                <a:cs typeface="Menlo Bold"/>
+              </a:rPr>
+              <a:t>py</a:t>
+            </a:r>
+            <a:r>
+              <a:rPr lang="en-US" dirty="0">
+                <a:latin typeface="Menlo Bold"/>
+                <a:cs typeface="Menlo Bold"/>
+              </a:rPr>
+              <a:t>-list* 1 2 3)</a:t>
+            </a:r>
+          </a:p>
+          <a:p>
+            <a:pPr marL="36576" indent="0">
+              <a:buNone/>
+            </a:pPr>
+            <a:r>
+              <a:rPr lang="en-US" dirty="0">
+                <a:latin typeface="Menlo Bold"/>
+                <a:cs typeface="Menlo Bold"/>
+              </a:rPr>
+              <a:t>       (lambda (i16)</a:t>
+            </a:r>
+          </a:p>
+          <a:p>
+            <a:pPr marL="36576" indent="0">
+              <a:buNone/>
+            </a:pPr>
+            <a:r>
+              <a:rPr lang="en-US" dirty="0">
+                <a:latin typeface="Menlo Bold"/>
+                <a:cs typeface="Menlo Bold"/>
+              </a:rPr>
+              <a:t>         (call/</a:t>
+            </a:r>
+            <a:r>
+              <a:rPr lang="en-US" dirty="0" err="1">
+                <a:latin typeface="Menlo Bold"/>
+                <a:cs typeface="Menlo Bold"/>
+              </a:rPr>
+              <a:t>ec</a:t>
+            </a:r>
+            <a:endParaRPr lang="en-US" dirty="0">
               <a:latin typeface="Menlo Bold"/>
               <a:cs typeface="Menlo Bold"/>
             </a:endParaRPr>
           </a:p>
+          <a:p>
+            <a:pPr marL="36576" indent="0">
+              <a:buNone/>
+            </a:pPr>
+            <a:r>
+              <a:rPr lang="en-US" dirty="0">
+                <a:latin typeface="Menlo Bold"/>
+                <a:cs typeface="Menlo Bold"/>
+              </a:rPr>
+              <a:t>          (lambda (continue)</a:t>
+            </a:r>
+          </a:p>
+          <a:p>
+            <a:pPr marL="36576" indent="0">
+              <a:buNone/>
+            </a:pPr>
+            <a:r>
+              <a:rPr lang="en-US" dirty="0">
+                <a:latin typeface="Menlo Bold"/>
+                <a:cs typeface="Menlo Bold"/>
+              </a:rPr>
+              <a:t>            (begin</a:t>
+            </a:r>
+          </a:p>
+          <a:p>
+            <a:pPr marL="36576" indent="0">
+              <a:buNone/>
+            </a:pPr>
+            <a:r>
+              <a:rPr lang="en-US" dirty="0">
+                <a:latin typeface="Menlo Bold"/>
+                <a:cs typeface="Menlo Bold"/>
+              </a:rPr>
+              <a:t>              (set! </a:t>
+            </a:r>
+            <a:r>
+              <a:rPr lang="en-US" dirty="0" err="1">
+                <a:latin typeface="Menlo Bold"/>
+                <a:cs typeface="Menlo Bold"/>
+              </a:rPr>
+              <a:t>g$x</a:t>
+            </a:r>
+            <a:r>
+              <a:rPr lang="en-US" dirty="0">
+                <a:latin typeface="Menlo Bold"/>
+                <a:cs typeface="Menlo Bold"/>
+              </a:rPr>
+              <a:t> i16)</a:t>
+            </a:r>
+          </a:p>
+          <a:p>
+            <a:pPr marL="36576" indent="0">
+              <a:buNone/>
+            </a:pPr>
+            <a:r>
+              <a:rPr lang="en-US" dirty="0">
+                <a:latin typeface="Menlo Bold"/>
+                <a:cs typeface="Menlo Bold"/>
+              </a:rPr>
+              <a:t>              ((lambda ()</a:t>
+            </a:r>
+          </a:p>
+          <a:p>
+            <a:pPr marL="36576" indent="0">
+              <a:buNone/>
+            </a:pPr>
+            <a:r>
+              <a:rPr lang="en-US" dirty="0">
+                <a:latin typeface="Menlo Bold"/>
+                <a:cs typeface="Menlo Bold"/>
+              </a:rPr>
+              <a:t>                 (begin (</a:t>
+            </a:r>
+            <a:r>
+              <a:rPr lang="en-US" dirty="0" err="1">
+                <a:latin typeface="Menlo Bold"/>
+                <a:cs typeface="Menlo Bold"/>
+              </a:rPr>
+              <a:t>py</a:t>
+            </a:r>
+            <a:r>
+              <a:rPr lang="en-US" dirty="0">
+                <a:latin typeface="Menlo Bold"/>
+                <a:cs typeface="Menlo Bold"/>
+              </a:rPr>
+              <a:t>-print </a:t>
+            </a:r>
+            <a:r>
+              <a:rPr lang="en-US" dirty="0" err="1">
+                <a:latin typeface="Menlo Bold"/>
+                <a:cs typeface="Menlo Bold"/>
+              </a:rPr>
+              <a:t>g$x</a:t>
+            </a:r>
+            <a:r>
+              <a:rPr lang="en-US" dirty="0">
+                <a:latin typeface="Menlo Bold"/>
+                <a:cs typeface="Menlo Bold"/>
+              </a:rPr>
+              <a:t>) (set! </a:t>
+            </a:r>
+            <a:r>
+              <a:rPr lang="en-US" dirty="0" err="1">
+                <a:latin typeface="Menlo Bold"/>
+                <a:cs typeface="Menlo Bold"/>
+              </a:rPr>
+              <a:t>g$y</a:t>
+            </a:r>
+            <a:r>
+              <a:rPr lang="en-US" dirty="0">
+                <a:latin typeface="Menlo Bold"/>
+                <a:cs typeface="Menlo Bold"/>
+              </a:rPr>
+              <a:t> (+ </a:t>
+            </a:r>
+            <a:r>
+              <a:rPr lang="en-US" dirty="0" err="1">
+                <a:latin typeface="Menlo Bold"/>
+                <a:cs typeface="Menlo Bold"/>
+              </a:rPr>
+              <a:t>g$x</a:t>
+            </a:r>
+            <a:r>
+              <a:rPr lang="en-US" dirty="0">
+                <a:latin typeface="Menlo Bold"/>
+                <a:cs typeface="Menlo Bold"/>
+              </a:rPr>
+              <a:t> </a:t>
+            </a:r>
+            <a:r>
+              <a:rPr lang="en-US" dirty="0" err="1">
+                <a:latin typeface="Menlo Bold"/>
+                <a:cs typeface="Menlo Bold"/>
+              </a:rPr>
+              <a:t>g$y</a:t>
+            </a:r>
+            <a:r>
+              <a:rPr lang="en-US" dirty="0">
+                <a:latin typeface="Menlo Bold"/>
+                <a:cs typeface="Menlo Bold"/>
+              </a:rPr>
+              <a:t>))))))))))))))</a:t>
+            </a:r>
+          </a:p>
+          <a:p>
+            <a:pPr marL="36576" indent="0">
+              <a:buNone/>
+            </a:pPr>
+            <a:endParaRPr lang="en-US" dirty="0"/>
+          </a:p>
+          <a:p>
+            <a:pPr marL="36576" indent="0">
+              <a:buNone/>
+            </a:pPr>
+            <a:endParaRPr lang="en-US" dirty="0"/>
+          </a:p>
         </p:txBody>
       </p:sp>
     </p:spTree>
     <p:extLst>
       <p:ext uri="{BB962C8B-B14F-4D97-AF65-F5344CB8AC3E}">
-        <p14:creationId xmlns:p14="http://schemas.microsoft.com/office/powerpoint/2010/main" val="3263417674"/>
+        <p14:creationId xmlns:p14="http://schemas.microsoft.com/office/powerpoint/2010/main" val="1228501994"/>
       </p:ext>
     </p:extLst>
   </p:cSld>
@@ -4293,7 +4707,7 @@
           <a:p>
             <a:r>
               <a:rPr lang="en-US" dirty="0" smtClean="0"/>
-              <a:t>Lambdas in practice</a:t>
+              <a:t>Workshop Time!</a:t>
             </a:r>
             <a:endParaRPr lang="en-US" dirty="0"/>
           </a:p>
@@ -4320,18 +4734,74 @@
               <a:buNone/>
             </a:pPr>
             <a:r>
-              <a:rPr lang="en-US" sz="1600" dirty="0" smtClean="0">
-                <a:latin typeface="Menlo Bold"/>
-                <a:cs typeface="Menlo Bold"/>
-              </a:rPr>
-              <a:t>Useful helper methods</a:t>
+              <a:rPr lang="en-US" sz="2200" dirty="0" err="1" smtClean="0">
+                <a:latin typeface="Menlo Bold"/>
+                <a:cs typeface="Menlo Bold"/>
+              </a:rPr>
+              <a:t>git</a:t>
+            </a:r>
+            <a:r>
+              <a:rPr lang="en-US" sz="2200" dirty="0">
+                <a:latin typeface="Menlo Bold"/>
+                <a:cs typeface="Menlo Bold"/>
+              </a:rPr>
+              <a:t> clone </a:t>
+            </a:r>
+            <a:r>
+              <a:rPr lang="en-US" sz="2200" dirty="0" err="1">
+                <a:latin typeface="Menlo Bold"/>
+                <a:cs typeface="Menlo Bold"/>
+              </a:rPr>
+              <a:t>ssh</a:t>
+            </a:r>
+            <a:r>
+              <a:rPr lang="en-US" sz="2200" dirty="0">
+                <a:latin typeface="Menlo Bold"/>
+                <a:cs typeface="Menlo Bold"/>
+              </a:rPr>
+              <a:t>://git@jiraprod2.ussl.uhs:7998/</a:t>
+            </a:r>
+            <a:r>
+              <a:rPr lang="en-US" sz="2200" dirty="0" err="1">
+                <a:latin typeface="Menlo Bold"/>
+                <a:cs typeface="Menlo Bold"/>
+              </a:rPr>
+              <a:t>tw</a:t>
+            </a:r>
+            <a:r>
+              <a:rPr lang="en-US" sz="2200" dirty="0">
+                <a:latin typeface="Menlo Bold"/>
+                <a:cs typeface="Menlo Bold"/>
+              </a:rPr>
+              <a:t>/</a:t>
+            </a:r>
+            <a:r>
+              <a:rPr lang="en-US" sz="2200" dirty="0" err="1">
+                <a:latin typeface="Menlo Bold"/>
+                <a:cs typeface="Menlo Bold"/>
+              </a:rPr>
+              <a:t>mefford</a:t>
+            </a:r>
+            <a:r>
+              <a:rPr lang="en-US" sz="2200" dirty="0">
+                <a:latin typeface="Menlo Bold"/>
+                <a:cs typeface="Menlo Bold"/>
+              </a:rPr>
+              <a:t>---java-8-</a:t>
+            </a:r>
+            <a:r>
+              <a:rPr lang="en-US" sz="2200" dirty="0" smtClean="0">
+                <a:latin typeface="Menlo Bold"/>
+                <a:cs typeface="Menlo Bold"/>
+              </a:rPr>
+              <a:t>streams.git</a:t>
             </a:r>
           </a:p>
           <a:p>
             <a:pPr marL="36576" indent="0">
               <a:buNone/>
             </a:pPr>
-            <a:endParaRPr lang="en-US" sz="1600" dirty="0">
+            <a:endParaRPr lang="en-US" sz="2200" dirty="0">
               <a:latin typeface="Menlo Bold"/>
               <a:cs typeface="Menlo Bold"/>
             </a:endParaRPr>
@@ -4341,640 +4811,23 @@
               <a:buNone/>
             </a:pPr>
             <a:r>
-              <a:rPr lang="en-US" sz="1200" dirty="0" smtClean="0">
-                <a:latin typeface="Menlo Bold"/>
-                <a:cs typeface="Menlo Bold"/>
-              </a:rPr>
-              <a:t>public class </a:t>
-            </a:r>
-            <a:r>
-              <a:rPr lang="en-US" sz="1200" dirty="0" err="1" smtClean="0">
-                <a:latin typeface="Menlo Bold"/>
-                <a:cs typeface="Menlo Bold"/>
-              </a:rPr>
-              <a:t>CollectionsUtils</a:t>
-            </a:r>
-            <a:r>
-              <a:rPr lang="en-US" sz="1200" dirty="0" smtClean="0">
-                <a:latin typeface="Menlo Bold"/>
-                <a:cs typeface="Menlo Bold"/>
-              </a:rPr>
-              <a:t> {</a:t>
-            </a:r>
-          </a:p>
-          <a:p>
-            <a:pPr marL="36576" indent="0">
-              <a:buNone/>
-            </a:pPr>
-            <a:r>
-              <a:rPr lang="en-US" sz="1200" dirty="0">
-                <a:latin typeface="Menlo Bold"/>
-                <a:cs typeface="Menlo Bold"/>
-              </a:rPr>
-              <a:t> </a:t>
-            </a:r>
-            <a:r>
-              <a:rPr lang="en-US" sz="1200" dirty="0" smtClean="0">
-                <a:latin typeface="Menlo Bold"/>
-                <a:cs typeface="Menlo Bold"/>
-              </a:rPr>
-              <a:t> public </a:t>
-            </a:r>
-            <a:r>
-              <a:rPr lang="en-US" sz="1200" dirty="0">
-                <a:latin typeface="Menlo Bold"/>
-                <a:cs typeface="Menlo Bold"/>
-              </a:rPr>
-              <a:t>static &lt;</a:t>
-            </a:r>
-            <a:r>
-              <a:rPr lang="en-US" sz="1200" dirty="0">
-                <a:latin typeface="Menlo Bold"/>
-                <a:cs typeface="Menlo Bold"/>
-              </a:rPr>
-              <a:t>T</a:t>
-            </a:r>
-            <a:r>
-              <a:rPr lang="en-US" sz="1200" dirty="0">
-                <a:latin typeface="Menlo Bold"/>
-                <a:cs typeface="Menlo Bold"/>
-              </a:rPr>
-              <a:t>&gt; </a:t>
-            </a:r>
-            <a:r>
-              <a:rPr lang="en-US" sz="1200" dirty="0">
-                <a:latin typeface="Menlo Bold"/>
-                <a:cs typeface="Menlo Bold"/>
-              </a:rPr>
-              <a:t>Stream</a:t>
-            </a:r>
-            <a:r>
-              <a:rPr lang="en-US" sz="1200" dirty="0">
-                <a:latin typeface="Menlo Bold"/>
-                <a:cs typeface="Menlo Bold"/>
-              </a:rPr>
-              <a:t>&lt;</a:t>
-            </a:r>
-            <a:r>
-              <a:rPr lang="en-US" sz="1200" dirty="0">
-                <a:latin typeface="Menlo Bold"/>
-                <a:cs typeface="Menlo Bold"/>
-              </a:rPr>
-              <a:t>T</a:t>
-            </a:r>
-            <a:r>
-              <a:rPr lang="en-US" sz="1200" dirty="0">
-                <a:latin typeface="Menlo Bold"/>
-                <a:cs typeface="Menlo Bold"/>
-              </a:rPr>
-              <a:t>&gt; </a:t>
-            </a:r>
-            <a:r>
-              <a:rPr lang="en-US" sz="1200" dirty="0" err="1">
-                <a:latin typeface="Menlo Bold"/>
-                <a:cs typeface="Menlo Bold"/>
-              </a:rPr>
-              <a:t>nonNullStream</a:t>
-            </a:r>
-            <a:r>
-              <a:rPr lang="en-US" sz="1200" dirty="0">
-                <a:latin typeface="Menlo Bold"/>
-                <a:cs typeface="Menlo Bold"/>
-              </a:rPr>
-              <a:t>(</a:t>
-            </a:r>
-            <a:r>
-              <a:rPr lang="en-US" sz="1200" dirty="0">
-                <a:latin typeface="Menlo Bold"/>
-                <a:cs typeface="Menlo Bold"/>
-              </a:rPr>
-              <a:t>Collection</a:t>
-            </a:r>
-            <a:r>
-              <a:rPr lang="en-US" sz="1200" dirty="0">
-                <a:latin typeface="Menlo Bold"/>
-                <a:cs typeface="Menlo Bold"/>
-              </a:rPr>
-              <a:t>&lt;</a:t>
-            </a:r>
-            <a:r>
-              <a:rPr lang="en-US" sz="1200" dirty="0">
-                <a:latin typeface="Menlo Bold"/>
-                <a:cs typeface="Menlo Bold"/>
-              </a:rPr>
-              <a:t>T</a:t>
-            </a:r>
-            <a:r>
-              <a:rPr lang="en-US" sz="1200" dirty="0">
-                <a:latin typeface="Menlo Bold"/>
-                <a:cs typeface="Menlo Bold"/>
-              </a:rPr>
-              <a:t>&gt; </a:t>
-            </a:r>
-            <a:r>
-              <a:rPr lang="en-US" sz="1200" dirty="0">
-                <a:latin typeface="Menlo Bold"/>
-                <a:cs typeface="Menlo Bold"/>
-              </a:rPr>
-              <a:t>collection</a:t>
-            </a:r>
-            <a:r>
-              <a:rPr lang="en-US" sz="1200" dirty="0">
-                <a:latin typeface="Menlo Bold"/>
-                <a:cs typeface="Menlo Bold"/>
-              </a:rPr>
-              <a:t>) {</a:t>
-            </a:r>
-            <a:br>
-              <a:rPr lang="en-US" sz="1200" dirty="0">
-                <a:latin typeface="Menlo Bold"/>
-                <a:cs typeface="Menlo Bold"/>
-              </a:rPr>
-            </a:br>
-            <a:r>
-              <a:rPr lang="en-US" sz="1200" dirty="0">
-                <a:latin typeface="Menlo Bold"/>
-                <a:cs typeface="Menlo Bold"/>
-              </a:rPr>
-              <a:t>    return </a:t>
-            </a:r>
-            <a:r>
-              <a:rPr lang="en-US" sz="1200" dirty="0">
-                <a:latin typeface="Menlo Bold"/>
-                <a:cs typeface="Menlo Bold"/>
-              </a:rPr>
-              <a:t>collection </a:t>
-            </a:r>
-            <a:r>
-              <a:rPr lang="en-US" sz="1200" dirty="0">
-                <a:latin typeface="Menlo Bold"/>
-                <a:cs typeface="Menlo Bold"/>
-              </a:rPr>
-              <a:t>== </a:t>
-            </a:r>
-            <a:r>
-              <a:rPr lang="en-US" sz="1200" dirty="0" smtClean="0">
-                <a:latin typeface="Menlo Bold"/>
-                <a:cs typeface="Menlo Bold"/>
-              </a:rPr>
-              <a:t>null ? </a:t>
-            </a:r>
-            <a:r>
-              <a:rPr lang="en-US" sz="1200" dirty="0" err="1" smtClean="0">
-                <a:latin typeface="Menlo Bold"/>
-                <a:cs typeface="Menlo Bold"/>
-              </a:rPr>
-              <a:t>Stream.empty</a:t>
-            </a:r>
-            <a:r>
-              <a:rPr lang="en-US" sz="1200" dirty="0">
-                <a:latin typeface="Menlo Bold"/>
-                <a:cs typeface="Menlo Bold"/>
-              </a:rPr>
-              <a:t>(</a:t>
-            </a:r>
-            <a:r>
-              <a:rPr lang="en-US" sz="1200" dirty="0" smtClean="0">
-                <a:latin typeface="Menlo Bold"/>
-                <a:cs typeface="Menlo Bold"/>
-              </a:rPr>
-              <a:t>) : </a:t>
-            </a:r>
-            <a:r>
-              <a:rPr lang="en-US" sz="1200" dirty="0" err="1" smtClean="0">
-                <a:latin typeface="Menlo Bold"/>
-                <a:cs typeface="Menlo Bold"/>
-              </a:rPr>
-              <a:t>collection.stream</a:t>
-            </a:r>
-            <a:r>
-              <a:rPr lang="en-US" sz="1200" dirty="0">
-                <a:latin typeface="Menlo Bold"/>
-                <a:cs typeface="Menlo Bold"/>
-              </a:rPr>
-              <a:t>();</a:t>
-            </a:r>
-            <a:br>
-              <a:rPr lang="en-US" sz="1200" dirty="0">
-                <a:latin typeface="Menlo Bold"/>
-                <a:cs typeface="Menlo Bold"/>
-              </a:rPr>
-            </a:br>
-            <a:r>
-              <a:rPr lang="en-US" sz="1200" dirty="0" smtClean="0">
-                <a:latin typeface="Menlo Bold"/>
-                <a:cs typeface="Menlo Bold"/>
-              </a:rPr>
-              <a:t>  }</a:t>
-            </a:r>
-          </a:p>
-          <a:p>
-            <a:pPr marL="36576" indent="0">
-              <a:buNone/>
-            </a:pPr>
-            <a:r>
-              <a:rPr lang="en-US" sz="1200" dirty="0" smtClean="0">
-                <a:latin typeface="Menlo Bold"/>
-                <a:cs typeface="Menlo Bold"/>
-              </a:rPr>
-              <a:t>}</a:t>
-            </a:r>
-          </a:p>
-          <a:p>
-            <a:pPr marL="36576" indent="0">
-              <a:buNone/>
-            </a:pPr>
-            <a:endParaRPr lang="en-US" sz="1200" dirty="0">
+              <a:rPr lang="en-US" sz="2200" dirty="0" smtClean="0">
+                <a:latin typeface="Menlo Bold"/>
+                <a:cs typeface="Menlo Bold"/>
+              </a:rPr>
+              <a:t>Solutions will be posted after in a solutions branch</a:t>
+            </a:r>
+            <a:endParaRPr lang="en-US" sz="2200" dirty="0">
               <a:latin typeface="Menlo Bold"/>
               <a:cs typeface="Menlo Bold"/>
             </a:endParaRPr>
           </a:p>
-          <a:p>
-            <a:pPr marL="36576" indent="0">
-              <a:buNone/>
-            </a:pPr>
-            <a:r>
-              <a:rPr lang="en-US" sz="1200" dirty="0">
-                <a:latin typeface="Menlo Bold"/>
-                <a:cs typeface="Menlo Bold"/>
-              </a:rPr>
-              <a:t>private </a:t>
-            </a:r>
-            <a:r>
-              <a:rPr lang="en-US" sz="1200" dirty="0" err="1">
-                <a:latin typeface="Menlo Bold"/>
-                <a:cs typeface="Menlo Bold"/>
-              </a:rPr>
-              <a:t>boolean</a:t>
-            </a:r>
-            <a:r>
-              <a:rPr lang="en-US" sz="1200" dirty="0">
-                <a:latin typeface="Menlo Bold"/>
-                <a:cs typeface="Menlo Bold"/>
-              </a:rPr>
-              <a:t> </a:t>
-            </a:r>
-            <a:r>
-              <a:rPr lang="en-US" sz="1200" dirty="0" err="1">
-                <a:latin typeface="Menlo Bold"/>
-                <a:cs typeface="Menlo Bold"/>
-              </a:rPr>
-              <a:t>categoryContainsContext</a:t>
-            </a:r>
-            <a:r>
-              <a:rPr lang="en-US" sz="1200" dirty="0">
-                <a:latin typeface="Menlo Bold"/>
-                <a:cs typeface="Menlo Bold"/>
-              </a:rPr>
-              <a:t>(String </a:t>
-            </a:r>
-            <a:r>
-              <a:rPr lang="en-US" sz="1200" dirty="0">
-                <a:latin typeface="Menlo Bold"/>
-                <a:cs typeface="Menlo Bold"/>
-              </a:rPr>
-              <a:t>context</a:t>
-            </a:r>
-            <a:r>
-              <a:rPr lang="en-US" sz="1200" dirty="0">
-                <a:latin typeface="Menlo Bold"/>
-                <a:cs typeface="Menlo Bold"/>
-              </a:rPr>
-              <a:t>, Category </a:t>
-            </a:r>
-            <a:r>
-              <a:rPr lang="en-US" sz="1200" dirty="0">
-                <a:latin typeface="Menlo Bold"/>
-                <a:cs typeface="Menlo Bold"/>
-              </a:rPr>
-              <a:t>category</a:t>
-            </a:r>
-            <a:r>
-              <a:rPr lang="en-US" sz="1200" dirty="0">
-                <a:latin typeface="Menlo Bold"/>
-                <a:cs typeface="Menlo Bold"/>
-              </a:rPr>
-              <a:t>) {</a:t>
-            </a:r>
-            <a:br>
-              <a:rPr lang="en-US" sz="1200" dirty="0">
-                <a:latin typeface="Menlo Bold"/>
-                <a:cs typeface="Menlo Bold"/>
-              </a:rPr>
-            </a:br>
-            <a:r>
-              <a:rPr lang="en-US" sz="1200" dirty="0">
-                <a:latin typeface="Menlo Bold"/>
-                <a:cs typeface="Menlo Bold"/>
-              </a:rPr>
-              <a:t>  </a:t>
-            </a:r>
-            <a:r>
-              <a:rPr lang="en-US" sz="1200" dirty="0" smtClean="0">
-                <a:latin typeface="Menlo Bold"/>
-                <a:cs typeface="Menlo Bold"/>
-              </a:rPr>
-              <a:t>return </a:t>
-            </a:r>
-            <a:r>
-              <a:rPr lang="en-US" sz="1200" dirty="0" err="1">
-                <a:latin typeface="Menlo Bold"/>
-                <a:cs typeface="Menlo Bold"/>
-              </a:rPr>
-              <a:t>CollectionsUtil.nonNullStream</a:t>
-            </a:r>
-            <a:r>
-              <a:rPr lang="en-US" sz="1200" dirty="0">
-                <a:latin typeface="Menlo Bold"/>
-                <a:cs typeface="Menlo Bold"/>
-              </a:rPr>
-              <a:t>(</a:t>
-            </a:r>
-            <a:r>
-              <a:rPr lang="en-US" sz="1200" dirty="0" err="1">
-                <a:latin typeface="Menlo Bold"/>
-                <a:cs typeface="Menlo Bold"/>
-              </a:rPr>
-              <a:t>category</a:t>
-            </a:r>
-            <a:r>
-              <a:rPr lang="en-US" sz="1200" dirty="0" err="1">
-                <a:latin typeface="Menlo Bold"/>
-                <a:cs typeface="Menlo Bold"/>
-              </a:rPr>
-              <a:t>.</a:t>
-            </a:r>
-            <a:r>
-              <a:rPr lang="en-US" sz="1200" dirty="0" err="1">
-                <a:latin typeface="Menlo Bold"/>
-                <a:cs typeface="Menlo Bold"/>
-              </a:rPr>
-              <a:t>getCategoryContexts</a:t>
-            </a:r>
-            <a:r>
-              <a:rPr lang="en-US" sz="1200" dirty="0">
-                <a:latin typeface="Menlo Bold"/>
-                <a:cs typeface="Menlo Bold"/>
-              </a:rPr>
-              <a:t>())</a:t>
-            </a:r>
-            <a:br>
-              <a:rPr lang="en-US" sz="1200" dirty="0">
-                <a:latin typeface="Menlo Bold"/>
-                <a:cs typeface="Menlo Bold"/>
-              </a:rPr>
-            </a:br>
-            <a:r>
-              <a:rPr lang="en-US" sz="1200" dirty="0">
-                <a:latin typeface="Menlo Bold"/>
-                <a:cs typeface="Menlo Bold"/>
-              </a:rPr>
-              <a:t>  </a:t>
-            </a:r>
-            <a:r>
-              <a:rPr lang="en-US" sz="1200" dirty="0" smtClean="0">
-                <a:latin typeface="Menlo Bold"/>
-                <a:cs typeface="Menlo Bold"/>
-              </a:rPr>
-              <a:t>  </a:t>
-            </a:r>
-            <a:r>
-              <a:rPr lang="en-US" sz="1200" dirty="0">
-                <a:latin typeface="Menlo Bold"/>
-                <a:cs typeface="Menlo Bold"/>
-              </a:rPr>
-              <a:t>.</a:t>
-            </a:r>
-            <a:r>
-              <a:rPr lang="en-US" sz="1200" dirty="0">
-                <a:latin typeface="Menlo Bold"/>
-                <a:cs typeface="Menlo Bold"/>
-              </a:rPr>
-              <a:t>map</a:t>
-            </a:r>
-            <a:r>
-              <a:rPr lang="en-US" sz="1200" dirty="0">
-                <a:latin typeface="Menlo Bold"/>
-                <a:cs typeface="Menlo Bold"/>
-              </a:rPr>
-              <a:t>(</a:t>
-            </a:r>
-            <a:r>
-              <a:rPr lang="en-US" sz="1200" dirty="0" err="1">
-                <a:latin typeface="Menlo Bold"/>
-                <a:cs typeface="Menlo Bold"/>
-              </a:rPr>
-              <a:t>CategoryContext</a:t>
-            </a:r>
-            <a:r>
-              <a:rPr lang="en-US" sz="1200" dirty="0">
-                <a:latin typeface="Menlo Bold"/>
-                <a:cs typeface="Menlo Bold"/>
-              </a:rPr>
-              <a:t>::</a:t>
-            </a:r>
-            <a:r>
-              <a:rPr lang="en-US" sz="1200" dirty="0" err="1">
-                <a:latin typeface="Menlo Bold"/>
-                <a:cs typeface="Menlo Bold"/>
-              </a:rPr>
-              <a:t>getCategoryContextType</a:t>
-            </a:r>
-            <a:r>
-              <a:rPr lang="en-US" sz="1200" dirty="0">
-                <a:latin typeface="Menlo Bold"/>
-                <a:cs typeface="Menlo Bold"/>
-              </a:rPr>
-              <a:t>)</a:t>
-            </a:r>
-            <a:br>
-              <a:rPr lang="en-US" sz="1200" dirty="0">
-                <a:latin typeface="Menlo Bold"/>
-                <a:cs typeface="Menlo Bold"/>
-              </a:rPr>
-            </a:br>
-            <a:r>
-              <a:rPr lang="en-US" sz="1200" dirty="0">
-                <a:latin typeface="Menlo Bold"/>
-                <a:cs typeface="Menlo Bold"/>
-              </a:rPr>
-              <a:t>  </a:t>
-            </a:r>
-            <a:r>
-              <a:rPr lang="en-US" sz="1200" dirty="0" smtClean="0">
-                <a:latin typeface="Menlo Bold"/>
-                <a:cs typeface="Menlo Bold"/>
-              </a:rPr>
-              <a:t>  </a:t>
-            </a:r>
-            <a:r>
-              <a:rPr lang="en-US" sz="1200" dirty="0">
-                <a:latin typeface="Menlo Bold"/>
-                <a:cs typeface="Menlo Bold"/>
-              </a:rPr>
-              <a:t>.</a:t>
-            </a:r>
-            <a:r>
-              <a:rPr lang="en-US" sz="1200" dirty="0">
-                <a:latin typeface="Menlo Bold"/>
-                <a:cs typeface="Menlo Bold"/>
-              </a:rPr>
-              <a:t>map</a:t>
-            </a:r>
-            <a:r>
-              <a:rPr lang="en-US" sz="1200" dirty="0">
-                <a:latin typeface="Menlo Bold"/>
-                <a:cs typeface="Menlo Bold"/>
-              </a:rPr>
-              <a:t>(</a:t>
-            </a:r>
-            <a:r>
-              <a:rPr lang="en-US" sz="1200" dirty="0" err="1">
-                <a:latin typeface="Menlo Bold"/>
-                <a:cs typeface="Menlo Bold"/>
-              </a:rPr>
-              <a:t>CategoryContextType</a:t>
-            </a:r>
-            <a:r>
-              <a:rPr lang="en-US" sz="1200" dirty="0">
-                <a:latin typeface="Menlo Bold"/>
-                <a:cs typeface="Menlo Bold"/>
-              </a:rPr>
-              <a:t>::name</a:t>
-            </a:r>
-            <a:r>
-              <a:rPr lang="en-US" sz="1200" dirty="0">
-                <a:latin typeface="Menlo Bold"/>
-                <a:cs typeface="Menlo Bold"/>
-              </a:rPr>
-              <a:t>)</a:t>
-            </a:r>
-            <a:br>
-              <a:rPr lang="en-US" sz="1200" dirty="0">
-                <a:latin typeface="Menlo Bold"/>
-                <a:cs typeface="Menlo Bold"/>
-              </a:rPr>
-            </a:br>
-            <a:r>
-              <a:rPr lang="en-US" sz="1200" dirty="0">
-                <a:latin typeface="Menlo Bold"/>
-                <a:cs typeface="Menlo Bold"/>
-              </a:rPr>
-              <a:t>  </a:t>
-            </a:r>
-            <a:r>
-              <a:rPr lang="en-US" sz="1200" dirty="0" smtClean="0">
-                <a:latin typeface="Menlo Bold"/>
-                <a:cs typeface="Menlo Bold"/>
-              </a:rPr>
-              <a:t>  </a:t>
-            </a:r>
-            <a:r>
-              <a:rPr lang="en-US" sz="1200" dirty="0">
-                <a:latin typeface="Menlo Bold"/>
-                <a:cs typeface="Menlo Bold"/>
-              </a:rPr>
-              <a:t>.</a:t>
-            </a:r>
-            <a:r>
-              <a:rPr lang="en-US" sz="1200" dirty="0" err="1">
-                <a:latin typeface="Menlo Bold"/>
-                <a:cs typeface="Menlo Bold"/>
-              </a:rPr>
-              <a:t>anyMatch</a:t>
-            </a:r>
-            <a:r>
-              <a:rPr lang="en-US" sz="1200" dirty="0">
-                <a:latin typeface="Menlo Bold"/>
-                <a:cs typeface="Menlo Bold"/>
-              </a:rPr>
-              <a:t>(</a:t>
-            </a:r>
-            <a:r>
-              <a:rPr lang="en-US" sz="1200" dirty="0" err="1">
-                <a:latin typeface="Menlo Bold"/>
-                <a:cs typeface="Menlo Bold"/>
-              </a:rPr>
-              <a:t>categoryContext</a:t>
-            </a:r>
-            <a:r>
-              <a:rPr lang="en-US" sz="1200" dirty="0">
-                <a:latin typeface="Menlo Bold"/>
-                <a:cs typeface="Menlo Bold"/>
-              </a:rPr>
-              <a:t> -&gt; </a:t>
-            </a:r>
-            <a:r>
-              <a:rPr lang="en-US" sz="1200" dirty="0" err="1">
-                <a:latin typeface="Menlo Bold"/>
-                <a:cs typeface="Menlo Bold"/>
-              </a:rPr>
-              <a:t>StringUtils.equals</a:t>
-            </a:r>
-            <a:r>
-              <a:rPr lang="en-US" sz="1200" dirty="0">
-                <a:latin typeface="Menlo Bold"/>
-                <a:cs typeface="Menlo Bold"/>
-              </a:rPr>
-              <a:t>(</a:t>
-            </a:r>
-            <a:r>
-              <a:rPr lang="en-US" sz="1200" dirty="0">
-                <a:latin typeface="Menlo Bold"/>
-                <a:cs typeface="Menlo Bold"/>
-              </a:rPr>
-              <a:t>context</a:t>
-            </a:r>
-            <a:r>
-              <a:rPr lang="en-US" sz="1200" dirty="0">
-                <a:latin typeface="Menlo Bold"/>
-                <a:cs typeface="Menlo Bold"/>
-              </a:rPr>
-              <a:t>, </a:t>
-            </a:r>
-            <a:r>
-              <a:rPr lang="en-US" sz="1200" dirty="0" err="1">
-                <a:latin typeface="Menlo Bold"/>
-                <a:cs typeface="Menlo Bold"/>
-              </a:rPr>
-              <a:t>categoryContext</a:t>
-            </a:r>
-            <a:r>
-              <a:rPr lang="en-US" sz="1200" dirty="0">
-                <a:latin typeface="Menlo Bold"/>
-                <a:cs typeface="Menlo Bold"/>
-              </a:rPr>
-              <a:t>));</a:t>
-            </a:r>
-            <a:br>
-              <a:rPr lang="en-US" sz="1200" dirty="0">
-                <a:latin typeface="Menlo Bold"/>
-                <a:cs typeface="Menlo Bold"/>
-              </a:rPr>
-            </a:br>
-            <a:r>
-              <a:rPr lang="en-US" sz="1200" dirty="0" smtClean="0">
-                <a:latin typeface="Menlo Bold"/>
-                <a:cs typeface="Menlo Bold"/>
-              </a:rPr>
-              <a:t>}</a:t>
-            </a:r>
-          </a:p>
-          <a:p>
-            <a:pPr marL="36576" indent="0">
-              <a:buNone/>
-            </a:pPr>
-            <a:endParaRPr lang="en-US" sz="1200" dirty="0">
-              <a:latin typeface="Menlo Bold"/>
-              <a:cs typeface="Menlo Bold"/>
-            </a:endParaRPr>
-          </a:p>
         </p:txBody>
       </p:sp>
     </p:spTree>
     <p:extLst>
       <p:ext uri="{BB962C8B-B14F-4D97-AF65-F5344CB8AC3E}">
-        <p14:creationId xmlns:p14="http://schemas.microsoft.com/office/powerpoint/2010/main" val="154897794"/>
+        <p14:creationId xmlns:p14="http://schemas.microsoft.com/office/powerpoint/2010/main" val="3263417674"/>
       </p:ext>
     </p:extLst>
   </p:cSld>
@@ -5034,12 +4887,7 @@
             <p:ph idx="1"/>
           </p:nvPr>
         </p:nvSpPr>
-        <p:spPr>
-          <a:xfrm>
-            <a:off x="56444" y="1600200"/>
-            <a:ext cx="9144000" cy="4525963"/>
-          </a:xfrm>
-        </p:spPr>
+        <p:spPr/>
         <p:txBody>
           <a:bodyPr>
             <a:normAutofit/>
@@ -5050,1361 +4898,464 @@
               <a:buNone/>
             </a:pPr>
             <a:r>
-              <a:rPr lang="en-US" sz="1000" dirty="0" err="1">
-                <a:latin typeface="Menlo Regular"/>
-                <a:cs typeface="Menlo Regular"/>
-              </a:rPr>
-              <a:t>VolumeInfo</a:t>
-            </a:r>
-            <a:r>
-              <a:rPr lang="en-US" sz="1000" dirty="0">
-                <a:latin typeface="Menlo Regular"/>
-                <a:cs typeface="Menlo Regular"/>
+              <a:rPr lang="en-US" sz="1600" dirty="0" smtClean="0">
+                <a:latin typeface="Menlo Bold"/>
+                <a:cs typeface="Menlo Bold"/>
+              </a:rPr>
+              <a:t>Useful helper methods</a:t>
+            </a:r>
+          </a:p>
+          <a:p>
+            <a:pPr marL="36576" indent="0">
+              <a:buNone/>
+            </a:pPr>
+            <a:endParaRPr lang="en-US" sz="1600" dirty="0">
+              <a:latin typeface="Menlo Bold"/>
+              <a:cs typeface="Menlo Bold"/>
+            </a:endParaRPr>
+          </a:p>
+          <a:p>
+            <a:pPr marL="36576" indent="0">
+              <a:buNone/>
+            </a:pPr>
+            <a:r>
+              <a:rPr lang="en-US" sz="1200" dirty="0" smtClean="0">
+                <a:latin typeface="Menlo Bold"/>
+                <a:cs typeface="Menlo Bold"/>
+              </a:rPr>
+              <a:t>public class </a:t>
+            </a:r>
+            <a:r>
+              <a:rPr lang="en-US" sz="1200" dirty="0" err="1" smtClean="0">
+                <a:latin typeface="Menlo Bold"/>
+                <a:cs typeface="Menlo Bold"/>
+              </a:rPr>
+              <a:t>CollectionsUtils</a:t>
+            </a:r>
+            <a:r>
+              <a:rPr lang="en-US" sz="1200" dirty="0" smtClean="0">
+                <a:latin typeface="Menlo Bold"/>
+                <a:cs typeface="Menlo Bold"/>
+              </a:rPr>
+              <a:t> {</a:t>
+            </a:r>
+          </a:p>
+          <a:p>
+            <a:pPr marL="36576" indent="0">
+              <a:buNone/>
+            </a:pPr>
+            <a:r>
+              <a:rPr lang="en-US" sz="1200" dirty="0">
+                <a:latin typeface="Menlo Bold"/>
+                <a:cs typeface="Menlo Bold"/>
               </a:rPr>
               <a:t> </a:t>
             </a:r>
             <a:r>
-              <a:rPr lang="en-US" sz="1000" dirty="0">
-                <a:latin typeface="Menlo Regular"/>
-                <a:cs typeface="Menlo Regular"/>
-              </a:rPr>
-              <a:t>aggregate </a:t>
-            </a:r>
-            <a:r>
-              <a:rPr lang="en-US" sz="1000" dirty="0">
-                <a:latin typeface="Menlo Regular"/>
-                <a:cs typeface="Menlo Regular"/>
-              </a:rPr>
-              <a:t>= new </a:t>
-            </a:r>
-            <a:r>
-              <a:rPr lang="en-US" sz="1000" dirty="0" err="1">
-                <a:latin typeface="Menlo Regular"/>
-                <a:cs typeface="Menlo Regular"/>
-              </a:rPr>
-              <a:t>VolumeInfo</a:t>
-            </a:r>
-            <a:r>
-              <a:rPr lang="en-US" sz="1000" dirty="0">
-                <a:latin typeface="Menlo Regular"/>
-                <a:cs typeface="Menlo Regular"/>
+              <a:rPr lang="en-US" sz="1200" dirty="0" smtClean="0">
+                <a:latin typeface="Menlo Bold"/>
+                <a:cs typeface="Menlo Bold"/>
+              </a:rPr>
+              <a:t> public </a:t>
+            </a:r>
+            <a:r>
+              <a:rPr lang="en-US" sz="1200" dirty="0">
+                <a:latin typeface="Menlo Bold"/>
+                <a:cs typeface="Menlo Bold"/>
+              </a:rPr>
+              <a:t>static &lt;T&gt; Stream&lt;T&gt; </a:t>
+            </a:r>
+            <a:r>
+              <a:rPr lang="en-US" sz="1200" dirty="0" err="1">
+                <a:latin typeface="Menlo Bold"/>
+                <a:cs typeface="Menlo Bold"/>
+              </a:rPr>
+              <a:t>nonNullStream</a:t>
+            </a:r>
+            <a:r>
+              <a:rPr lang="en-US" sz="1200" dirty="0">
+                <a:latin typeface="Menlo Bold"/>
+                <a:cs typeface="Menlo Bold"/>
+              </a:rPr>
+              <a:t>(Collection&lt;T&gt; collection) {</a:t>
+            </a:r>
+            <a:br>
+              <a:rPr lang="en-US" sz="1200" dirty="0">
+                <a:latin typeface="Menlo Bold"/>
+                <a:cs typeface="Menlo Bold"/>
+              </a:rPr>
+            </a:br>
+            <a:r>
+              <a:rPr lang="en-US" sz="1200" dirty="0">
+                <a:latin typeface="Menlo Bold"/>
+                <a:cs typeface="Menlo Bold"/>
+              </a:rPr>
+              <a:t>    return collection == </a:t>
+            </a:r>
+            <a:r>
+              <a:rPr lang="en-US" sz="1200" dirty="0" smtClean="0">
+                <a:latin typeface="Menlo Bold"/>
+                <a:cs typeface="Menlo Bold"/>
+              </a:rPr>
+              <a:t>null ? </a:t>
+            </a:r>
+            <a:r>
+              <a:rPr lang="en-US" sz="1200" dirty="0" err="1" smtClean="0">
+                <a:latin typeface="Menlo Bold"/>
+                <a:cs typeface="Menlo Bold"/>
+              </a:rPr>
+              <a:t>Stream.empty</a:t>
+            </a:r>
+            <a:r>
+              <a:rPr lang="en-US" sz="1200" dirty="0">
+                <a:latin typeface="Menlo Bold"/>
+                <a:cs typeface="Menlo Bold"/>
               </a:rPr>
               <a:t>(</a:t>
             </a:r>
+            <a:r>
+              <a:rPr lang="en-US" sz="1200" dirty="0" smtClean="0">
+                <a:latin typeface="Menlo Bold"/>
+                <a:cs typeface="Menlo Bold"/>
+              </a:rPr>
+              <a:t>) : </a:t>
+            </a:r>
+            <a:r>
+              <a:rPr lang="en-US" sz="1200" dirty="0" err="1" smtClean="0">
+                <a:latin typeface="Menlo Bold"/>
+                <a:cs typeface="Menlo Bold"/>
+              </a:rPr>
+              <a:t>collection.stream</a:t>
+            </a:r>
+            <a:r>
+              <a:rPr lang="en-US" sz="1200" dirty="0">
+                <a:latin typeface="Menlo Bold"/>
+                <a:cs typeface="Menlo Bold"/>
+              </a:rPr>
+              <a:t>();</a:t>
+            </a:r>
             <a:br>
-              <a:rPr lang="en-US" sz="1000" dirty="0">
-                <a:latin typeface="Menlo Regular"/>
-                <a:cs typeface="Menlo Regular"/>
+              <a:rPr lang="en-US" sz="1200" dirty="0">
+                <a:latin typeface="Menlo Bold"/>
+                <a:cs typeface="Menlo Bold"/>
               </a:rPr>
             </a:br>
             <a:r>
-              <a:rPr lang="en-US" sz="1000" dirty="0">
-                <a:latin typeface="Menlo Regular"/>
-                <a:cs typeface="Menlo Regular"/>
-              </a:rPr>
-              <a:t>        </a:t>
-            </a:r>
-            <a:r>
-              <a:rPr lang="en-US" sz="1000" dirty="0" err="1">
-                <a:latin typeface="Menlo Regular"/>
-                <a:cs typeface="Menlo Regular"/>
-              </a:rPr>
-              <a:t>first</a:t>
-            </a:r>
-            <a:r>
-              <a:rPr lang="en-US" sz="1000" dirty="0" err="1">
-                <a:latin typeface="Menlo Regular"/>
-                <a:cs typeface="Menlo Regular"/>
+              <a:rPr lang="en-US" sz="1200" dirty="0" smtClean="0">
+                <a:latin typeface="Menlo Bold"/>
+                <a:cs typeface="Menlo Bold"/>
+              </a:rPr>
+              <a:t>  }</a:t>
+            </a:r>
+          </a:p>
+          <a:p>
+            <a:pPr marL="36576" indent="0">
+              <a:buNone/>
+            </a:pPr>
+            <a:r>
+              <a:rPr lang="en-US" sz="1200" dirty="0" smtClean="0">
+                <a:latin typeface="Menlo Bold"/>
+                <a:cs typeface="Menlo Bold"/>
+              </a:rPr>
+              <a:t>}</a:t>
+            </a:r>
+          </a:p>
+          <a:p>
+            <a:pPr marL="36576" indent="0">
+              <a:buNone/>
+            </a:pPr>
+            <a:endParaRPr lang="en-US" sz="1200" dirty="0">
+              <a:latin typeface="Menlo Bold"/>
+              <a:cs typeface="Menlo Bold"/>
+            </a:endParaRPr>
+          </a:p>
+          <a:p>
+            <a:pPr marL="36576" indent="0">
+              <a:buNone/>
+            </a:pPr>
+            <a:r>
+              <a:rPr lang="en-US" sz="1200" dirty="0">
+                <a:latin typeface="Menlo Bold"/>
+                <a:cs typeface="Menlo Bold"/>
+              </a:rPr>
+              <a:t>private </a:t>
+            </a:r>
+            <a:r>
+              <a:rPr lang="en-US" sz="1200" dirty="0" err="1">
+                <a:latin typeface="Menlo Bold"/>
+                <a:cs typeface="Menlo Bold"/>
+              </a:rPr>
+              <a:t>boolean</a:t>
+            </a:r>
+            <a:r>
+              <a:rPr lang="en-US" sz="1200" dirty="0">
+                <a:latin typeface="Menlo Bold"/>
+                <a:cs typeface="Menlo Bold"/>
+              </a:rPr>
+              <a:t> </a:t>
+            </a:r>
+            <a:r>
+              <a:rPr lang="en-US" sz="1200" dirty="0" err="1">
+                <a:latin typeface="Menlo Bold"/>
+                <a:cs typeface="Menlo Bold"/>
+              </a:rPr>
+              <a:t>categoryContainsContext</a:t>
+            </a:r>
+            <a:r>
+              <a:rPr lang="en-US" sz="1200" dirty="0">
+                <a:latin typeface="Menlo Bold"/>
+                <a:cs typeface="Menlo Bold"/>
+              </a:rPr>
+              <a:t>(String context, Category category) {</a:t>
+            </a:r>
+            <a:br>
+              <a:rPr lang="en-US" sz="1200" dirty="0">
+                <a:latin typeface="Menlo Bold"/>
+                <a:cs typeface="Menlo Bold"/>
+              </a:rPr>
+            </a:br>
+            <a:r>
+              <a:rPr lang="en-US" sz="1200" dirty="0">
+                <a:latin typeface="Menlo Bold"/>
+                <a:cs typeface="Menlo Bold"/>
+              </a:rPr>
+              <a:t>  </a:t>
+            </a:r>
+            <a:r>
+              <a:rPr lang="en-US" sz="1200" dirty="0" smtClean="0">
+                <a:latin typeface="Menlo Bold"/>
+                <a:cs typeface="Menlo Bold"/>
+              </a:rPr>
+              <a:t>return </a:t>
+            </a:r>
+            <a:r>
+              <a:rPr lang="en-US" sz="1200" dirty="0" err="1">
+                <a:latin typeface="Menlo Bold"/>
+                <a:cs typeface="Menlo Bold"/>
+              </a:rPr>
+              <a:t>CollectionsUtil.nonNullStream</a:t>
+            </a:r>
+            <a:r>
+              <a:rPr lang="en-US" sz="1200" dirty="0">
+                <a:latin typeface="Menlo Bold"/>
+                <a:cs typeface="Menlo Bold"/>
+              </a:rPr>
+              <a:t>(</a:t>
+            </a:r>
+            <a:r>
+              <a:rPr lang="en-US" sz="1200" dirty="0" err="1">
+                <a:latin typeface="Menlo Bold"/>
+                <a:cs typeface="Menlo Bold"/>
+              </a:rPr>
+              <a:t>category.getCategoryContexts</a:t>
+            </a:r>
+            <a:r>
+              <a:rPr lang="en-US" sz="1200" dirty="0">
+                <a:latin typeface="Menlo Bold"/>
+                <a:cs typeface="Menlo Bold"/>
+              </a:rPr>
+              <a:t>())</a:t>
+            </a:r>
+            <a:br>
+              <a:rPr lang="en-US" sz="1200" dirty="0">
+                <a:latin typeface="Menlo Bold"/>
+                <a:cs typeface="Menlo Bold"/>
+              </a:rPr>
+            </a:br>
+            <a:r>
+              <a:rPr lang="en-US" sz="1200" dirty="0">
+                <a:latin typeface="Menlo Bold"/>
+                <a:cs typeface="Menlo Bold"/>
+              </a:rPr>
+              <a:t>  </a:t>
+            </a:r>
+            <a:r>
+              <a:rPr lang="en-US" sz="1200" dirty="0" smtClean="0">
+                <a:latin typeface="Menlo Bold"/>
+                <a:cs typeface="Menlo Bold"/>
+              </a:rPr>
+              <a:t>  </a:t>
+            </a:r>
+            <a:r>
+              <a:rPr lang="en-US" sz="1200" dirty="0">
+                <a:latin typeface="Menlo Bold"/>
+                <a:cs typeface="Menlo Bold"/>
+              </a:rPr>
+              <a:t>.map(</a:t>
+            </a:r>
+            <a:r>
+              <a:rPr lang="en-US" sz="1200" dirty="0" err="1">
+                <a:latin typeface="Menlo Bold"/>
+                <a:cs typeface="Menlo Bold"/>
+              </a:rPr>
+              <a:t>CategoryContext</a:t>
+            </a:r>
+            <a:r>
+              <a:rPr lang="en-US" sz="1200" dirty="0">
+                <a:latin typeface="Menlo Bold"/>
+                <a:cs typeface="Menlo Bold"/>
+              </a:rPr>
+              <a:t>::</a:t>
+            </a:r>
+            <a:r>
+              <a:rPr lang="en-US" sz="1200" dirty="0" err="1">
+                <a:latin typeface="Menlo Bold"/>
+                <a:cs typeface="Menlo Bold"/>
+              </a:rPr>
+              <a:t>getCategoryContextType</a:t>
+            </a:r>
+            <a:r>
+              <a:rPr lang="en-US" sz="1200" dirty="0">
+                <a:latin typeface="Menlo Bold"/>
+                <a:cs typeface="Menlo Bold"/>
+              </a:rPr>
+              <a:t>)</a:t>
+            </a:r>
+            <a:br>
+              <a:rPr lang="en-US" sz="1200" dirty="0">
+                <a:latin typeface="Menlo Bold"/>
+                <a:cs typeface="Menlo Bold"/>
+              </a:rPr>
+            </a:br>
+            <a:r>
+              <a:rPr lang="en-US" sz="1200" dirty="0">
+                <a:latin typeface="Menlo Bold"/>
+                <a:cs typeface="Menlo Bold"/>
+              </a:rPr>
+              <a:t>  </a:t>
+            </a:r>
+            <a:r>
+              <a:rPr lang="en-US" sz="1200" dirty="0" smtClean="0">
+                <a:latin typeface="Menlo Bold"/>
+                <a:cs typeface="Menlo Bold"/>
+              </a:rPr>
+              <a:t>  </a:t>
+            </a:r>
+            <a:r>
+              <a:rPr lang="en-US" sz="1200" dirty="0">
+                <a:latin typeface="Menlo Bold"/>
+                <a:cs typeface="Menlo Bold"/>
+              </a:rPr>
+              <a:t>.map(</a:t>
+            </a:r>
+            <a:r>
+              <a:rPr lang="en-US" sz="1200" dirty="0" err="1">
+                <a:latin typeface="Menlo Bold"/>
+                <a:cs typeface="Menlo Bold"/>
+              </a:rPr>
+              <a:t>CategoryContextType</a:t>
+            </a:r>
+            <a:r>
+              <a:rPr lang="en-US" sz="1200" dirty="0">
+                <a:latin typeface="Menlo Bold"/>
+                <a:cs typeface="Menlo Bold"/>
+              </a:rPr>
+              <a:t>::name)</a:t>
+            </a:r>
+            <a:br>
+              <a:rPr lang="en-US" sz="1200" dirty="0">
+                <a:latin typeface="Menlo Bold"/>
+                <a:cs typeface="Menlo Bold"/>
+              </a:rPr>
+            </a:br>
+            <a:r>
+              <a:rPr lang="en-US" sz="1200" dirty="0">
+                <a:latin typeface="Menlo Bold"/>
+                <a:cs typeface="Menlo Bold"/>
+              </a:rPr>
+              <a:t>  </a:t>
+            </a:r>
+            <a:r>
+              <a:rPr lang="en-US" sz="1200" dirty="0" smtClean="0">
+                <a:latin typeface="Menlo Bold"/>
+                <a:cs typeface="Menlo Bold"/>
+              </a:rPr>
+              <a:t>  </a:t>
+            </a:r>
+            <a:r>
+              <a:rPr lang="en-US" sz="1200" dirty="0">
+                <a:latin typeface="Menlo Bold"/>
+                <a:cs typeface="Menlo Bold"/>
               </a:rPr>
               <a:t>.</a:t>
             </a:r>
             <a:r>
-              <a:rPr lang="en-US" sz="1000" dirty="0" err="1">
-                <a:latin typeface="Menlo Regular"/>
-                <a:cs typeface="Menlo Regular"/>
-              </a:rPr>
-              <a:t>getBusinessCenterId</a:t>
-            </a:r>
-            <a:r>
-              <a:rPr lang="en-US" sz="1000" dirty="0">
-                <a:latin typeface="Menlo Regular"/>
-                <a:cs typeface="Menlo Regular"/>
-              </a:rPr>
-              <a:t>(),</a:t>
+              <a:rPr lang="en-US" sz="1200" dirty="0" err="1">
+                <a:latin typeface="Menlo Bold"/>
+                <a:cs typeface="Menlo Bold"/>
+              </a:rPr>
+              <a:t>anyMatch</a:t>
+            </a:r>
+            <a:r>
+              <a:rPr lang="en-US" sz="1200" dirty="0">
+                <a:latin typeface="Menlo Bold"/>
+                <a:cs typeface="Menlo Bold"/>
+              </a:rPr>
+              <a:t>(</a:t>
+            </a:r>
+            <a:r>
+              <a:rPr lang="en-US" sz="1200" dirty="0" err="1">
+                <a:latin typeface="Menlo Bold"/>
+                <a:cs typeface="Menlo Bold"/>
+              </a:rPr>
+              <a:t>categoryContext</a:t>
+            </a:r>
+            <a:r>
+              <a:rPr lang="en-US" sz="1200" dirty="0">
+                <a:latin typeface="Menlo Bold"/>
+                <a:cs typeface="Menlo Bold"/>
+              </a:rPr>
+              <a:t> -&gt; </a:t>
+            </a:r>
+            <a:r>
+              <a:rPr lang="en-US" sz="1200" dirty="0" err="1">
+                <a:latin typeface="Menlo Bold"/>
+                <a:cs typeface="Menlo Bold"/>
+              </a:rPr>
+              <a:t>StringUtils.equals</a:t>
+            </a:r>
+            <a:r>
+              <a:rPr lang="en-US" sz="1200" dirty="0">
+                <a:latin typeface="Menlo Bold"/>
+                <a:cs typeface="Menlo Bold"/>
+              </a:rPr>
+              <a:t>(context, </a:t>
+            </a:r>
+            <a:r>
+              <a:rPr lang="en-US" sz="1200" dirty="0" err="1">
+                <a:latin typeface="Menlo Bold"/>
+                <a:cs typeface="Menlo Bold"/>
+              </a:rPr>
+              <a:t>categoryContext</a:t>
+            </a:r>
+            <a:r>
+              <a:rPr lang="en-US" sz="1200" dirty="0">
+                <a:latin typeface="Menlo Bold"/>
+                <a:cs typeface="Menlo Bold"/>
+              </a:rPr>
+              <a:t>));</a:t>
             </a:r>
             <a:br>
-              <a:rPr lang="en-US" sz="1000" dirty="0">
-                <a:latin typeface="Menlo Regular"/>
-                <a:cs typeface="Menlo Regular"/>
+              <a:rPr lang="en-US" sz="1200" dirty="0">
+                <a:latin typeface="Menlo Bold"/>
+                <a:cs typeface="Menlo Bold"/>
               </a:rPr>
             </a:br>
             <a:r>
-              <a:rPr lang="en-US" sz="1000" dirty="0">
-                <a:latin typeface="Menlo Regular"/>
-                <a:cs typeface="Menlo Regular"/>
-              </a:rPr>
-              <a:t>        </a:t>
-            </a:r>
-            <a:r>
-              <a:rPr lang="en-US" sz="1000" dirty="0" err="1">
-                <a:latin typeface="Menlo Regular"/>
-                <a:cs typeface="Menlo Regular"/>
-              </a:rPr>
-              <a:t>first</a:t>
-            </a:r>
-            <a:r>
-              <a:rPr lang="en-US" sz="1000" dirty="0" err="1">
-                <a:latin typeface="Menlo Regular"/>
-                <a:cs typeface="Menlo Regular"/>
-              </a:rPr>
-              <a:t>.</a:t>
-            </a:r>
-            <a:r>
-              <a:rPr lang="en-US" sz="1000" dirty="0" err="1">
-                <a:latin typeface="Menlo Regular"/>
-                <a:cs typeface="Menlo Regular"/>
-              </a:rPr>
-              <a:t>getCustomerId</a:t>
-            </a:r>
-            <a:r>
-              <a:rPr lang="en-US" sz="1000" dirty="0">
-                <a:latin typeface="Menlo Regular"/>
-                <a:cs typeface="Menlo Regular"/>
-              </a:rPr>
-              <a:t>(),</a:t>
-            </a:r>
-            <a:br>
-              <a:rPr lang="en-US" sz="1000" dirty="0">
-                <a:latin typeface="Menlo Regular"/>
-                <a:cs typeface="Menlo Regular"/>
-              </a:rPr>
-            </a:br>
-            <a:r>
-              <a:rPr lang="en-US" sz="1000" dirty="0">
-                <a:latin typeface="Menlo Regular"/>
-                <a:cs typeface="Menlo Regular"/>
-              </a:rPr>
-              <a:t>        </a:t>
-            </a:r>
-            <a:r>
-              <a:rPr lang="en-US" sz="1000" dirty="0" err="1">
-                <a:latin typeface="Menlo Regular"/>
-                <a:cs typeface="Menlo Regular"/>
-              </a:rPr>
-              <a:t>volumes</a:t>
-            </a:r>
-            <a:r>
-              <a:rPr lang="en-US" sz="1000" dirty="0" err="1">
-                <a:latin typeface="Menlo Regular"/>
-                <a:cs typeface="Menlo Regular"/>
-              </a:rPr>
-              <a:t>.</a:t>
-            </a:r>
-            <a:r>
-              <a:rPr lang="en-US" sz="1000" dirty="0" err="1">
-                <a:latin typeface="Menlo Regular"/>
-                <a:cs typeface="Menlo Regular"/>
-              </a:rPr>
-              <a:t>stream</a:t>
-            </a:r>
-            <a:r>
-              <a:rPr lang="en-US" sz="1000" dirty="0">
-                <a:latin typeface="Menlo Regular"/>
-                <a:cs typeface="Menlo Regular"/>
-              </a:rPr>
-              <a:t>().</a:t>
-            </a:r>
-            <a:r>
-              <a:rPr lang="en-US" sz="1000" dirty="0" err="1">
-                <a:latin typeface="Menlo Regular"/>
-                <a:cs typeface="Menlo Regular"/>
-              </a:rPr>
-              <a:t>mapToDouble</a:t>
-            </a:r>
-            <a:r>
-              <a:rPr lang="en-US" sz="1000" dirty="0" smtClean="0">
-                <a:latin typeface="Menlo Regular"/>
-                <a:cs typeface="Menlo Regular"/>
-              </a:rPr>
-              <a:t>(vi </a:t>
-            </a:r>
-            <a:r>
-              <a:rPr lang="en-US" sz="1000" dirty="0">
-                <a:latin typeface="Menlo Regular"/>
-                <a:cs typeface="Menlo Regular"/>
-              </a:rPr>
-              <a:t>-&gt; </a:t>
-            </a:r>
-            <a:r>
-              <a:rPr lang="en-US" sz="1000" dirty="0" err="1">
-                <a:latin typeface="Menlo Regular"/>
-                <a:cs typeface="Menlo Regular"/>
-              </a:rPr>
-              <a:t>Math.min</a:t>
-            </a:r>
-            <a:r>
-              <a:rPr lang="en-US" sz="1000" dirty="0">
-                <a:latin typeface="Menlo Regular"/>
-                <a:cs typeface="Menlo Regular"/>
-              </a:rPr>
-              <a:t>(</a:t>
-            </a:r>
-            <a:r>
-              <a:rPr lang="en-US" sz="1000" dirty="0" err="1">
-                <a:latin typeface="Menlo Regular"/>
-                <a:cs typeface="Menlo Regular"/>
-              </a:rPr>
-              <a:t>vi</a:t>
-            </a:r>
-            <a:r>
-              <a:rPr lang="en-US" sz="1000" dirty="0" err="1">
-                <a:latin typeface="Menlo Regular"/>
-                <a:cs typeface="Menlo Regular"/>
-              </a:rPr>
-              <a:t>.</a:t>
-            </a:r>
-            <a:r>
-              <a:rPr lang="en-US" sz="1000" dirty="0" err="1">
-                <a:latin typeface="Menlo Regular"/>
-                <a:cs typeface="Menlo Regular"/>
-              </a:rPr>
-              <a:t>getPvAmt</a:t>
-            </a:r>
-            <a:r>
-              <a:rPr lang="en-US" sz="1000" dirty="0">
-                <a:latin typeface="Menlo Regular"/>
-                <a:cs typeface="Menlo Regular"/>
-              </a:rPr>
-              <a:t>(), </a:t>
-            </a:r>
-            <a:r>
-              <a:rPr lang="en-US" sz="1000" dirty="0" err="1">
-                <a:latin typeface="Menlo Regular"/>
-                <a:cs typeface="Menlo Regular"/>
-              </a:rPr>
-              <a:t>Constants.FIVE_THOUSAND</a:t>
-            </a:r>
-            <a:r>
-              <a:rPr lang="en-US" sz="1000" dirty="0">
-                <a:latin typeface="Menlo Regular"/>
-                <a:cs typeface="Menlo Regular"/>
-              </a:rPr>
-              <a:t>)).</a:t>
-            </a:r>
-            <a:r>
-              <a:rPr lang="en-US" sz="1000" dirty="0">
-                <a:latin typeface="Menlo Regular"/>
-                <a:cs typeface="Menlo Regular"/>
-              </a:rPr>
-              <a:t>sum</a:t>
-            </a:r>
-            <a:r>
-              <a:rPr lang="en-US" sz="1000" dirty="0">
-                <a:latin typeface="Menlo Regular"/>
-                <a:cs typeface="Menlo Regular"/>
-              </a:rPr>
-              <a:t>(),</a:t>
-            </a:r>
-            <a:br>
-              <a:rPr lang="en-US" sz="1000" dirty="0">
-                <a:latin typeface="Menlo Regular"/>
-                <a:cs typeface="Menlo Regular"/>
-              </a:rPr>
-            </a:br>
-            <a:r>
-              <a:rPr lang="en-US" sz="1000" dirty="0">
-                <a:latin typeface="Menlo Regular"/>
-                <a:cs typeface="Menlo Regular"/>
-              </a:rPr>
-              <a:t>        </a:t>
-            </a:r>
-            <a:r>
-              <a:rPr lang="en-US" sz="1000" dirty="0" err="1">
-                <a:latin typeface="Menlo Regular"/>
-                <a:cs typeface="Menlo Regular"/>
-              </a:rPr>
-              <a:t>volumes</a:t>
-            </a:r>
-            <a:r>
-              <a:rPr lang="en-US" sz="1000" dirty="0" err="1">
-                <a:latin typeface="Menlo Regular"/>
-                <a:cs typeface="Menlo Regular"/>
-              </a:rPr>
-              <a:t>.</a:t>
-            </a:r>
-            <a:r>
-              <a:rPr lang="en-US" sz="1000" dirty="0" err="1">
-                <a:latin typeface="Menlo Regular"/>
-                <a:cs typeface="Menlo Regular"/>
-              </a:rPr>
-              <a:t>stream</a:t>
-            </a:r>
-            <a:r>
-              <a:rPr lang="en-US" sz="1000" dirty="0">
-                <a:latin typeface="Menlo Regular"/>
-                <a:cs typeface="Menlo Regular"/>
-              </a:rPr>
-              <a:t>().</a:t>
-            </a:r>
-            <a:r>
-              <a:rPr lang="en-US" sz="1000" dirty="0" err="1">
-                <a:latin typeface="Menlo Regular"/>
-                <a:cs typeface="Menlo Regular"/>
-              </a:rPr>
-              <a:t>mapToDouble</a:t>
-            </a:r>
-            <a:r>
-              <a:rPr lang="en-US" sz="1000" dirty="0" smtClean="0">
-                <a:latin typeface="Menlo Regular"/>
-                <a:cs typeface="Menlo Regular"/>
-              </a:rPr>
-              <a:t>(vi </a:t>
-            </a:r>
-            <a:r>
-              <a:rPr lang="en-US" sz="1000" dirty="0">
-                <a:latin typeface="Menlo Regular"/>
-                <a:cs typeface="Menlo Regular"/>
-              </a:rPr>
-              <a:t>-&gt; </a:t>
-            </a:r>
-            <a:r>
-              <a:rPr lang="en-US" sz="1000" dirty="0" err="1">
-                <a:latin typeface="Menlo Regular"/>
-                <a:cs typeface="Menlo Regular"/>
-              </a:rPr>
-              <a:t>Math.min</a:t>
-            </a:r>
-            <a:r>
-              <a:rPr lang="en-US" sz="1000" dirty="0">
-                <a:latin typeface="Menlo Regular"/>
-                <a:cs typeface="Menlo Regular"/>
-              </a:rPr>
-              <a:t>(</a:t>
-            </a:r>
-            <a:r>
-              <a:rPr lang="en-US" sz="1000" dirty="0" err="1">
-                <a:latin typeface="Menlo Regular"/>
-                <a:cs typeface="Menlo Regular"/>
-              </a:rPr>
-              <a:t>vi</a:t>
-            </a:r>
-            <a:r>
-              <a:rPr lang="en-US" sz="1000" dirty="0" err="1">
-                <a:latin typeface="Menlo Regular"/>
-                <a:cs typeface="Menlo Regular"/>
-              </a:rPr>
-              <a:t>.</a:t>
-            </a:r>
-            <a:r>
-              <a:rPr lang="en-US" sz="1000" dirty="0" err="1">
-                <a:latin typeface="Menlo Regular"/>
-                <a:cs typeface="Menlo Regular"/>
-              </a:rPr>
-              <a:t>getLeftVolume</a:t>
-            </a:r>
-            <a:r>
-              <a:rPr lang="en-US" sz="1000" dirty="0">
-                <a:latin typeface="Menlo Regular"/>
-                <a:cs typeface="Menlo Regular"/>
-              </a:rPr>
-              <a:t>(), </a:t>
-            </a:r>
-            <a:r>
-              <a:rPr lang="en-US" sz="1000" dirty="0" err="1">
-                <a:latin typeface="Menlo Regular"/>
-                <a:cs typeface="Menlo Regular"/>
-              </a:rPr>
-              <a:t>Constants.FIVE_THOUSAND</a:t>
-            </a:r>
-            <a:r>
-              <a:rPr lang="en-US" sz="1000" dirty="0">
-                <a:latin typeface="Menlo Regular"/>
-                <a:cs typeface="Menlo Regular"/>
-              </a:rPr>
-              <a:t>)).</a:t>
-            </a:r>
-            <a:r>
-              <a:rPr lang="en-US" sz="1000" dirty="0">
-                <a:latin typeface="Menlo Regular"/>
-                <a:cs typeface="Menlo Regular"/>
-              </a:rPr>
-              <a:t>sum</a:t>
-            </a:r>
-            <a:r>
-              <a:rPr lang="en-US" sz="1000" dirty="0">
-                <a:latin typeface="Menlo Regular"/>
-                <a:cs typeface="Menlo Regular"/>
-              </a:rPr>
-              <a:t>(),</a:t>
-            </a:r>
-            <a:br>
-              <a:rPr lang="en-US" sz="1000" dirty="0">
-                <a:latin typeface="Menlo Regular"/>
-                <a:cs typeface="Menlo Regular"/>
-              </a:rPr>
-            </a:br>
-            <a:r>
-              <a:rPr lang="en-US" sz="1000" dirty="0">
-                <a:latin typeface="Menlo Regular"/>
-                <a:cs typeface="Menlo Regular"/>
-              </a:rPr>
-              <a:t>        </a:t>
-            </a:r>
-            <a:r>
-              <a:rPr lang="en-US" sz="1000" dirty="0" err="1">
-                <a:latin typeface="Menlo Regular"/>
-                <a:cs typeface="Menlo Regular"/>
-              </a:rPr>
-              <a:t>volumes</a:t>
-            </a:r>
-            <a:r>
-              <a:rPr lang="en-US" sz="1000" dirty="0" err="1">
-                <a:latin typeface="Menlo Regular"/>
-                <a:cs typeface="Menlo Regular"/>
-              </a:rPr>
-              <a:t>.</a:t>
-            </a:r>
-            <a:r>
-              <a:rPr lang="en-US" sz="1000" dirty="0" err="1">
-                <a:latin typeface="Menlo Regular"/>
-                <a:cs typeface="Menlo Regular"/>
-              </a:rPr>
-              <a:t>stream</a:t>
-            </a:r>
-            <a:r>
-              <a:rPr lang="en-US" sz="1000" dirty="0">
-                <a:latin typeface="Menlo Regular"/>
-                <a:cs typeface="Menlo Regular"/>
-              </a:rPr>
-              <a:t>().</a:t>
-            </a:r>
-            <a:r>
-              <a:rPr lang="en-US" sz="1000" dirty="0" err="1">
-                <a:latin typeface="Menlo Regular"/>
-                <a:cs typeface="Menlo Regular"/>
-              </a:rPr>
-              <a:t>mapToDouble</a:t>
-            </a:r>
-            <a:r>
-              <a:rPr lang="en-US" sz="1000" dirty="0">
-                <a:latin typeface="Menlo Regular"/>
-                <a:cs typeface="Menlo Regular"/>
-              </a:rPr>
-              <a:t>(</a:t>
-            </a:r>
-            <a:r>
-              <a:rPr lang="en-US" sz="1000" dirty="0">
-                <a:latin typeface="Menlo Regular"/>
-                <a:cs typeface="Menlo Regular"/>
-              </a:rPr>
-              <a:t>vi -&gt; </a:t>
-            </a:r>
-            <a:r>
-              <a:rPr lang="en-US" sz="1000" dirty="0" err="1">
-                <a:latin typeface="Menlo Regular"/>
-                <a:cs typeface="Menlo Regular"/>
-              </a:rPr>
-              <a:t>Math.min</a:t>
-            </a:r>
-            <a:r>
-              <a:rPr lang="en-US" sz="1000" dirty="0">
-                <a:latin typeface="Menlo Regular"/>
-                <a:cs typeface="Menlo Regular"/>
-              </a:rPr>
-              <a:t>(</a:t>
-            </a:r>
-            <a:r>
-              <a:rPr lang="en-US" sz="1000" dirty="0" err="1">
-                <a:latin typeface="Menlo Regular"/>
-                <a:cs typeface="Menlo Regular"/>
-              </a:rPr>
-              <a:t>vi</a:t>
-            </a:r>
-            <a:r>
-              <a:rPr lang="en-US" sz="1000" dirty="0" err="1">
-                <a:latin typeface="Menlo Regular"/>
-                <a:cs typeface="Menlo Regular"/>
-              </a:rPr>
-              <a:t>.</a:t>
-            </a:r>
-            <a:r>
-              <a:rPr lang="en-US" sz="1000" dirty="0" err="1">
-                <a:latin typeface="Menlo Regular"/>
-                <a:cs typeface="Menlo Regular"/>
-              </a:rPr>
-              <a:t>getRightVolume</a:t>
-            </a:r>
-            <a:r>
-              <a:rPr lang="en-US" sz="1000" dirty="0">
-                <a:latin typeface="Menlo Regular"/>
-                <a:cs typeface="Menlo Regular"/>
-              </a:rPr>
-              <a:t>(), </a:t>
-            </a:r>
-            <a:r>
-              <a:rPr lang="en-US" sz="1000" dirty="0" err="1">
-                <a:latin typeface="Menlo Regular"/>
-                <a:cs typeface="Menlo Regular"/>
-              </a:rPr>
-              <a:t>Constants.FIVE_THOUSAND</a:t>
-            </a:r>
-            <a:r>
-              <a:rPr lang="en-US" sz="1000" dirty="0">
-                <a:latin typeface="Menlo Regular"/>
-                <a:cs typeface="Menlo Regular"/>
-              </a:rPr>
-              <a:t>)).</a:t>
-            </a:r>
-            <a:r>
-              <a:rPr lang="en-US" sz="1000" dirty="0">
-                <a:latin typeface="Menlo Regular"/>
-                <a:cs typeface="Menlo Regular"/>
-              </a:rPr>
-              <a:t>sum</a:t>
-            </a:r>
-            <a:r>
-              <a:rPr lang="en-US" sz="1000" dirty="0">
-                <a:latin typeface="Menlo Regular"/>
-                <a:cs typeface="Menlo Regular"/>
-              </a:rPr>
-              <a:t>(),</a:t>
-            </a:r>
-            <a:br>
-              <a:rPr lang="en-US" sz="1000" dirty="0">
-                <a:latin typeface="Menlo Regular"/>
-                <a:cs typeface="Menlo Regular"/>
-              </a:rPr>
-            </a:br>
-            <a:r>
-              <a:rPr lang="en-US" sz="1000" dirty="0">
-                <a:latin typeface="Menlo Regular"/>
-                <a:cs typeface="Menlo Regular"/>
-              </a:rPr>
-              <a:t>        </a:t>
-            </a:r>
-            <a:r>
-              <a:rPr lang="en-US" sz="1000" dirty="0" err="1">
-                <a:latin typeface="Menlo Regular"/>
-                <a:cs typeface="Menlo Regular"/>
-              </a:rPr>
-              <a:t>volumes</a:t>
-            </a:r>
-            <a:r>
-              <a:rPr lang="en-US" sz="1000" dirty="0" err="1">
-                <a:latin typeface="Menlo Regular"/>
-                <a:cs typeface="Menlo Regular"/>
-              </a:rPr>
-              <a:t>.</a:t>
-            </a:r>
-            <a:r>
-              <a:rPr lang="en-US" sz="1000" dirty="0" err="1">
-                <a:latin typeface="Menlo Regular"/>
-                <a:cs typeface="Menlo Regular"/>
-              </a:rPr>
-              <a:t>stream</a:t>
-            </a:r>
-            <a:r>
-              <a:rPr lang="en-US" sz="1000" dirty="0">
-                <a:latin typeface="Menlo Regular"/>
-                <a:cs typeface="Menlo Regular"/>
-              </a:rPr>
-              <a:t>().</a:t>
-            </a:r>
-            <a:r>
-              <a:rPr lang="en-US" sz="1000" dirty="0" err="1">
-                <a:latin typeface="Menlo Regular"/>
-                <a:cs typeface="Menlo Regular"/>
-              </a:rPr>
-              <a:t>mapToDouble</a:t>
-            </a:r>
-            <a:r>
-              <a:rPr lang="en-US" sz="1000" dirty="0">
-                <a:latin typeface="Menlo Regular"/>
-                <a:cs typeface="Menlo Regular"/>
-              </a:rPr>
-              <a:t>(</a:t>
-            </a:r>
-            <a:r>
-              <a:rPr lang="en-US" sz="1000" dirty="0">
-                <a:latin typeface="Menlo Regular"/>
-                <a:cs typeface="Menlo Regular"/>
-              </a:rPr>
-              <a:t>vi -&gt; </a:t>
-            </a:r>
-            <a:r>
-              <a:rPr lang="en-US" sz="1000" dirty="0" err="1">
-                <a:latin typeface="Menlo Regular"/>
-                <a:cs typeface="Menlo Regular"/>
-              </a:rPr>
-              <a:t>Math.min</a:t>
-            </a:r>
-            <a:r>
-              <a:rPr lang="en-US" sz="1000" dirty="0">
-                <a:latin typeface="Menlo Regular"/>
-                <a:cs typeface="Menlo Regular"/>
-              </a:rPr>
-              <a:t>(</a:t>
-            </a:r>
-            <a:r>
-              <a:rPr lang="en-US" sz="1000" dirty="0" err="1">
-                <a:latin typeface="Menlo Regular"/>
-                <a:cs typeface="Menlo Regular"/>
-              </a:rPr>
-              <a:t>vi</a:t>
-            </a:r>
-            <a:r>
-              <a:rPr lang="en-US" sz="1000" dirty="0" err="1">
-                <a:latin typeface="Menlo Regular"/>
-                <a:cs typeface="Menlo Regular"/>
-              </a:rPr>
-              <a:t>.</a:t>
-            </a:r>
-            <a:r>
-              <a:rPr lang="en-US" sz="1000" dirty="0" err="1">
-                <a:latin typeface="Menlo Regular"/>
-                <a:cs typeface="Menlo Regular"/>
-              </a:rPr>
-              <a:t>getLeftCarryOver</a:t>
-            </a:r>
-            <a:r>
-              <a:rPr lang="en-US" sz="1000" dirty="0">
-                <a:latin typeface="Menlo Regular"/>
-                <a:cs typeface="Menlo Regular"/>
-              </a:rPr>
-              <a:t>(), </a:t>
-            </a:r>
-            <a:r>
-              <a:rPr lang="en-US" sz="1000" dirty="0" err="1">
-                <a:latin typeface="Menlo Regular"/>
-                <a:cs typeface="Menlo Regular"/>
-              </a:rPr>
-              <a:t>Constants.FIVE_THOUSAND</a:t>
-            </a:r>
-            <a:r>
-              <a:rPr lang="en-US" sz="1000" dirty="0">
-                <a:latin typeface="Menlo Regular"/>
-                <a:cs typeface="Menlo Regular"/>
-              </a:rPr>
-              <a:t>)).</a:t>
-            </a:r>
-            <a:r>
-              <a:rPr lang="en-US" sz="1000" dirty="0">
-                <a:latin typeface="Menlo Regular"/>
-                <a:cs typeface="Menlo Regular"/>
-              </a:rPr>
-              <a:t>sum</a:t>
-            </a:r>
-            <a:r>
-              <a:rPr lang="en-US" sz="1000" dirty="0">
-                <a:latin typeface="Menlo Regular"/>
-                <a:cs typeface="Menlo Regular"/>
-              </a:rPr>
-              <a:t>(),</a:t>
-            </a:r>
-            <a:br>
-              <a:rPr lang="en-US" sz="1000" dirty="0">
-                <a:latin typeface="Menlo Regular"/>
-                <a:cs typeface="Menlo Regular"/>
-              </a:rPr>
-            </a:br>
-            <a:r>
-              <a:rPr lang="en-US" sz="1000" dirty="0">
-                <a:latin typeface="Menlo Regular"/>
-                <a:cs typeface="Menlo Regular"/>
-              </a:rPr>
-              <a:t>        </a:t>
-            </a:r>
-            <a:r>
-              <a:rPr lang="en-US" sz="1000" dirty="0" err="1">
-                <a:latin typeface="Menlo Regular"/>
-                <a:cs typeface="Menlo Regular"/>
-              </a:rPr>
-              <a:t>volumes</a:t>
-            </a:r>
-            <a:r>
-              <a:rPr lang="en-US" sz="1000" dirty="0" err="1">
-                <a:latin typeface="Menlo Regular"/>
-                <a:cs typeface="Menlo Regular"/>
-              </a:rPr>
-              <a:t>.</a:t>
-            </a:r>
-            <a:r>
-              <a:rPr lang="en-US" sz="1000" dirty="0" err="1">
-                <a:latin typeface="Menlo Regular"/>
-                <a:cs typeface="Menlo Regular"/>
-              </a:rPr>
-              <a:t>stream</a:t>
-            </a:r>
-            <a:r>
-              <a:rPr lang="en-US" sz="1000" dirty="0">
-                <a:latin typeface="Menlo Regular"/>
-                <a:cs typeface="Menlo Regular"/>
-              </a:rPr>
-              <a:t>().</a:t>
-            </a:r>
-            <a:r>
-              <a:rPr lang="en-US" sz="1000" dirty="0" err="1">
-                <a:latin typeface="Menlo Regular"/>
-                <a:cs typeface="Menlo Regular"/>
-              </a:rPr>
-              <a:t>mapToDouble</a:t>
-            </a:r>
-            <a:r>
-              <a:rPr lang="en-US" sz="1000" dirty="0">
-                <a:latin typeface="Menlo Regular"/>
-                <a:cs typeface="Menlo Regular"/>
-              </a:rPr>
-              <a:t>(</a:t>
-            </a:r>
-            <a:r>
-              <a:rPr lang="en-US" sz="1000" dirty="0">
-                <a:latin typeface="Menlo Regular"/>
-                <a:cs typeface="Menlo Regular"/>
-              </a:rPr>
-              <a:t>vi -&gt; </a:t>
-            </a:r>
-            <a:r>
-              <a:rPr lang="en-US" sz="1000" dirty="0" err="1">
-                <a:latin typeface="Menlo Regular"/>
-                <a:cs typeface="Menlo Regular"/>
-              </a:rPr>
-              <a:t>Math.min</a:t>
-            </a:r>
-            <a:r>
-              <a:rPr lang="en-US" sz="1000" dirty="0">
-                <a:latin typeface="Menlo Regular"/>
-                <a:cs typeface="Menlo Regular"/>
-              </a:rPr>
-              <a:t>(</a:t>
-            </a:r>
-            <a:r>
-              <a:rPr lang="en-US" sz="1000" dirty="0" err="1">
-                <a:latin typeface="Menlo Regular"/>
-                <a:cs typeface="Menlo Regular"/>
-              </a:rPr>
-              <a:t>vi</a:t>
-            </a:r>
-            <a:r>
-              <a:rPr lang="en-US" sz="1000" dirty="0" err="1">
-                <a:latin typeface="Menlo Regular"/>
-                <a:cs typeface="Menlo Regular"/>
-              </a:rPr>
-              <a:t>.</a:t>
-            </a:r>
-            <a:r>
-              <a:rPr lang="en-US" sz="1000" dirty="0" err="1">
-                <a:latin typeface="Menlo Regular"/>
-                <a:cs typeface="Menlo Regular"/>
-              </a:rPr>
-              <a:t>getRightCarryOver</a:t>
-            </a:r>
-            <a:r>
-              <a:rPr lang="en-US" sz="1000" dirty="0">
-                <a:latin typeface="Menlo Regular"/>
-                <a:cs typeface="Menlo Regular"/>
-              </a:rPr>
-              <a:t>(), </a:t>
-            </a:r>
-            <a:r>
-              <a:rPr lang="en-US" sz="1000" dirty="0" err="1">
-                <a:latin typeface="Menlo Regular"/>
-                <a:cs typeface="Menlo Regular"/>
-              </a:rPr>
-              <a:t>Constants.FIVE_THOUSAND</a:t>
-            </a:r>
-            <a:r>
-              <a:rPr lang="en-US" sz="1000" dirty="0">
-                <a:latin typeface="Menlo Regular"/>
-                <a:cs typeface="Menlo Regular"/>
-              </a:rPr>
-              <a:t>)).</a:t>
-            </a:r>
-            <a:r>
-              <a:rPr lang="en-US" sz="1000" dirty="0">
-                <a:latin typeface="Menlo Regular"/>
-                <a:cs typeface="Menlo Regular"/>
-              </a:rPr>
-              <a:t>sum</a:t>
-            </a:r>
-            <a:r>
-              <a:rPr lang="en-US" sz="1000" dirty="0">
-                <a:latin typeface="Menlo Regular"/>
-                <a:cs typeface="Menlo Regular"/>
-              </a:rPr>
-              <a:t>(),</a:t>
-            </a:r>
-            <a:br>
-              <a:rPr lang="en-US" sz="1000" dirty="0">
-                <a:latin typeface="Menlo Regular"/>
-                <a:cs typeface="Menlo Regular"/>
-              </a:rPr>
-            </a:br>
-            <a:r>
-              <a:rPr lang="en-US" sz="1000" dirty="0">
-                <a:latin typeface="Menlo Regular"/>
-                <a:cs typeface="Menlo Regular"/>
-              </a:rPr>
-              <a:t>        </a:t>
-            </a:r>
-            <a:r>
-              <a:rPr lang="en-US" sz="1000" dirty="0" err="1">
-                <a:latin typeface="Menlo Regular"/>
-                <a:cs typeface="Menlo Regular"/>
-              </a:rPr>
-              <a:t>volumes</a:t>
-            </a:r>
-            <a:r>
-              <a:rPr lang="en-US" sz="1000" dirty="0" err="1">
-                <a:latin typeface="Menlo Regular"/>
-                <a:cs typeface="Menlo Regular"/>
-              </a:rPr>
-              <a:t>.</a:t>
-            </a:r>
-            <a:r>
-              <a:rPr lang="en-US" sz="1000" dirty="0" err="1">
-                <a:latin typeface="Menlo Regular"/>
-                <a:cs typeface="Menlo Regular"/>
-              </a:rPr>
-              <a:t>stream</a:t>
-            </a:r>
-            <a:r>
-              <a:rPr lang="en-US" sz="1000" dirty="0">
-                <a:latin typeface="Menlo Regular"/>
-                <a:cs typeface="Menlo Regular"/>
-              </a:rPr>
-              <a:t>().</a:t>
-            </a:r>
-            <a:r>
-              <a:rPr lang="en-US" sz="1000" dirty="0" err="1">
-                <a:latin typeface="Menlo Regular"/>
-                <a:cs typeface="Menlo Regular"/>
-              </a:rPr>
-              <a:t>mapToDouble</a:t>
-            </a:r>
-            <a:r>
-              <a:rPr lang="en-US" sz="1000" dirty="0">
-                <a:latin typeface="Menlo Regular"/>
-                <a:cs typeface="Menlo Regular"/>
-              </a:rPr>
-              <a:t>(</a:t>
-            </a:r>
-            <a:r>
-              <a:rPr lang="en-US" sz="1000" dirty="0">
-                <a:latin typeface="Menlo Regular"/>
-                <a:cs typeface="Menlo Regular"/>
-              </a:rPr>
-              <a:t>vi -&gt; </a:t>
-            </a:r>
-            <a:r>
-              <a:rPr lang="en-US" sz="1000" dirty="0" err="1">
-                <a:latin typeface="Menlo Regular"/>
-                <a:cs typeface="Menlo Regular"/>
-              </a:rPr>
-              <a:t>Math.min</a:t>
-            </a:r>
-            <a:r>
-              <a:rPr lang="en-US" sz="1000" dirty="0">
-                <a:latin typeface="Menlo Regular"/>
-                <a:cs typeface="Menlo Regular"/>
-              </a:rPr>
-              <a:t>(</a:t>
-            </a:r>
-            <a:r>
-              <a:rPr lang="en-US" sz="1000" dirty="0" err="1">
-                <a:latin typeface="Menlo Regular"/>
-                <a:cs typeface="Menlo Regular"/>
-              </a:rPr>
-              <a:t>vi</a:t>
-            </a:r>
-            <a:r>
-              <a:rPr lang="en-US" sz="1000" dirty="0" err="1">
-                <a:latin typeface="Menlo Regular"/>
-                <a:cs typeface="Menlo Regular"/>
-              </a:rPr>
-              <a:t>.</a:t>
-            </a:r>
-            <a:r>
-              <a:rPr lang="en-US" sz="1000" dirty="0" err="1">
-                <a:latin typeface="Menlo Regular"/>
-                <a:cs typeface="Menlo Regular"/>
-              </a:rPr>
-              <a:t>getLeftTotal</a:t>
-            </a:r>
-            <a:r>
-              <a:rPr lang="en-US" sz="1000" dirty="0">
-                <a:latin typeface="Menlo Regular"/>
-                <a:cs typeface="Menlo Regular"/>
-              </a:rPr>
-              <a:t>(), </a:t>
-            </a:r>
-            <a:r>
-              <a:rPr lang="en-US" sz="1000" dirty="0" err="1">
-                <a:latin typeface="Menlo Regular"/>
-                <a:cs typeface="Menlo Regular"/>
-              </a:rPr>
-              <a:t>Constants.FIVE_THOUSAND</a:t>
-            </a:r>
-            <a:r>
-              <a:rPr lang="en-US" sz="1000" dirty="0">
-                <a:latin typeface="Menlo Regular"/>
-                <a:cs typeface="Menlo Regular"/>
-              </a:rPr>
-              <a:t>)).</a:t>
-            </a:r>
-            <a:r>
-              <a:rPr lang="en-US" sz="1000" dirty="0">
-                <a:latin typeface="Menlo Regular"/>
-                <a:cs typeface="Menlo Regular"/>
-              </a:rPr>
-              <a:t>sum</a:t>
-            </a:r>
-            <a:r>
-              <a:rPr lang="en-US" sz="1000" dirty="0">
-                <a:latin typeface="Menlo Regular"/>
-                <a:cs typeface="Menlo Regular"/>
-              </a:rPr>
-              <a:t>(),</a:t>
-            </a:r>
-            <a:br>
-              <a:rPr lang="en-US" sz="1000" dirty="0">
-                <a:latin typeface="Menlo Regular"/>
-                <a:cs typeface="Menlo Regular"/>
-              </a:rPr>
-            </a:br>
-            <a:r>
-              <a:rPr lang="en-US" sz="1000" dirty="0">
-                <a:latin typeface="Menlo Regular"/>
-                <a:cs typeface="Menlo Regular"/>
-              </a:rPr>
-              <a:t>        </a:t>
-            </a:r>
-            <a:r>
-              <a:rPr lang="en-US" sz="1000" dirty="0" err="1">
-                <a:latin typeface="Menlo Regular"/>
-                <a:cs typeface="Menlo Regular"/>
-              </a:rPr>
-              <a:t>volumes</a:t>
-            </a:r>
-            <a:r>
-              <a:rPr lang="en-US" sz="1000" dirty="0" err="1">
-                <a:latin typeface="Menlo Regular"/>
-                <a:cs typeface="Menlo Regular"/>
-              </a:rPr>
-              <a:t>.</a:t>
-            </a:r>
-            <a:r>
-              <a:rPr lang="en-US" sz="1000" dirty="0" err="1">
-                <a:latin typeface="Menlo Regular"/>
-                <a:cs typeface="Menlo Regular"/>
-              </a:rPr>
-              <a:t>stream</a:t>
-            </a:r>
-            <a:r>
-              <a:rPr lang="en-US" sz="1000" dirty="0">
-                <a:latin typeface="Menlo Regular"/>
-                <a:cs typeface="Menlo Regular"/>
-              </a:rPr>
-              <a:t>().</a:t>
-            </a:r>
-            <a:r>
-              <a:rPr lang="en-US" sz="1000" dirty="0" err="1">
-                <a:latin typeface="Menlo Regular"/>
-                <a:cs typeface="Menlo Regular"/>
-              </a:rPr>
-              <a:t>mapToDouble</a:t>
-            </a:r>
-            <a:r>
-              <a:rPr lang="en-US" sz="1000" dirty="0">
-                <a:latin typeface="Menlo Regular"/>
-                <a:cs typeface="Menlo Regular"/>
-              </a:rPr>
-              <a:t>(</a:t>
-            </a:r>
-            <a:r>
-              <a:rPr lang="en-US" sz="1000" dirty="0">
-                <a:latin typeface="Menlo Regular"/>
-                <a:cs typeface="Menlo Regular"/>
-              </a:rPr>
-              <a:t>vi -&gt; </a:t>
-            </a:r>
-            <a:r>
-              <a:rPr lang="en-US" sz="1000" dirty="0" err="1">
-                <a:latin typeface="Menlo Regular"/>
-                <a:cs typeface="Menlo Regular"/>
-              </a:rPr>
-              <a:t>Math.min</a:t>
-            </a:r>
-            <a:r>
-              <a:rPr lang="en-US" sz="1000" dirty="0">
-                <a:latin typeface="Menlo Regular"/>
-                <a:cs typeface="Menlo Regular"/>
-              </a:rPr>
-              <a:t>(</a:t>
-            </a:r>
-            <a:r>
-              <a:rPr lang="en-US" sz="1000" dirty="0" err="1">
-                <a:latin typeface="Menlo Regular"/>
-                <a:cs typeface="Menlo Regular"/>
-              </a:rPr>
-              <a:t>vi</a:t>
-            </a:r>
-            <a:r>
-              <a:rPr lang="en-US" sz="1000" dirty="0" err="1">
-                <a:latin typeface="Menlo Regular"/>
-                <a:cs typeface="Menlo Regular"/>
-              </a:rPr>
-              <a:t>.</a:t>
-            </a:r>
-            <a:r>
-              <a:rPr lang="en-US" sz="1000" dirty="0" err="1">
-                <a:latin typeface="Menlo Regular"/>
-                <a:cs typeface="Menlo Regular"/>
-              </a:rPr>
-              <a:t>getRightAutoOrder</a:t>
-            </a:r>
-            <a:r>
-              <a:rPr lang="en-US" sz="1000" dirty="0">
-                <a:latin typeface="Menlo Regular"/>
-                <a:cs typeface="Menlo Regular"/>
-              </a:rPr>
-              <a:t>(), </a:t>
-            </a:r>
-            <a:r>
-              <a:rPr lang="en-US" sz="1000" dirty="0" err="1">
-                <a:latin typeface="Menlo Regular"/>
-                <a:cs typeface="Menlo Regular"/>
-              </a:rPr>
-              <a:t>Constants.FIVE_THOUSAND</a:t>
-            </a:r>
-            <a:r>
-              <a:rPr lang="en-US" sz="1000" dirty="0">
-                <a:latin typeface="Menlo Regular"/>
-                <a:cs typeface="Menlo Regular"/>
-              </a:rPr>
-              <a:t>)).</a:t>
-            </a:r>
-            <a:r>
-              <a:rPr lang="en-US" sz="1000" dirty="0">
-                <a:latin typeface="Menlo Regular"/>
-                <a:cs typeface="Menlo Regular"/>
-              </a:rPr>
-              <a:t>sum</a:t>
-            </a:r>
-            <a:r>
-              <a:rPr lang="en-US" sz="1000" dirty="0">
-                <a:latin typeface="Menlo Regular"/>
-                <a:cs typeface="Menlo Regular"/>
-              </a:rPr>
-              <a:t>(),</a:t>
-            </a:r>
-            <a:br>
-              <a:rPr lang="en-US" sz="1000" dirty="0">
-                <a:latin typeface="Menlo Regular"/>
-                <a:cs typeface="Menlo Regular"/>
-              </a:rPr>
-            </a:br>
-            <a:r>
-              <a:rPr lang="en-US" sz="1000" dirty="0">
-                <a:latin typeface="Menlo Regular"/>
-                <a:cs typeface="Menlo Regular"/>
-              </a:rPr>
-              <a:t>        </a:t>
-            </a:r>
-            <a:r>
-              <a:rPr lang="en-US" sz="1000" dirty="0" err="1">
-                <a:latin typeface="Menlo Regular"/>
-                <a:cs typeface="Menlo Regular"/>
-              </a:rPr>
-              <a:t>first</a:t>
-            </a:r>
-            <a:r>
-              <a:rPr lang="en-US" sz="1000" dirty="0" err="1">
-                <a:latin typeface="Menlo Regular"/>
-                <a:cs typeface="Menlo Regular"/>
-              </a:rPr>
-              <a:t>.</a:t>
-            </a:r>
-            <a:r>
-              <a:rPr lang="en-US" sz="1000" dirty="0" err="1">
-                <a:latin typeface="Menlo Regular"/>
-                <a:cs typeface="Menlo Regular"/>
-              </a:rPr>
-              <a:t>getVolumesPeriodEnd</a:t>
-            </a:r>
-            <a:r>
-              <a:rPr lang="en-US" sz="1000" dirty="0">
-                <a:latin typeface="Menlo Regular"/>
-                <a:cs typeface="Menlo Regular"/>
-              </a:rPr>
-              <a:t>(),</a:t>
-            </a:r>
-            <a:br>
-              <a:rPr lang="en-US" sz="1000" dirty="0">
-                <a:latin typeface="Menlo Regular"/>
-                <a:cs typeface="Menlo Regular"/>
-              </a:rPr>
-            </a:br>
-            <a:r>
-              <a:rPr lang="en-US" sz="1000" dirty="0">
-                <a:latin typeface="Menlo Regular"/>
-                <a:cs typeface="Menlo Regular"/>
-              </a:rPr>
-              <a:t>        </a:t>
-            </a:r>
-            <a:r>
-              <a:rPr lang="en-US" sz="1000" dirty="0" err="1">
-                <a:latin typeface="Menlo Regular"/>
-                <a:cs typeface="Menlo Regular"/>
-              </a:rPr>
-              <a:t>volumes</a:t>
-            </a:r>
-            <a:r>
-              <a:rPr lang="en-US" sz="1000" dirty="0" err="1">
-                <a:latin typeface="Menlo Regular"/>
-                <a:cs typeface="Menlo Regular"/>
-              </a:rPr>
-              <a:t>.</a:t>
-            </a:r>
-            <a:r>
-              <a:rPr lang="en-US" sz="1000" dirty="0" err="1">
-                <a:latin typeface="Menlo Regular"/>
-                <a:cs typeface="Menlo Regular"/>
-              </a:rPr>
-              <a:t>stream</a:t>
-            </a:r>
-            <a:r>
-              <a:rPr lang="en-US" sz="1000" dirty="0">
-                <a:latin typeface="Menlo Regular"/>
-                <a:cs typeface="Menlo Regular"/>
-              </a:rPr>
-              <a:t>().</a:t>
-            </a:r>
-            <a:r>
-              <a:rPr lang="en-US" sz="1000" dirty="0" err="1">
-                <a:latin typeface="Menlo Regular"/>
-                <a:cs typeface="Menlo Regular"/>
-              </a:rPr>
-              <a:t>mapToDouble</a:t>
-            </a:r>
-            <a:r>
-              <a:rPr lang="en-US" sz="1000" dirty="0">
-                <a:latin typeface="Menlo Regular"/>
-                <a:cs typeface="Menlo Regular"/>
-              </a:rPr>
-              <a:t>(</a:t>
-            </a:r>
-            <a:r>
-              <a:rPr lang="en-US" sz="1000" dirty="0">
-                <a:latin typeface="Menlo Regular"/>
-                <a:cs typeface="Menlo Regular"/>
-              </a:rPr>
-              <a:t>vi -&gt; </a:t>
-            </a:r>
-            <a:r>
-              <a:rPr lang="en-US" sz="1000" dirty="0" err="1">
-                <a:latin typeface="Menlo Regular"/>
-                <a:cs typeface="Menlo Regular"/>
-              </a:rPr>
-              <a:t>Math.min</a:t>
-            </a:r>
-            <a:r>
-              <a:rPr lang="en-US" sz="1000" dirty="0">
-                <a:latin typeface="Menlo Regular"/>
-                <a:cs typeface="Menlo Regular"/>
-              </a:rPr>
-              <a:t>(</a:t>
-            </a:r>
-            <a:r>
-              <a:rPr lang="en-US" sz="1000" dirty="0" err="1">
-                <a:latin typeface="Menlo Regular"/>
-                <a:cs typeface="Menlo Regular"/>
-              </a:rPr>
-              <a:t>vi</a:t>
-            </a:r>
-            <a:r>
-              <a:rPr lang="en-US" sz="1000" dirty="0" err="1">
-                <a:latin typeface="Menlo Regular"/>
-                <a:cs typeface="Menlo Regular"/>
-              </a:rPr>
-              <a:t>.</a:t>
-            </a:r>
-            <a:r>
-              <a:rPr lang="en-US" sz="1000" dirty="0" err="1">
-                <a:latin typeface="Menlo Regular"/>
-                <a:cs typeface="Menlo Regular"/>
-              </a:rPr>
-              <a:t>getLeftAutoOrder</a:t>
-            </a:r>
-            <a:r>
-              <a:rPr lang="en-US" sz="1000" dirty="0">
-                <a:latin typeface="Menlo Regular"/>
-                <a:cs typeface="Menlo Regular"/>
-              </a:rPr>
-              <a:t>(), </a:t>
-            </a:r>
-            <a:r>
-              <a:rPr lang="en-US" sz="1000" dirty="0" err="1">
-                <a:latin typeface="Menlo Regular"/>
-                <a:cs typeface="Menlo Regular"/>
-              </a:rPr>
-              <a:t>Constants.FIVE_THOUSAND</a:t>
-            </a:r>
-            <a:r>
-              <a:rPr lang="en-US" sz="1000" dirty="0">
-                <a:latin typeface="Menlo Regular"/>
-                <a:cs typeface="Menlo Regular"/>
-              </a:rPr>
-              <a:t>)).</a:t>
-            </a:r>
-            <a:r>
-              <a:rPr lang="en-US" sz="1000" dirty="0">
-                <a:latin typeface="Menlo Regular"/>
-                <a:cs typeface="Menlo Regular"/>
-              </a:rPr>
-              <a:t>sum</a:t>
-            </a:r>
-            <a:r>
-              <a:rPr lang="en-US" sz="1000" dirty="0">
-                <a:latin typeface="Menlo Regular"/>
-                <a:cs typeface="Menlo Regular"/>
-              </a:rPr>
-              <a:t>(),</a:t>
-            </a:r>
-            <a:br>
-              <a:rPr lang="en-US" sz="1000" dirty="0">
-                <a:latin typeface="Menlo Regular"/>
-                <a:cs typeface="Menlo Regular"/>
-              </a:rPr>
-            </a:br>
-            <a:r>
-              <a:rPr lang="en-US" sz="1000" dirty="0">
-                <a:latin typeface="Menlo Regular"/>
-                <a:cs typeface="Menlo Regular"/>
-              </a:rPr>
-              <a:t>        </a:t>
-            </a:r>
-            <a:r>
-              <a:rPr lang="en-US" sz="1000" dirty="0" err="1">
-                <a:latin typeface="Menlo Regular"/>
-                <a:cs typeface="Menlo Regular"/>
-              </a:rPr>
-              <a:t>volumes</a:t>
-            </a:r>
-            <a:r>
-              <a:rPr lang="en-US" sz="1000" dirty="0" err="1">
-                <a:latin typeface="Menlo Regular"/>
-                <a:cs typeface="Menlo Regular"/>
-              </a:rPr>
-              <a:t>.</a:t>
-            </a:r>
-            <a:r>
-              <a:rPr lang="en-US" sz="1000" dirty="0" err="1">
-                <a:latin typeface="Menlo Regular"/>
-                <a:cs typeface="Menlo Regular"/>
-              </a:rPr>
-              <a:t>stream</a:t>
-            </a:r>
-            <a:r>
-              <a:rPr lang="en-US" sz="1000" dirty="0">
-                <a:latin typeface="Menlo Regular"/>
-                <a:cs typeface="Menlo Regular"/>
-              </a:rPr>
-              <a:t>().</a:t>
-            </a:r>
-            <a:r>
-              <a:rPr lang="en-US" sz="1000" dirty="0" err="1">
-                <a:latin typeface="Menlo Regular"/>
-                <a:cs typeface="Menlo Regular"/>
-              </a:rPr>
-              <a:t>mapToDouble</a:t>
-            </a:r>
-            <a:r>
-              <a:rPr lang="en-US" sz="1000" dirty="0">
-                <a:latin typeface="Menlo Regular"/>
-                <a:cs typeface="Menlo Regular"/>
-              </a:rPr>
-              <a:t>(</a:t>
-            </a:r>
-            <a:r>
-              <a:rPr lang="en-US" sz="1000" dirty="0">
-                <a:latin typeface="Menlo Regular"/>
-                <a:cs typeface="Menlo Regular"/>
-              </a:rPr>
-              <a:t>vi -&gt; </a:t>
-            </a:r>
-            <a:r>
-              <a:rPr lang="en-US" sz="1000" dirty="0" err="1">
-                <a:latin typeface="Menlo Regular"/>
-                <a:cs typeface="Menlo Regular"/>
-              </a:rPr>
-              <a:t>Math.min</a:t>
-            </a:r>
-            <a:r>
-              <a:rPr lang="en-US" sz="1000" dirty="0">
-                <a:latin typeface="Menlo Regular"/>
-                <a:cs typeface="Menlo Regular"/>
-              </a:rPr>
-              <a:t>(</a:t>
-            </a:r>
-            <a:r>
-              <a:rPr lang="en-US" sz="1000" dirty="0" err="1">
-                <a:latin typeface="Menlo Regular"/>
-                <a:cs typeface="Menlo Regular"/>
-              </a:rPr>
-              <a:t>vi</a:t>
-            </a:r>
-            <a:r>
-              <a:rPr lang="en-US" sz="1000" dirty="0" err="1">
-                <a:latin typeface="Menlo Regular"/>
-                <a:cs typeface="Menlo Regular"/>
-              </a:rPr>
-              <a:t>.</a:t>
-            </a:r>
-            <a:r>
-              <a:rPr lang="en-US" sz="1000" dirty="0" err="1">
-                <a:latin typeface="Menlo Regular"/>
-                <a:cs typeface="Menlo Regular"/>
-              </a:rPr>
-              <a:t>getRightAutoOrder</a:t>
-            </a:r>
-            <a:r>
-              <a:rPr lang="en-US" sz="1000" dirty="0">
-                <a:latin typeface="Menlo Regular"/>
-                <a:cs typeface="Menlo Regular"/>
-              </a:rPr>
-              <a:t>(), </a:t>
-            </a:r>
-            <a:r>
-              <a:rPr lang="en-US" sz="1000" dirty="0" err="1">
-                <a:latin typeface="Menlo Regular"/>
-                <a:cs typeface="Menlo Regular"/>
-              </a:rPr>
-              <a:t>Constants.FIVE_THOUSAND</a:t>
-            </a:r>
-            <a:r>
-              <a:rPr lang="en-US" sz="1000" dirty="0">
-                <a:latin typeface="Menlo Regular"/>
-                <a:cs typeface="Menlo Regular"/>
-              </a:rPr>
-              <a:t>)).</a:t>
-            </a:r>
-            <a:r>
-              <a:rPr lang="en-US" sz="1000" dirty="0">
-                <a:latin typeface="Menlo Regular"/>
-                <a:cs typeface="Menlo Regular"/>
-              </a:rPr>
-              <a:t>sum</a:t>
-            </a:r>
-            <a:r>
-              <a:rPr lang="en-US" sz="1000" dirty="0">
-                <a:latin typeface="Menlo Regular"/>
-                <a:cs typeface="Menlo Regular"/>
-              </a:rPr>
-              <a:t>());</a:t>
-            </a:r>
-            <a:endParaRPr lang="en-US" sz="1000" dirty="0">
-              <a:latin typeface="Menlo Regular"/>
-              <a:cs typeface="Menlo Regular"/>
+              <a:rPr lang="en-US" sz="1200" dirty="0" smtClean="0">
+                <a:latin typeface="Menlo Bold"/>
+                <a:cs typeface="Menlo Bold"/>
+              </a:rPr>
+              <a:t>}</a:t>
+            </a:r>
+          </a:p>
+          <a:p>
+            <a:pPr marL="36576" indent="0">
+              <a:buNone/>
+            </a:pPr>
+            <a:endParaRPr lang="en-US" sz="1200" dirty="0">
+              <a:latin typeface="Menlo Bold"/>
+              <a:cs typeface="Menlo Bold"/>
             </a:endParaRPr>
           </a:p>
         </p:txBody>
@@ -6412,7 +5363,7 @@
     </p:spTree>
     <p:extLst>
       <p:ext uri="{BB962C8B-B14F-4D97-AF65-F5344CB8AC3E}">
-        <p14:creationId xmlns:p14="http://schemas.microsoft.com/office/powerpoint/2010/main" val="298295824"/>
+        <p14:creationId xmlns:p14="http://schemas.microsoft.com/office/powerpoint/2010/main" val="154897794"/>
       </p:ext>
     </p:extLst>
   </p:cSld>
@@ -6451,6 +5402,957 @@
         </p:nvSpPr>
         <p:spPr/>
         <p:txBody>
+          <a:bodyPr/>
+          <a:lstStyle/>
+          <a:p>
+            <a:r>
+              <a:rPr lang="en-US" dirty="0" smtClean="0"/>
+              <a:t>Lambdas in practice</a:t>
+            </a:r>
+            <a:endParaRPr lang="en-US" dirty="0"/>
+          </a:p>
+        </p:txBody>
+      </p:sp>
+      <p:sp>
+        <p:nvSpPr>
+          <p:cNvPr id="3" name="Content Placeholder 2"/>
+          <p:cNvSpPr>
+            <a:spLocks noGrp="1"/>
+          </p:cNvSpPr>
+          <p:nvPr>
+            <p:ph idx="1"/>
+          </p:nvPr>
+        </p:nvSpPr>
+        <p:spPr>
+          <a:xfrm>
+            <a:off x="56444" y="1600200"/>
+            <a:ext cx="9144000" cy="4525963"/>
+          </a:xfrm>
+        </p:spPr>
+        <p:txBody>
+          <a:bodyPr>
+            <a:normAutofit/>
+          </a:bodyPr>
+          <a:lstStyle/>
+          <a:p>
+            <a:pPr marL="36576" indent="0">
+              <a:buNone/>
+            </a:pPr>
+            <a:r>
+              <a:rPr lang="en-US" sz="1000" dirty="0" err="1">
+                <a:latin typeface="Menlo Regular"/>
+                <a:cs typeface="Menlo Regular"/>
+              </a:rPr>
+              <a:t>VolumeInfo</a:t>
+            </a:r>
+            <a:r>
+              <a:rPr lang="en-US" sz="1000" dirty="0">
+                <a:latin typeface="Menlo Regular"/>
+                <a:cs typeface="Menlo Regular"/>
+              </a:rPr>
+              <a:t> aggregate = new </a:t>
+            </a:r>
+            <a:r>
+              <a:rPr lang="en-US" sz="1000" dirty="0" err="1">
+                <a:latin typeface="Menlo Regular"/>
+                <a:cs typeface="Menlo Regular"/>
+              </a:rPr>
+              <a:t>VolumeInfo</a:t>
+            </a:r>
+            <a:r>
+              <a:rPr lang="en-US" sz="1000" dirty="0">
+                <a:latin typeface="Menlo Regular"/>
+                <a:cs typeface="Menlo Regular"/>
+              </a:rPr>
+              <a:t>(</a:t>
+            </a:r>
+            <a:br>
+              <a:rPr lang="en-US" sz="1000" dirty="0">
+                <a:latin typeface="Menlo Regular"/>
+                <a:cs typeface="Menlo Regular"/>
+              </a:rPr>
+            </a:br>
+            <a:r>
+              <a:rPr lang="en-US" sz="1000" dirty="0">
+                <a:latin typeface="Menlo Regular"/>
+                <a:cs typeface="Menlo Regular"/>
+              </a:rPr>
+              <a:t>        </a:t>
+            </a:r>
+            <a:r>
+              <a:rPr lang="en-US" sz="1000" dirty="0" err="1">
+                <a:latin typeface="Menlo Regular"/>
+                <a:cs typeface="Menlo Regular"/>
+              </a:rPr>
+              <a:t>first.getBusinessCenterId</a:t>
+            </a:r>
+            <a:r>
+              <a:rPr lang="en-US" sz="1000" dirty="0">
+                <a:latin typeface="Menlo Regular"/>
+                <a:cs typeface="Menlo Regular"/>
+              </a:rPr>
+              <a:t>(),</a:t>
+            </a:r>
+            <a:br>
+              <a:rPr lang="en-US" sz="1000" dirty="0">
+                <a:latin typeface="Menlo Regular"/>
+                <a:cs typeface="Menlo Regular"/>
+              </a:rPr>
+            </a:br>
+            <a:r>
+              <a:rPr lang="en-US" sz="1000" dirty="0">
+                <a:latin typeface="Menlo Regular"/>
+                <a:cs typeface="Menlo Regular"/>
+              </a:rPr>
+              <a:t>        </a:t>
+            </a:r>
+            <a:r>
+              <a:rPr lang="en-US" sz="1000" dirty="0" err="1">
+                <a:latin typeface="Menlo Regular"/>
+                <a:cs typeface="Menlo Regular"/>
+              </a:rPr>
+              <a:t>first.getCustomerId</a:t>
+            </a:r>
+            <a:r>
+              <a:rPr lang="en-US" sz="1000" dirty="0">
+                <a:latin typeface="Menlo Regular"/>
+                <a:cs typeface="Menlo Regular"/>
+              </a:rPr>
+              <a:t>(),</a:t>
+            </a:r>
+            <a:br>
+              <a:rPr lang="en-US" sz="1000" dirty="0">
+                <a:latin typeface="Menlo Regular"/>
+                <a:cs typeface="Menlo Regular"/>
+              </a:rPr>
+            </a:br>
+            <a:r>
+              <a:rPr lang="en-US" sz="1000" dirty="0">
+                <a:latin typeface="Menlo Regular"/>
+                <a:cs typeface="Menlo Regular"/>
+              </a:rPr>
+              <a:t>        </a:t>
+            </a:r>
+            <a:r>
+              <a:rPr lang="en-US" sz="1000" dirty="0" err="1">
+                <a:latin typeface="Menlo Regular"/>
+                <a:cs typeface="Menlo Regular"/>
+              </a:rPr>
+              <a:t>volumes.stream</a:t>
+            </a:r>
+            <a:r>
+              <a:rPr lang="en-US" sz="1000" dirty="0">
+                <a:latin typeface="Menlo Regular"/>
+                <a:cs typeface="Menlo Regular"/>
+              </a:rPr>
+              <a:t>().</a:t>
+            </a:r>
+            <a:r>
+              <a:rPr lang="en-US" sz="1000" dirty="0" err="1">
+                <a:latin typeface="Menlo Regular"/>
+                <a:cs typeface="Menlo Regular"/>
+              </a:rPr>
+              <a:t>mapToDouble</a:t>
+            </a:r>
+            <a:r>
+              <a:rPr lang="en-US" sz="1000" dirty="0" smtClean="0">
+                <a:latin typeface="Menlo Regular"/>
+                <a:cs typeface="Menlo Regular"/>
+              </a:rPr>
+              <a:t>(vi </a:t>
+            </a:r>
+            <a:r>
+              <a:rPr lang="en-US" sz="1000" dirty="0">
+                <a:latin typeface="Menlo Regular"/>
+                <a:cs typeface="Menlo Regular"/>
+              </a:rPr>
+              <a:t>-&gt; </a:t>
+            </a:r>
+            <a:r>
+              <a:rPr lang="en-US" sz="1000" dirty="0" err="1">
+                <a:latin typeface="Menlo Regular"/>
+                <a:cs typeface="Menlo Regular"/>
+              </a:rPr>
+              <a:t>Math.min</a:t>
+            </a:r>
+            <a:r>
+              <a:rPr lang="en-US" sz="1000" dirty="0">
+                <a:latin typeface="Menlo Regular"/>
+                <a:cs typeface="Menlo Regular"/>
+              </a:rPr>
+              <a:t>(</a:t>
+            </a:r>
+            <a:r>
+              <a:rPr lang="en-US" sz="1000" dirty="0" err="1">
+                <a:latin typeface="Menlo Regular"/>
+                <a:cs typeface="Menlo Regular"/>
+              </a:rPr>
+              <a:t>vi.getPvAmt</a:t>
+            </a:r>
+            <a:r>
+              <a:rPr lang="en-US" sz="1000" dirty="0">
+                <a:latin typeface="Menlo Regular"/>
+                <a:cs typeface="Menlo Regular"/>
+              </a:rPr>
+              <a:t>(), </a:t>
+            </a:r>
+            <a:r>
+              <a:rPr lang="en-US" sz="1000" dirty="0" err="1">
+                <a:latin typeface="Menlo Regular"/>
+                <a:cs typeface="Menlo Regular"/>
+              </a:rPr>
+              <a:t>Constants.FIVE_THOUSAND</a:t>
+            </a:r>
+            <a:r>
+              <a:rPr lang="en-US" sz="1000" dirty="0">
+                <a:latin typeface="Menlo Regular"/>
+                <a:cs typeface="Menlo Regular"/>
+              </a:rPr>
+              <a:t>)).sum(),</a:t>
+            </a:r>
+            <a:br>
+              <a:rPr lang="en-US" sz="1000" dirty="0">
+                <a:latin typeface="Menlo Regular"/>
+                <a:cs typeface="Menlo Regular"/>
+              </a:rPr>
+            </a:br>
+            <a:r>
+              <a:rPr lang="en-US" sz="1000" dirty="0">
+                <a:latin typeface="Menlo Regular"/>
+                <a:cs typeface="Menlo Regular"/>
+              </a:rPr>
+              <a:t>        </a:t>
+            </a:r>
+            <a:r>
+              <a:rPr lang="en-US" sz="1000" dirty="0" err="1">
+                <a:latin typeface="Menlo Regular"/>
+                <a:cs typeface="Menlo Regular"/>
+              </a:rPr>
+              <a:t>volumes.stream</a:t>
+            </a:r>
+            <a:r>
+              <a:rPr lang="en-US" sz="1000" dirty="0">
+                <a:latin typeface="Menlo Regular"/>
+                <a:cs typeface="Menlo Regular"/>
+              </a:rPr>
+              <a:t>().</a:t>
+            </a:r>
+            <a:r>
+              <a:rPr lang="en-US" sz="1000" dirty="0" err="1">
+                <a:latin typeface="Menlo Regular"/>
+                <a:cs typeface="Menlo Regular"/>
+              </a:rPr>
+              <a:t>mapToDouble</a:t>
+            </a:r>
+            <a:r>
+              <a:rPr lang="en-US" sz="1000" dirty="0" smtClean="0">
+                <a:latin typeface="Menlo Regular"/>
+                <a:cs typeface="Menlo Regular"/>
+              </a:rPr>
+              <a:t>(vi </a:t>
+            </a:r>
+            <a:r>
+              <a:rPr lang="en-US" sz="1000" dirty="0">
+                <a:latin typeface="Menlo Regular"/>
+                <a:cs typeface="Menlo Regular"/>
+              </a:rPr>
+              <a:t>-&gt; </a:t>
+            </a:r>
+            <a:r>
+              <a:rPr lang="en-US" sz="1000" dirty="0" err="1">
+                <a:latin typeface="Menlo Regular"/>
+                <a:cs typeface="Menlo Regular"/>
+              </a:rPr>
+              <a:t>Math.min</a:t>
+            </a:r>
+            <a:r>
+              <a:rPr lang="en-US" sz="1000" dirty="0">
+                <a:latin typeface="Menlo Regular"/>
+                <a:cs typeface="Menlo Regular"/>
+              </a:rPr>
+              <a:t>(</a:t>
+            </a:r>
+            <a:r>
+              <a:rPr lang="en-US" sz="1000" dirty="0" err="1">
+                <a:latin typeface="Menlo Regular"/>
+                <a:cs typeface="Menlo Regular"/>
+              </a:rPr>
+              <a:t>vi.getLeftVolume</a:t>
+            </a:r>
+            <a:r>
+              <a:rPr lang="en-US" sz="1000" dirty="0">
+                <a:latin typeface="Menlo Regular"/>
+                <a:cs typeface="Menlo Regular"/>
+              </a:rPr>
+              <a:t>(), </a:t>
+            </a:r>
+            <a:r>
+              <a:rPr lang="en-US" sz="1000" dirty="0" err="1">
+                <a:latin typeface="Menlo Regular"/>
+                <a:cs typeface="Menlo Regular"/>
+              </a:rPr>
+              <a:t>Constants.FIVE_THOUSAND</a:t>
+            </a:r>
+            <a:r>
+              <a:rPr lang="en-US" sz="1000" dirty="0">
+                <a:latin typeface="Menlo Regular"/>
+                <a:cs typeface="Menlo Regular"/>
+              </a:rPr>
+              <a:t>)).sum(),</a:t>
+            </a:r>
+            <a:br>
+              <a:rPr lang="en-US" sz="1000" dirty="0">
+                <a:latin typeface="Menlo Regular"/>
+                <a:cs typeface="Menlo Regular"/>
+              </a:rPr>
+            </a:br>
+            <a:r>
+              <a:rPr lang="en-US" sz="1000" dirty="0">
+                <a:latin typeface="Menlo Regular"/>
+                <a:cs typeface="Menlo Regular"/>
+              </a:rPr>
+              <a:t>        </a:t>
+            </a:r>
+            <a:r>
+              <a:rPr lang="en-US" sz="1000" dirty="0" err="1">
+                <a:latin typeface="Menlo Regular"/>
+                <a:cs typeface="Menlo Regular"/>
+              </a:rPr>
+              <a:t>volumes.stream</a:t>
+            </a:r>
+            <a:r>
+              <a:rPr lang="en-US" sz="1000" dirty="0">
+                <a:latin typeface="Menlo Regular"/>
+                <a:cs typeface="Menlo Regular"/>
+              </a:rPr>
+              <a:t>().</a:t>
+            </a:r>
+            <a:r>
+              <a:rPr lang="en-US" sz="1000" dirty="0" err="1">
+                <a:latin typeface="Menlo Regular"/>
+                <a:cs typeface="Menlo Regular"/>
+              </a:rPr>
+              <a:t>mapToDouble</a:t>
+            </a:r>
+            <a:r>
+              <a:rPr lang="en-US" sz="1000" dirty="0">
+                <a:latin typeface="Menlo Regular"/>
+                <a:cs typeface="Menlo Regular"/>
+              </a:rPr>
+              <a:t>(vi -&gt; </a:t>
+            </a:r>
+            <a:r>
+              <a:rPr lang="en-US" sz="1000" dirty="0" err="1">
+                <a:latin typeface="Menlo Regular"/>
+                <a:cs typeface="Menlo Regular"/>
+              </a:rPr>
+              <a:t>Math.min</a:t>
+            </a:r>
+            <a:r>
+              <a:rPr lang="en-US" sz="1000" dirty="0">
+                <a:latin typeface="Menlo Regular"/>
+                <a:cs typeface="Menlo Regular"/>
+              </a:rPr>
+              <a:t>(</a:t>
+            </a:r>
+            <a:r>
+              <a:rPr lang="en-US" sz="1000" dirty="0" err="1">
+                <a:latin typeface="Menlo Regular"/>
+                <a:cs typeface="Menlo Regular"/>
+              </a:rPr>
+              <a:t>vi.getRightVolume</a:t>
+            </a:r>
+            <a:r>
+              <a:rPr lang="en-US" sz="1000" dirty="0">
+                <a:latin typeface="Menlo Regular"/>
+                <a:cs typeface="Menlo Regular"/>
+              </a:rPr>
+              <a:t>(), </a:t>
+            </a:r>
+            <a:r>
+              <a:rPr lang="en-US" sz="1000" dirty="0" err="1">
+                <a:latin typeface="Menlo Regular"/>
+                <a:cs typeface="Menlo Regular"/>
+              </a:rPr>
+              <a:t>Constants.FIVE_THOUSAND</a:t>
+            </a:r>
+            <a:r>
+              <a:rPr lang="en-US" sz="1000" dirty="0">
+                <a:latin typeface="Menlo Regular"/>
+                <a:cs typeface="Menlo Regular"/>
+              </a:rPr>
+              <a:t>)).sum(),</a:t>
+            </a:r>
+            <a:br>
+              <a:rPr lang="en-US" sz="1000" dirty="0">
+                <a:latin typeface="Menlo Regular"/>
+                <a:cs typeface="Menlo Regular"/>
+              </a:rPr>
+            </a:br>
+            <a:r>
+              <a:rPr lang="en-US" sz="1000" dirty="0">
+                <a:latin typeface="Menlo Regular"/>
+                <a:cs typeface="Menlo Regular"/>
+              </a:rPr>
+              <a:t>        </a:t>
+            </a:r>
+            <a:r>
+              <a:rPr lang="en-US" sz="1000" dirty="0" err="1">
+                <a:latin typeface="Menlo Regular"/>
+                <a:cs typeface="Menlo Regular"/>
+              </a:rPr>
+              <a:t>volumes.stream</a:t>
+            </a:r>
+            <a:r>
+              <a:rPr lang="en-US" sz="1000" dirty="0">
+                <a:latin typeface="Menlo Regular"/>
+                <a:cs typeface="Menlo Regular"/>
+              </a:rPr>
+              <a:t>().</a:t>
+            </a:r>
+            <a:r>
+              <a:rPr lang="en-US" sz="1000" dirty="0" err="1">
+                <a:latin typeface="Menlo Regular"/>
+                <a:cs typeface="Menlo Regular"/>
+              </a:rPr>
+              <a:t>mapToDouble</a:t>
+            </a:r>
+            <a:r>
+              <a:rPr lang="en-US" sz="1000" dirty="0">
+                <a:latin typeface="Menlo Regular"/>
+                <a:cs typeface="Menlo Regular"/>
+              </a:rPr>
+              <a:t>(vi -&gt; </a:t>
+            </a:r>
+            <a:r>
+              <a:rPr lang="en-US" sz="1000" dirty="0" err="1">
+                <a:latin typeface="Menlo Regular"/>
+                <a:cs typeface="Menlo Regular"/>
+              </a:rPr>
+              <a:t>Math.min</a:t>
+            </a:r>
+            <a:r>
+              <a:rPr lang="en-US" sz="1000" dirty="0">
+                <a:latin typeface="Menlo Regular"/>
+                <a:cs typeface="Menlo Regular"/>
+              </a:rPr>
+              <a:t>(</a:t>
+            </a:r>
+            <a:r>
+              <a:rPr lang="en-US" sz="1000" dirty="0" err="1">
+                <a:latin typeface="Menlo Regular"/>
+                <a:cs typeface="Menlo Regular"/>
+              </a:rPr>
+              <a:t>vi.getLeftCarryOver</a:t>
+            </a:r>
+            <a:r>
+              <a:rPr lang="en-US" sz="1000" dirty="0">
+                <a:latin typeface="Menlo Regular"/>
+                <a:cs typeface="Menlo Regular"/>
+              </a:rPr>
+              <a:t>(), </a:t>
+            </a:r>
+            <a:r>
+              <a:rPr lang="en-US" sz="1000" dirty="0" err="1">
+                <a:latin typeface="Menlo Regular"/>
+                <a:cs typeface="Menlo Regular"/>
+              </a:rPr>
+              <a:t>Constants.FIVE_THOUSAND</a:t>
+            </a:r>
+            <a:r>
+              <a:rPr lang="en-US" sz="1000" dirty="0">
+                <a:latin typeface="Menlo Regular"/>
+                <a:cs typeface="Menlo Regular"/>
+              </a:rPr>
+              <a:t>)).sum(),</a:t>
+            </a:r>
+            <a:br>
+              <a:rPr lang="en-US" sz="1000" dirty="0">
+                <a:latin typeface="Menlo Regular"/>
+                <a:cs typeface="Menlo Regular"/>
+              </a:rPr>
+            </a:br>
+            <a:r>
+              <a:rPr lang="en-US" sz="1000" dirty="0">
+                <a:latin typeface="Menlo Regular"/>
+                <a:cs typeface="Menlo Regular"/>
+              </a:rPr>
+              <a:t>        </a:t>
+            </a:r>
+            <a:r>
+              <a:rPr lang="en-US" sz="1000" dirty="0" err="1">
+                <a:latin typeface="Menlo Regular"/>
+                <a:cs typeface="Menlo Regular"/>
+              </a:rPr>
+              <a:t>volumes.stream</a:t>
+            </a:r>
+            <a:r>
+              <a:rPr lang="en-US" sz="1000" dirty="0">
+                <a:latin typeface="Menlo Regular"/>
+                <a:cs typeface="Menlo Regular"/>
+              </a:rPr>
+              <a:t>().</a:t>
+            </a:r>
+            <a:r>
+              <a:rPr lang="en-US" sz="1000" dirty="0" err="1">
+                <a:latin typeface="Menlo Regular"/>
+                <a:cs typeface="Menlo Regular"/>
+              </a:rPr>
+              <a:t>mapToDouble</a:t>
+            </a:r>
+            <a:r>
+              <a:rPr lang="en-US" sz="1000" dirty="0">
+                <a:latin typeface="Menlo Regular"/>
+                <a:cs typeface="Menlo Regular"/>
+              </a:rPr>
+              <a:t>(vi -&gt; </a:t>
+            </a:r>
+            <a:r>
+              <a:rPr lang="en-US" sz="1000" dirty="0" err="1">
+                <a:latin typeface="Menlo Regular"/>
+                <a:cs typeface="Menlo Regular"/>
+              </a:rPr>
+              <a:t>Math.min</a:t>
+            </a:r>
+            <a:r>
+              <a:rPr lang="en-US" sz="1000" dirty="0">
+                <a:latin typeface="Menlo Regular"/>
+                <a:cs typeface="Menlo Regular"/>
+              </a:rPr>
+              <a:t>(</a:t>
+            </a:r>
+            <a:r>
+              <a:rPr lang="en-US" sz="1000" dirty="0" err="1">
+                <a:latin typeface="Menlo Regular"/>
+                <a:cs typeface="Menlo Regular"/>
+              </a:rPr>
+              <a:t>vi.getRightCarryOver</a:t>
+            </a:r>
+            <a:r>
+              <a:rPr lang="en-US" sz="1000" dirty="0">
+                <a:latin typeface="Menlo Regular"/>
+                <a:cs typeface="Menlo Regular"/>
+              </a:rPr>
+              <a:t>(), </a:t>
+            </a:r>
+            <a:r>
+              <a:rPr lang="en-US" sz="1000" dirty="0" err="1">
+                <a:latin typeface="Menlo Regular"/>
+                <a:cs typeface="Menlo Regular"/>
+              </a:rPr>
+              <a:t>Constants.FIVE_THOUSAND</a:t>
+            </a:r>
+            <a:r>
+              <a:rPr lang="en-US" sz="1000" dirty="0">
+                <a:latin typeface="Menlo Regular"/>
+                <a:cs typeface="Menlo Regular"/>
+              </a:rPr>
+              <a:t>)).sum(),</a:t>
+            </a:r>
+            <a:br>
+              <a:rPr lang="en-US" sz="1000" dirty="0">
+                <a:latin typeface="Menlo Regular"/>
+                <a:cs typeface="Menlo Regular"/>
+              </a:rPr>
+            </a:br>
+            <a:r>
+              <a:rPr lang="en-US" sz="1000" dirty="0">
+                <a:latin typeface="Menlo Regular"/>
+                <a:cs typeface="Menlo Regular"/>
+              </a:rPr>
+              <a:t>        </a:t>
+            </a:r>
+            <a:r>
+              <a:rPr lang="en-US" sz="1000" dirty="0" err="1">
+                <a:latin typeface="Menlo Regular"/>
+                <a:cs typeface="Menlo Regular"/>
+              </a:rPr>
+              <a:t>volumes.stream</a:t>
+            </a:r>
+            <a:r>
+              <a:rPr lang="en-US" sz="1000" dirty="0">
+                <a:latin typeface="Menlo Regular"/>
+                <a:cs typeface="Menlo Regular"/>
+              </a:rPr>
+              <a:t>().</a:t>
+            </a:r>
+            <a:r>
+              <a:rPr lang="en-US" sz="1000" dirty="0" err="1">
+                <a:latin typeface="Menlo Regular"/>
+                <a:cs typeface="Menlo Regular"/>
+              </a:rPr>
+              <a:t>mapToDouble</a:t>
+            </a:r>
+            <a:r>
+              <a:rPr lang="en-US" sz="1000" dirty="0">
+                <a:latin typeface="Menlo Regular"/>
+                <a:cs typeface="Menlo Regular"/>
+              </a:rPr>
+              <a:t>(vi -&gt; </a:t>
+            </a:r>
+            <a:r>
+              <a:rPr lang="en-US" sz="1000" dirty="0" err="1">
+                <a:latin typeface="Menlo Regular"/>
+                <a:cs typeface="Menlo Regular"/>
+              </a:rPr>
+              <a:t>Math.min</a:t>
+            </a:r>
+            <a:r>
+              <a:rPr lang="en-US" sz="1000" dirty="0">
+                <a:latin typeface="Menlo Regular"/>
+                <a:cs typeface="Menlo Regular"/>
+              </a:rPr>
+              <a:t>(</a:t>
+            </a:r>
+            <a:r>
+              <a:rPr lang="en-US" sz="1000" dirty="0" err="1">
+                <a:latin typeface="Menlo Regular"/>
+                <a:cs typeface="Menlo Regular"/>
+              </a:rPr>
+              <a:t>vi.getLeftTotal</a:t>
+            </a:r>
+            <a:r>
+              <a:rPr lang="en-US" sz="1000" dirty="0">
+                <a:latin typeface="Menlo Regular"/>
+                <a:cs typeface="Menlo Regular"/>
+              </a:rPr>
+              <a:t>(), </a:t>
+            </a:r>
+            <a:r>
+              <a:rPr lang="en-US" sz="1000" dirty="0" err="1">
+                <a:latin typeface="Menlo Regular"/>
+                <a:cs typeface="Menlo Regular"/>
+              </a:rPr>
+              <a:t>Constants.FIVE_THOUSAND</a:t>
+            </a:r>
+            <a:r>
+              <a:rPr lang="en-US" sz="1000" dirty="0">
+                <a:latin typeface="Menlo Regular"/>
+                <a:cs typeface="Menlo Regular"/>
+              </a:rPr>
+              <a:t>)).sum(),</a:t>
+            </a:r>
+            <a:br>
+              <a:rPr lang="en-US" sz="1000" dirty="0">
+                <a:latin typeface="Menlo Regular"/>
+                <a:cs typeface="Menlo Regular"/>
+              </a:rPr>
+            </a:br>
+            <a:r>
+              <a:rPr lang="en-US" sz="1000" dirty="0">
+                <a:latin typeface="Menlo Regular"/>
+                <a:cs typeface="Menlo Regular"/>
+              </a:rPr>
+              <a:t>        </a:t>
+            </a:r>
+            <a:r>
+              <a:rPr lang="en-US" sz="1000" dirty="0" err="1">
+                <a:latin typeface="Menlo Regular"/>
+                <a:cs typeface="Menlo Regular"/>
+              </a:rPr>
+              <a:t>volumes.stream</a:t>
+            </a:r>
+            <a:r>
+              <a:rPr lang="en-US" sz="1000" dirty="0">
+                <a:latin typeface="Menlo Regular"/>
+                <a:cs typeface="Menlo Regular"/>
+              </a:rPr>
+              <a:t>().</a:t>
+            </a:r>
+            <a:r>
+              <a:rPr lang="en-US" sz="1000" dirty="0" err="1">
+                <a:latin typeface="Menlo Regular"/>
+                <a:cs typeface="Menlo Regular"/>
+              </a:rPr>
+              <a:t>mapToDouble</a:t>
+            </a:r>
+            <a:r>
+              <a:rPr lang="en-US" sz="1000" dirty="0">
+                <a:latin typeface="Menlo Regular"/>
+                <a:cs typeface="Menlo Regular"/>
+              </a:rPr>
+              <a:t>(vi -&gt; </a:t>
+            </a:r>
+            <a:r>
+              <a:rPr lang="en-US" sz="1000" dirty="0" err="1">
+                <a:latin typeface="Menlo Regular"/>
+                <a:cs typeface="Menlo Regular"/>
+              </a:rPr>
+              <a:t>Math.min</a:t>
+            </a:r>
+            <a:r>
+              <a:rPr lang="en-US" sz="1000" dirty="0">
+                <a:latin typeface="Menlo Regular"/>
+                <a:cs typeface="Menlo Regular"/>
+              </a:rPr>
+              <a:t>(</a:t>
+            </a:r>
+            <a:r>
+              <a:rPr lang="en-US" sz="1000" dirty="0" err="1">
+                <a:latin typeface="Menlo Regular"/>
+                <a:cs typeface="Menlo Regular"/>
+              </a:rPr>
+              <a:t>vi.getRightAutoOrder</a:t>
+            </a:r>
+            <a:r>
+              <a:rPr lang="en-US" sz="1000" dirty="0">
+                <a:latin typeface="Menlo Regular"/>
+                <a:cs typeface="Menlo Regular"/>
+              </a:rPr>
+              <a:t>(), </a:t>
+            </a:r>
+            <a:r>
+              <a:rPr lang="en-US" sz="1000" dirty="0" err="1">
+                <a:latin typeface="Menlo Regular"/>
+                <a:cs typeface="Menlo Regular"/>
+              </a:rPr>
+              <a:t>Constants.FIVE_THOUSAND</a:t>
+            </a:r>
+            <a:r>
+              <a:rPr lang="en-US" sz="1000" dirty="0">
+                <a:latin typeface="Menlo Regular"/>
+                <a:cs typeface="Menlo Regular"/>
+              </a:rPr>
+              <a:t>)).sum(),</a:t>
+            </a:r>
+            <a:br>
+              <a:rPr lang="en-US" sz="1000" dirty="0">
+                <a:latin typeface="Menlo Regular"/>
+                <a:cs typeface="Menlo Regular"/>
+              </a:rPr>
+            </a:br>
+            <a:r>
+              <a:rPr lang="en-US" sz="1000" dirty="0">
+                <a:latin typeface="Menlo Regular"/>
+                <a:cs typeface="Menlo Regular"/>
+              </a:rPr>
+              <a:t>        </a:t>
+            </a:r>
+            <a:r>
+              <a:rPr lang="en-US" sz="1000" dirty="0" err="1">
+                <a:latin typeface="Menlo Regular"/>
+                <a:cs typeface="Menlo Regular"/>
+              </a:rPr>
+              <a:t>first.getVolumesPeriodEnd</a:t>
+            </a:r>
+            <a:r>
+              <a:rPr lang="en-US" sz="1000" dirty="0">
+                <a:latin typeface="Menlo Regular"/>
+                <a:cs typeface="Menlo Regular"/>
+              </a:rPr>
+              <a:t>(),</a:t>
+            </a:r>
+            <a:br>
+              <a:rPr lang="en-US" sz="1000" dirty="0">
+                <a:latin typeface="Menlo Regular"/>
+                <a:cs typeface="Menlo Regular"/>
+              </a:rPr>
+            </a:br>
+            <a:r>
+              <a:rPr lang="en-US" sz="1000" dirty="0">
+                <a:latin typeface="Menlo Regular"/>
+                <a:cs typeface="Menlo Regular"/>
+              </a:rPr>
+              <a:t>        </a:t>
+            </a:r>
+            <a:r>
+              <a:rPr lang="en-US" sz="1000" dirty="0" err="1">
+                <a:latin typeface="Menlo Regular"/>
+                <a:cs typeface="Menlo Regular"/>
+              </a:rPr>
+              <a:t>volumes.stream</a:t>
+            </a:r>
+            <a:r>
+              <a:rPr lang="en-US" sz="1000" dirty="0">
+                <a:latin typeface="Menlo Regular"/>
+                <a:cs typeface="Menlo Regular"/>
+              </a:rPr>
+              <a:t>().</a:t>
+            </a:r>
+            <a:r>
+              <a:rPr lang="en-US" sz="1000" dirty="0" err="1">
+                <a:latin typeface="Menlo Regular"/>
+                <a:cs typeface="Menlo Regular"/>
+              </a:rPr>
+              <a:t>mapToDouble</a:t>
+            </a:r>
+            <a:r>
+              <a:rPr lang="en-US" sz="1000" dirty="0">
+                <a:latin typeface="Menlo Regular"/>
+                <a:cs typeface="Menlo Regular"/>
+              </a:rPr>
+              <a:t>(vi -&gt; </a:t>
+            </a:r>
+            <a:r>
+              <a:rPr lang="en-US" sz="1000" dirty="0" err="1">
+                <a:latin typeface="Menlo Regular"/>
+                <a:cs typeface="Menlo Regular"/>
+              </a:rPr>
+              <a:t>Math.min</a:t>
+            </a:r>
+            <a:r>
+              <a:rPr lang="en-US" sz="1000" dirty="0">
+                <a:latin typeface="Menlo Regular"/>
+                <a:cs typeface="Menlo Regular"/>
+              </a:rPr>
+              <a:t>(</a:t>
+            </a:r>
+            <a:r>
+              <a:rPr lang="en-US" sz="1000" dirty="0" err="1">
+                <a:latin typeface="Menlo Regular"/>
+                <a:cs typeface="Menlo Regular"/>
+              </a:rPr>
+              <a:t>vi.getLeftAutoOrder</a:t>
+            </a:r>
+            <a:r>
+              <a:rPr lang="en-US" sz="1000" dirty="0">
+                <a:latin typeface="Menlo Regular"/>
+                <a:cs typeface="Menlo Regular"/>
+              </a:rPr>
+              <a:t>(), </a:t>
+            </a:r>
+            <a:r>
+              <a:rPr lang="en-US" sz="1000" dirty="0" err="1">
+                <a:latin typeface="Menlo Regular"/>
+                <a:cs typeface="Menlo Regular"/>
+              </a:rPr>
+              <a:t>Constants.FIVE_THOUSAND</a:t>
+            </a:r>
+            <a:r>
+              <a:rPr lang="en-US" sz="1000" dirty="0">
+                <a:latin typeface="Menlo Regular"/>
+                <a:cs typeface="Menlo Regular"/>
+              </a:rPr>
+              <a:t>)).sum(),</a:t>
+            </a:r>
+            <a:br>
+              <a:rPr lang="en-US" sz="1000" dirty="0">
+                <a:latin typeface="Menlo Regular"/>
+                <a:cs typeface="Menlo Regular"/>
+              </a:rPr>
+            </a:br>
+            <a:r>
+              <a:rPr lang="en-US" sz="1000" dirty="0">
+                <a:latin typeface="Menlo Regular"/>
+                <a:cs typeface="Menlo Regular"/>
+              </a:rPr>
+              <a:t>        </a:t>
+            </a:r>
+            <a:r>
+              <a:rPr lang="en-US" sz="1000" dirty="0" err="1">
+                <a:latin typeface="Menlo Regular"/>
+                <a:cs typeface="Menlo Regular"/>
+              </a:rPr>
+              <a:t>volumes.stream</a:t>
+            </a:r>
+            <a:r>
+              <a:rPr lang="en-US" sz="1000" dirty="0">
+                <a:latin typeface="Menlo Regular"/>
+                <a:cs typeface="Menlo Regular"/>
+              </a:rPr>
+              <a:t>().</a:t>
+            </a:r>
+            <a:r>
+              <a:rPr lang="en-US" sz="1000" dirty="0" err="1">
+                <a:latin typeface="Menlo Regular"/>
+                <a:cs typeface="Menlo Regular"/>
+              </a:rPr>
+              <a:t>mapToDouble</a:t>
+            </a:r>
+            <a:r>
+              <a:rPr lang="en-US" sz="1000" dirty="0">
+                <a:latin typeface="Menlo Regular"/>
+                <a:cs typeface="Menlo Regular"/>
+              </a:rPr>
+              <a:t>(vi -&gt; </a:t>
+            </a:r>
+            <a:r>
+              <a:rPr lang="en-US" sz="1000" dirty="0" err="1">
+                <a:latin typeface="Menlo Regular"/>
+                <a:cs typeface="Menlo Regular"/>
+              </a:rPr>
+              <a:t>Math.min</a:t>
+            </a:r>
+            <a:r>
+              <a:rPr lang="en-US" sz="1000" dirty="0">
+                <a:latin typeface="Menlo Regular"/>
+                <a:cs typeface="Menlo Regular"/>
+              </a:rPr>
+              <a:t>(</a:t>
+            </a:r>
+            <a:r>
+              <a:rPr lang="en-US" sz="1000" dirty="0" err="1">
+                <a:latin typeface="Menlo Regular"/>
+                <a:cs typeface="Menlo Regular"/>
+              </a:rPr>
+              <a:t>vi.getRightAutoOrder</a:t>
+            </a:r>
+            <a:r>
+              <a:rPr lang="en-US" sz="1000" dirty="0">
+                <a:latin typeface="Menlo Regular"/>
+                <a:cs typeface="Menlo Regular"/>
+              </a:rPr>
+              <a:t>(), </a:t>
+            </a:r>
+            <a:r>
+              <a:rPr lang="en-US" sz="1000" dirty="0" err="1">
+                <a:latin typeface="Menlo Regular"/>
+                <a:cs typeface="Menlo Regular"/>
+              </a:rPr>
+              <a:t>Constants.FIVE_THOUSAND</a:t>
+            </a:r>
+            <a:r>
+              <a:rPr lang="en-US" sz="1000" dirty="0">
+                <a:latin typeface="Menlo Regular"/>
+                <a:cs typeface="Menlo Regular"/>
+              </a:rPr>
+              <a:t>)).sum());</a:t>
+            </a:r>
+          </a:p>
+        </p:txBody>
+      </p:sp>
+    </p:spTree>
+    <p:extLst>
+      <p:ext uri="{BB962C8B-B14F-4D97-AF65-F5344CB8AC3E}">
+        <p14:creationId xmlns:p14="http://schemas.microsoft.com/office/powerpoint/2010/main" val="298295824"/>
+      </p:ext>
+    </p:extLst>
+  </p:cSld>
+  <p:clrMapOvr>
+    <a:masterClrMapping/>
+  </p:clrMapOvr>
+</p:sld>
+</file>
+
+<file path=ppt/slides/slide16.xml><?xml version="1.0" encoding="utf-8"?>
+<p:sld xmlns:a="http://schemas.openxmlformats.org/drawingml/2006/main" xmlns:r="http://schemas.openxmlformats.org/officeDocument/2006/relationships" xmlns:p="http://schemas.openxmlformats.org/presentationml/2006/main">
+  <p:cSld>
+    <p:spTree>
+      <p:nvGrpSpPr>
+        <p:cNvPr id="1" name=""/>
+        <p:cNvGrpSpPr/>
+        <p:nvPr/>
+      </p:nvGrpSpPr>
+      <p:grpSpPr>
+        <a:xfrm>
+          <a:off x="0" y="0"/>
+          <a:ext cx="0" cy="0"/>
+          <a:chOff x="0" y="0"/>
+          <a:chExt cx="0" cy="0"/>
+        </a:xfrm>
+      </p:grpSpPr>
+      <p:sp>
+        <p:nvSpPr>
+          <p:cNvPr id="2" name="Title 1"/>
+          <p:cNvSpPr>
+            <a:spLocks noGrp="1"/>
+          </p:cNvSpPr>
+          <p:nvPr>
+            <p:ph type="title"/>
+          </p:nvPr>
+        </p:nvSpPr>
+        <p:spPr/>
+        <p:txBody>
           <a:bodyPr>
             <a:normAutofit fontScale="90000"/>
           </a:bodyPr>
@@ -6613,14 +6515,7 @@
                 <a:latin typeface="Menlo Regular"/>
                 <a:cs typeface="Menlo Regular"/>
               </a:rPr>
-              <a:t>Category </a:t>
-            </a:r>
-            <a:r>
-              <a:rPr lang="en-US" sz="1100" dirty="0">
-                <a:latin typeface="Menlo Regular"/>
-                <a:cs typeface="Menlo Regular"/>
-              </a:rPr>
-              <a:t>parent</a:t>
+              <a:t>Category parent</a:t>
             </a:r>
             <a:r>
               <a:rPr lang="en-US" sz="1100" dirty="0" smtClean="0">
@@ -6774,63 +6669,21 @@
                 <a:latin typeface="Menlo Regular"/>
                 <a:cs typeface="Menlo Regular"/>
               </a:rPr>
-              <a:t>(</a:t>
+              <a:t>(parent, </a:t>
+            </a:r>
+            <a:r>
+              <a:rPr lang="en-US" sz="1100" dirty="0" err="1">
+                <a:latin typeface="Menlo Regular"/>
+                <a:cs typeface="Menlo Regular"/>
+              </a:rPr>
+              <a:t>categoryPredicate.test</a:t>
             </a:r>
             <a:r>
               <a:rPr lang="en-US" sz="1100" dirty="0">
                 <a:latin typeface="Menlo Regular"/>
                 <a:cs typeface="Menlo Regular"/>
               </a:rPr>
-              <a:t>parent</a:t>
-            </a:r>
-            <a:r>
-              <a:rPr lang="en-US" sz="1100" dirty="0">
-                <a:latin typeface="Menlo Regular"/>
-                <a:cs typeface="Menlo Regular"/>
-              </a:rPr>
-              <a:t>, </a:t>
-            </a:r>
-            <a:r>
-              <a:rPr lang="en-US" sz="1100" dirty="0" err="1">
-                <a:latin typeface="Menlo Regular"/>
-                <a:cs typeface="Menlo Regular"/>
-              </a:rPr>
-              <a:t>categoryPredicate</a:t>
-            </a:r>
-            <a:r>
-              <a:rPr lang="en-US" sz="1100" dirty="0" err="1">
-                <a:latin typeface="Menlo Regular"/>
-                <a:cs typeface="Menlo Regular"/>
-              </a:rPr>
-              <a:t>.</a:t>
-            </a:r>
-            <a:r>
-              <a:rPr lang="en-US" sz="1100" dirty="0" err="1">
-                <a:latin typeface="Menlo Regular"/>
-                <a:cs typeface="Menlo Regular"/>
-              </a:rPr>
-              <a:t>test</a:t>
-            </a:r>
-            <a:r>
-              <a:rPr lang="en-US" sz="1100" dirty="0">
-                <a:latin typeface="Menlo Regular"/>
-                <a:cs typeface="Menlo Regular"/>
-              </a:rPr>
-              <a:t>(</a:t>
-            </a:r>
-            <a:r>
-              <a:rPr lang="en-US" sz="1100" dirty="0">
-                <a:latin typeface="Menlo Regular"/>
-                <a:cs typeface="Menlo Regular"/>
-              </a:rPr>
-              <a:t>parent</a:t>
-            </a:r>
-            <a:r>
-              <a:rPr lang="en-US" sz="1100" dirty="0">
-                <a:latin typeface="Menlo Regular"/>
-                <a:cs typeface="Menlo Regular"/>
-              </a:rPr>
-              <a:t>) ?</a:t>
+              <a:t>(parent) ?</a:t>
             </a:r>
             <a:br>
               <a:rPr lang="en-US" sz="1100" dirty="0">
@@ -6864,21 +6717,7 @@
                 <a:latin typeface="Menlo Regular"/>
                 <a:cs typeface="Menlo Regular"/>
               </a:rPr>
-              <a:t>parent</a:t>
-            </a:r>
-            <a:r>
-              <a:rPr lang="en-US" sz="1100" dirty="0" err="1">
-                <a:latin typeface="Menlo Regular"/>
-                <a:cs typeface="Menlo Regular"/>
-              </a:rPr>
-              <a:t>.</a:t>
-            </a:r>
-            <a:r>
-              <a:rPr lang="en-US" sz="1100" dirty="0" err="1">
-                <a:latin typeface="Menlo Regular"/>
-                <a:cs typeface="Menlo Regular"/>
-              </a:rPr>
-              <a:t>getCategoryProducts</a:t>
+              <a:t>parent.getCategoryProducts</a:t>
             </a:r>
             <a:r>
               <a:rPr lang="en-US" sz="1100" dirty="0">
@@ -6959,21 +6798,7 @@
                 <a:latin typeface="Menlo Regular"/>
                 <a:cs typeface="Menlo Regular"/>
               </a:rPr>
-              <a:t>parent</a:t>
-            </a:r>
-            <a:r>
-              <a:rPr lang="en-US" sz="1100" dirty="0" err="1">
-                <a:latin typeface="Menlo Regular"/>
-                <a:cs typeface="Menlo Regular"/>
-              </a:rPr>
-              <a:t>.</a:t>
-            </a:r>
-            <a:r>
-              <a:rPr lang="en-US" sz="1100" dirty="0" err="1">
-                <a:latin typeface="Menlo Regular"/>
-                <a:cs typeface="Menlo Regular"/>
-              </a:rPr>
-              <a:t>getChildren</a:t>
+              <a:t>parent.getChildren</a:t>
             </a:r>
             <a:r>
               <a:rPr lang="en-US" sz="1100" dirty="0">
@@ -6993,56 +6818,21 @@
                 <a:latin typeface="Menlo Regular"/>
                 <a:cs typeface="Menlo Regular"/>
               </a:rPr>
-              <a:t>                    .</a:t>
+              <a:t>                    .map(category -&gt; </a:t>
+            </a:r>
+            <a:r>
+              <a:rPr lang="en-US" sz="1100" dirty="0" err="1">
+                <a:latin typeface="Menlo Regular"/>
+                <a:cs typeface="Menlo Regular"/>
+              </a:rPr>
+              <a:t>depthFirstProducts</a:t>
             </a:r>
             <a:r>
               <a:rPr lang="en-US" sz="1100" dirty="0">
                 <a:latin typeface="Menlo Regular"/>
                 <a:cs typeface="Menlo Regular"/>
               </a:rPr>
-              <a:t>map</a:t>
-            </a:r>
-            <a:r>
-              <a:rPr lang="en-US" sz="1100" dirty="0">
-                <a:latin typeface="Menlo Regular"/>
-                <a:cs typeface="Menlo Regular"/>
-              </a:rPr>
-              <a:t>(</a:t>
-            </a:r>
-            <a:r>
-              <a:rPr lang="en-US" sz="1100" dirty="0">
-                <a:latin typeface="Menlo Regular"/>
-                <a:cs typeface="Menlo Regular"/>
-              </a:rPr>
-              <a:t>category -&gt; </a:t>
-            </a:r>
-            <a:r>
-              <a:rPr lang="en-US" sz="1100" dirty="0" err="1">
-                <a:latin typeface="Menlo Regular"/>
-                <a:cs typeface="Menlo Regular"/>
-              </a:rPr>
-              <a:t>depthFirstProducts</a:t>
-            </a:r>
-            <a:r>
-              <a:rPr lang="en-US" sz="1100" dirty="0">
-                <a:latin typeface="Menlo Regular"/>
-                <a:cs typeface="Menlo Regular"/>
-              </a:rPr>
-              <a:t>(</a:t>
-            </a:r>
-            <a:r>
-              <a:rPr lang="en-US" sz="1100" dirty="0">
-                <a:latin typeface="Menlo Regular"/>
-                <a:cs typeface="Menlo Regular"/>
-              </a:rPr>
-              <a:t>category</a:t>
-            </a:r>
-            <a:r>
-              <a:rPr lang="en-US" sz="1100" dirty="0">
-                <a:latin typeface="Menlo Regular"/>
-                <a:cs typeface="Menlo Regular"/>
-              </a:rPr>
-              <a:t>, </a:t>
+              <a:t>(category, </a:t>
             </a:r>
             <a:r>
               <a:rPr lang="en-US" sz="1100" dirty="0" err="1">
@@ -7112,10 +6902,6 @@
               </a:rPr>
               <a:t>}</a:t>
             </a:r>
-            <a:endParaRPr lang="en-US" sz="1100" dirty="0">
-              <a:latin typeface="Menlo Regular"/>
-              <a:cs typeface="Menlo Regular"/>
-            </a:endParaRPr>
           </a:p>
         </p:txBody>
       </p:sp>
